--- a/presentation.pptx
+++ b/presentation.pptx
@@ -8,7 +8,15 @@
     <p:sldId id="256" r:id="rId2"/>
     <p:sldId id="257" r:id="rId3"/>
     <p:sldId id="258" r:id="rId4"/>
-    <p:sldId id="259" r:id="rId5"/>
+    <p:sldId id="263" r:id="rId5"/>
+    <p:sldId id="259" r:id="rId6"/>
+    <p:sldId id="261" r:id="rId7"/>
+    <p:sldId id="265" r:id="rId8"/>
+    <p:sldId id="266" r:id="rId9"/>
+    <p:sldId id="267" r:id="rId10"/>
+    <p:sldId id="268" r:id="rId11"/>
+    <p:sldId id="269" r:id="rId12"/>
+    <p:sldId id="260" r:id="rId13"/>
   </p:sldIdLst>
   <p:sldSz cx="12192000" cy="6858000"/>
   <p:notesSz cx="6858000" cy="9144000"/>
@@ -113,6 +121,7061 @@
     </p:ext>
   </p:extLst>
 </p:presentation>
+</file>
+
+<file path=ppt/charts/chart1.xml><?xml version="1.0" encoding="utf-8"?>
+<c:chartSpace xmlns:c="http://schemas.openxmlformats.org/drawingml/2006/chart" xmlns:a="http://schemas.openxmlformats.org/drawingml/2006/main" xmlns:r="http://schemas.openxmlformats.org/officeDocument/2006/relationships" xmlns:c16r2="http://schemas.microsoft.com/office/drawing/2015/06/chart">
+  <c:date1904 val="0"/>
+  <c:lang val="en-US"/>
+  <c:roundedCorners val="0"/>
+  <mc:AlternateContent xmlns:mc="http://schemas.openxmlformats.org/markup-compatibility/2006">
+    <mc:Choice xmlns:c14="http://schemas.microsoft.com/office/drawing/2007/8/2/chart" Requires="c14">
+      <c14:style val="102"/>
+    </mc:Choice>
+    <mc:Fallback>
+      <c:style val="2"/>
+    </mc:Fallback>
+  </mc:AlternateContent>
+  <c:chart>
+    <c:title>
+      <c:tx>
+        <c:rich>
+          <a:bodyPr rot="0" spcFirstLastPara="1" vertOverflow="ellipsis" vert="horz" wrap="square" anchor="ctr" anchorCtr="1"/>
+          <a:lstStyle/>
+          <a:p>
+            <a:pPr>
+              <a:defRPr sz="1400" b="0" i="0" u="none" strike="noStrike" kern="1200" spc="0" baseline="0">
+                <a:solidFill>
+                  <a:schemeClr val="tx1">
+                    <a:lumMod val="65000"/>
+                    <a:lumOff val="35000"/>
+                  </a:schemeClr>
+                </a:solidFill>
+                <a:latin typeface="+mn-lt"/>
+                <a:ea typeface="+mn-ea"/>
+                <a:cs typeface="+mn-cs"/>
+              </a:defRPr>
+            </a:pPr>
+            <a:r>
+              <a:rPr lang="en-US" dirty="0"/>
+              <a:t>Authors: JMRL</a:t>
+            </a:r>
+            <a:r>
+              <a:rPr lang="en-US" baseline="0" dirty="0"/>
+              <a:t> / NIPS Publications</a:t>
+            </a:r>
+            <a:endParaRPr lang="en-US" dirty="0"/>
+          </a:p>
+        </c:rich>
+      </c:tx>
+      <c:overlay val="0"/>
+      <c:spPr>
+        <a:noFill/>
+        <a:ln>
+          <a:noFill/>
+        </a:ln>
+        <a:effectLst/>
+      </c:spPr>
+      <c:txPr>
+        <a:bodyPr rot="0" spcFirstLastPara="1" vertOverflow="ellipsis" vert="horz" wrap="square" anchor="ctr" anchorCtr="1"/>
+        <a:lstStyle/>
+        <a:p>
+          <a:pPr>
+            <a:defRPr sz="1400" b="0" i="0" u="none" strike="noStrike" kern="1200" spc="0" baseline="0">
+              <a:solidFill>
+                <a:schemeClr val="tx1">
+                  <a:lumMod val="65000"/>
+                  <a:lumOff val="35000"/>
+                </a:schemeClr>
+              </a:solidFill>
+              <a:latin typeface="+mn-lt"/>
+              <a:ea typeface="+mn-ea"/>
+              <a:cs typeface="+mn-cs"/>
+            </a:defRPr>
+          </a:pPr>
+          <a:endParaRPr lang="en-US"/>
+        </a:p>
+      </c:txPr>
+    </c:title>
+    <c:autoTitleDeleted val="0"/>
+    <c:plotArea>
+      <c:layout/>
+      <c:barChart>
+        <c:barDir val="bar"/>
+        <c:grouping val="clustered"/>
+        <c:varyColors val="0"/>
+        <c:ser>
+          <c:idx val="0"/>
+          <c:order val="0"/>
+          <c:spPr>
+            <a:solidFill>
+              <a:schemeClr val="tx2">
+                <a:lumMod val="20000"/>
+                <a:lumOff val="80000"/>
+              </a:schemeClr>
+            </a:solidFill>
+            <a:ln>
+              <a:solidFill>
+                <a:schemeClr val="accent1"/>
+              </a:solidFill>
+            </a:ln>
+            <a:effectLst/>
+          </c:spPr>
+          <c:invertIfNegative val="0"/>
+          <c:dLbls>
+            <c:spPr>
+              <a:noFill/>
+              <a:ln>
+                <a:noFill/>
+              </a:ln>
+              <a:effectLst/>
+            </c:spPr>
+            <c:txPr>
+              <a:bodyPr rot="0" spcFirstLastPara="1" vertOverflow="ellipsis" vert="horz" wrap="square" lIns="38100" tIns="19050" rIns="38100" bIns="19050" anchor="ctr" anchorCtr="1">
+                <a:spAutoFit/>
+              </a:bodyPr>
+              <a:lstStyle/>
+              <a:p>
+                <a:pPr>
+                  <a:defRPr sz="900" b="0" i="0" u="none" strike="noStrike" kern="1200" baseline="0">
+                    <a:solidFill>
+                      <a:schemeClr val="tx1">
+                        <a:lumMod val="75000"/>
+                        <a:lumOff val="25000"/>
+                      </a:schemeClr>
+                    </a:solidFill>
+                    <a:latin typeface="+mn-lt"/>
+                    <a:ea typeface="+mn-ea"/>
+                    <a:cs typeface="+mn-cs"/>
+                  </a:defRPr>
+                </a:pPr>
+                <a:endParaRPr lang="en-US"/>
+              </a:p>
+            </c:txPr>
+            <c:showLegendKey val="0"/>
+            <c:showVal val="1"/>
+            <c:showCatName val="0"/>
+            <c:showSerName val="0"/>
+            <c:showPercent val="0"/>
+            <c:showBubbleSize val="0"/>
+            <c:showLeaderLines val="0"/>
+            <c:extLst>
+              <c:ext xmlns:c15="http://schemas.microsoft.com/office/drawing/2012/chart" uri="{CE6537A1-D6FC-4f65-9D91-7224C49458BB}">
+                <c15:showLeaderLines val="1"/>
+                <c15:leaderLines>
+                  <c:spPr>
+                    <a:ln w="9525" cap="flat" cmpd="sng" algn="ctr">
+                      <a:solidFill>
+                        <a:schemeClr val="tx1">
+                          <a:lumMod val="35000"/>
+                          <a:lumOff val="65000"/>
+                        </a:schemeClr>
+                      </a:solidFill>
+                      <a:round/>
+                    </a:ln>
+                    <a:effectLst/>
+                  </c:spPr>
+                </c15:leaderLines>
+              </c:ext>
+            </c:extLst>
+          </c:dLbls>
+          <c:cat>
+            <c:strRef>
+              <c:f>Sheet1!$A$1:$A$20</c:f>
+              <c:strCache>
+                <c:ptCount val="20"/>
+                <c:pt idx="0">
+                  <c:v>Yoshua Bengio</c:v>
+                </c:pt>
+                <c:pt idx="1">
+                  <c:v>Koby Crammer</c:v>
+                </c:pt>
+                <c:pt idx="2">
+                  <c:v>Elad Hazan</c:v>
+                </c:pt>
+                <c:pt idx="3">
+                  <c:v>Michael C. Mozer</c:v>
+                </c:pt>
+                <c:pt idx="4">
+                  <c:v>Ofer Dekel</c:v>
+                </c:pt>
+                <c:pt idx="5">
+                  <c:v>Francis R. Bach</c:v>
+                </c:pt>
+                <c:pt idx="6">
+                  <c:v>Tong Zhang</c:v>
+                </c:pt>
+                <c:pt idx="7">
+                  <c:v>Peter Dayan</c:v>
+                </c:pt>
+                <c:pt idx="8">
+                  <c:v>Corinna Cortes</c:v>
+                </c:pt>
+                <c:pt idx="9">
+                  <c:v>Kenji Fukumizu</c:v>
+                </c:pt>
+                <c:pt idx="10">
+                  <c:v>David Barber</c:v>
+                </c:pt>
+                <c:pt idx="11">
+                  <c:v>Han Liu</c:v>
+                </c:pt>
+                <c:pt idx="12">
+                  <c:v>Zoubin Ghahramani</c:v>
+                </c:pt>
+                <c:pt idx="13">
+                  <c:v>Manfred Opper</c:v>
+                </c:pt>
+                <c:pt idx="14">
+                  <c:v>Peter L. Bartlett</c:v>
+                </c:pt>
+                <c:pt idx="15">
+                  <c:v>Brendan J. Frey</c:v>
+                </c:pt>
+                <c:pt idx="16">
+                  <c:v>Peter Sollich</c:v>
+                </c:pt>
+                <c:pt idx="17">
+                  <c:v>Richard S. Zemel</c:v>
+                </c:pt>
+                <c:pt idx="18">
+                  <c:v>Ping Li</c:v>
+                </c:pt>
+                <c:pt idx="19">
+                  <c:v>Wolfgang Maass</c:v>
+                </c:pt>
+              </c:strCache>
+            </c:strRef>
+          </c:cat>
+          <c:val>
+            <c:numRef>
+              <c:f>Sheet1!$B$1:$B$20</c:f>
+              <c:numCache>
+                <c:formatCode>General</c:formatCode>
+                <c:ptCount val="20"/>
+                <c:pt idx="0">
+                  <c:v>24</c:v>
+                </c:pt>
+                <c:pt idx="1">
+                  <c:v>18</c:v>
+                </c:pt>
+                <c:pt idx="2">
+                  <c:v>17</c:v>
+                </c:pt>
+                <c:pt idx="3">
+                  <c:v>16</c:v>
+                </c:pt>
+                <c:pt idx="4">
+                  <c:v>15</c:v>
+                </c:pt>
+                <c:pt idx="5">
+                  <c:v>15</c:v>
+                </c:pt>
+                <c:pt idx="6">
+                  <c:v>15</c:v>
+                </c:pt>
+                <c:pt idx="7">
+                  <c:v>15</c:v>
+                </c:pt>
+                <c:pt idx="8">
+                  <c:v>14</c:v>
+                </c:pt>
+                <c:pt idx="9">
+                  <c:v>13</c:v>
+                </c:pt>
+                <c:pt idx="10">
+                  <c:v>13</c:v>
+                </c:pt>
+                <c:pt idx="11">
+                  <c:v>12</c:v>
+                </c:pt>
+                <c:pt idx="12">
+                  <c:v>12</c:v>
+                </c:pt>
+                <c:pt idx="13">
+                  <c:v>12</c:v>
+                </c:pt>
+                <c:pt idx="14">
+                  <c:v>12</c:v>
+                </c:pt>
+                <c:pt idx="15">
+                  <c:v>11</c:v>
+                </c:pt>
+                <c:pt idx="16">
+                  <c:v>11</c:v>
+                </c:pt>
+                <c:pt idx="17">
+                  <c:v>11</c:v>
+                </c:pt>
+                <c:pt idx="18">
+                  <c:v>11</c:v>
+                </c:pt>
+                <c:pt idx="19">
+                  <c:v>11</c:v>
+                </c:pt>
+              </c:numCache>
+            </c:numRef>
+          </c:val>
+          <c:extLst>
+            <c:ext xmlns:c16="http://schemas.microsoft.com/office/drawing/2014/chart" uri="{C3380CC4-5D6E-409C-BE32-E72D297353CC}">
+              <c16:uniqueId val="{00000000-0A90-41D4-8971-9748E1385037}"/>
+            </c:ext>
+          </c:extLst>
+        </c:ser>
+        <c:dLbls>
+          <c:showLegendKey val="0"/>
+          <c:showVal val="0"/>
+          <c:showCatName val="0"/>
+          <c:showSerName val="0"/>
+          <c:showPercent val="0"/>
+          <c:showBubbleSize val="0"/>
+        </c:dLbls>
+        <c:gapWidth val="100"/>
+        <c:overlap val="3"/>
+        <c:axId val="751090352"/>
+        <c:axId val="751090024"/>
+      </c:barChart>
+      <c:catAx>
+        <c:axId val="751090352"/>
+        <c:scaling>
+          <c:orientation val="minMax"/>
+        </c:scaling>
+        <c:delete val="0"/>
+        <c:axPos val="l"/>
+        <c:numFmt formatCode="General" sourceLinked="1"/>
+        <c:majorTickMark val="none"/>
+        <c:minorTickMark val="none"/>
+        <c:tickLblPos val="nextTo"/>
+        <c:spPr>
+          <a:noFill/>
+          <a:ln w="9525" cap="flat" cmpd="sng" algn="ctr">
+            <a:solidFill>
+              <a:schemeClr val="tx1">
+                <a:lumMod val="15000"/>
+                <a:lumOff val="85000"/>
+              </a:schemeClr>
+            </a:solidFill>
+            <a:round/>
+          </a:ln>
+          <a:effectLst/>
+        </c:spPr>
+        <c:txPr>
+          <a:bodyPr rot="-60000000" spcFirstLastPara="1" vertOverflow="ellipsis" vert="horz" wrap="square" anchor="ctr" anchorCtr="1"/>
+          <a:lstStyle/>
+          <a:p>
+            <a:pPr>
+              <a:defRPr sz="900" b="0" i="0" u="none" strike="noStrike" kern="1200" baseline="0">
+                <a:solidFill>
+                  <a:schemeClr val="tx1">
+                    <a:lumMod val="65000"/>
+                    <a:lumOff val="35000"/>
+                  </a:schemeClr>
+                </a:solidFill>
+                <a:latin typeface="+mn-lt"/>
+                <a:ea typeface="+mn-ea"/>
+                <a:cs typeface="+mn-cs"/>
+              </a:defRPr>
+            </a:pPr>
+            <a:endParaRPr lang="en-US"/>
+          </a:p>
+        </c:txPr>
+        <c:crossAx val="751090024"/>
+        <c:crosses val="autoZero"/>
+        <c:auto val="1"/>
+        <c:lblAlgn val="ctr"/>
+        <c:lblOffset val="100"/>
+        <c:noMultiLvlLbl val="0"/>
+      </c:catAx>
+      <c:valAx>
+        <c:axId val="751090024"/>
+        <c:scaling>
+          <c:orientation val="minMax"/>
+        </c:scaling>
+        <c:delete val="0"/>
+        <c:axPos val="b"/>
+        <c:majorGridlines>
+          <c:spPr>
+            <a:ln w="9525" cap="flat" cmpd="sng" algn="ctr">
+              <a:solidFill>
+                <a:schemeClr val="tx1">
+                  <a:lumMod val="15000"/>
+                  <a:lumOff val="85000"/>
+                </a:schemeClr>
+              </a:solidFill>
+              <a:round/>
+            </a:ln>
+            <a:effectLst/>
+          </c:spPr>
+        </c:majorGridlines>
+        <c:numFmt formatCode="General" sourceLinked="1"/>
+        <c:majorTickMark val="none"/>
+        <c:minorTickMark val="none"/>
+        <c:tickLblPos val="nextTo"/>
+        <c:spPr>
+          <a:noFill/>
+          <a:ln>
+            <a:noFill/>
+          </a:ln>
+          <a:effectLst/>
+        </c:spPr>
+        <c:txPr>
+          <a:bodyPr rot="-60000000" spcFirstLastPara="1" vertOverflow="ellipsis" vert="horz" wrap="square" anchor="ctr" anchorCtr="1"/>
+          <a:lstStyle/>
+          <a:p>
+            <a:pPr>
+              <a:defRPr sz="900" b="0" i="0" u="none" strike="noStrike" kern="1200" baseline="0">
+                <a:solidFill>
+                  <a:schemeClr val="tx1">
+                    <a:lumMod val="65000"/>
+                    <a:lumOff val="35000"/>
+                  </a:schemeClr>
+                </a:solidFill>
+                <a:latin typeface="+mn-lt"/>
+                <a:ea typeface="+mn-ea"/>
+                <a:cs typeface="+mn-cs"/>
+              </a:defRPr>
+            </a:pPr>
+            <a:endParaRPr lang="en-US"/>
+          </a:p>
+        </c:txPr>
+        <c:crossAx val="751090352"/>
+        <c:crosses val="autoZero"/>
+        <c:crossBetween val="between"/>
+      </c:valAx>
+      <c:spPr>
+        <a:noFill/>
+        <a:ln>
+          <a:noFill/>
+        </a:ln>
+        <a:effectLst/>
+      </c:spPr>
+    </c:plotArea>
+    <c:plotVisOnly val="1"/>
+    <c:dispBlanksAs val="gap"/>
+    <c:extLst>
+      <c:ext xmlns:c16r3="http://schemas.microsoft.com/office/drawing/2017/03/chart" uri="{56B9EC1D-385E-4148-901F-78D8002777C0}">
+        <c16r3:dataDisplayOptions16>
+          <c16r3:dispNaAsBlank val="1"/>
+        </c16r3:dataDisplayOptions16>
+      </c:ext>
+    </c:extLst>
+    <c:showDLblsOverMax val="0"/>
+  </c:chart>
+  <c:spPr>
+    <a:noFill/>
+    <a:ln>
+      <a:solidFill>
+        <a:schemeClr val="accent1">
+          <a:shade val="50000"/>
+        </a:schemeClr>
+      </a:solidFill>
+    </a:ln>
+    <a:effectLst/>
+  </c:spPr>
+  <c:txPr>
+    <a:bodyPr/>
+    <a:lstStyle/>
+    <a:p>
+      <a:pPr>
+        <a:defRPr/>
+      </a:pPr>
+      <a:endParaRPr lang="en-US"/>
+    </a:p>
+  </c:txPr>
+  <c:externalData r:id="rId3">
+    <c:autoUpdate val="0"/>
+  </c:externalData>
+</c:chartSpace>
+</file>
+
+<file path=ppt/charts/chart2.xml><?xml version="1.0" encoding="utf-8"?>
+<c:chartSpace xmlns:c="http://schemas.openxmlformats.org/drawingml/2006/chart" xmlns:a="http://schemas.openxmlformats.org/drawingml/2006/main" xmlns:r="http://schemas.openxmlformats.org/officeDocument/2006/relationships" xmlns:c16r2="http://schemas.microsoft.com/office/drawing/2015/06/chart">
+  <c:date1904 val="0"/>
+  <c:lang val="en-US"/>
+  <c:roundedCorners val="0"/>
+  <mc:AlternateContent xmlns:mc="http://schemas.openxmlformats.org/markup-compatibility/2006">
+    <mc:Choice xmlns:c14="http://schemas.microsoft.com/office/drawing/2007/8/2/chart" Requires="c14">
+      <c14:style val="102"/>
+    </mc:Choice>
+    <mc:Fallback>
+      <c:style val="2"/>
+    </mc:Fallback>
+  </mc:AlternateContent>
+  <c:chart>
+    <c:title>
+      <c:tx>
+        <c:rich>
+          <a:bodyPr rot="0" spcFirstLastPara="1" vertOverflow="ellipsis" vert="horz" wrap="square" anchor="ctr" anchorCtr="1"/>
+          <a:lstStyle/>
+          <a:p>
+            <a:pPr>
+              <a:defRPr sz="1400" b="0" i="0" u="none" strike="noStrike" kern="1200" spc="0" baseline="0">
+                <a:solidFill>
+                  <a:schemeClr val="tx1">
+                    <a:lumMod val="65000"/>
+                    <a:lumOff val="35000"/>
+                  </a:schemeClr>
+                </a:solidFill>
+                <a:latin typeface="+mn-lt"/>
+                <a:ea typeface="+mn-ea"/>
+                <a:cs typeface="+mn-cs"/>
+              </a:defRPr>
+            </a:pPr>
+            <a:r>
+              <a:rPr lang="en-US" dirty="0"/>
+              <a:t>1987-2018</a:t>
+            </a:r>
+          </a:p>
+        </c:rich>
+      </c:tx>
+      <c:overlay val="0"/>
+      <c:spPr>
+        <a:noFill/>
+        <a:ln>
+          <a:noFill/>
+        </a:ln>
+        <a:effectLst/>
+      </c:spPr>
+      <c:txPr>
+        <a:bodyPr rot="0" spcFirstLastPara="1" vertOverflow="ellipsis" vert="horz" wrap="square" anchor="ctr" anchorCtr="1"/>
+        <a:lstStyle/>
+        <a:p>
+          <a:pPr>
+            <a:defRPr sz="1400" b="0" i="0" u="none" strike="noStrike" kern="1200" spc="0" baseline="0">
+              <a:solidFill>
+                <a:schemeClr val="tx1">
+                  <a:lumMod val="65000"/>
+                  <a:lumOff val="35000"/>
+                </a:schemeClr>
+              </a:solidFill>
+              <a:latin typeface="+mn-lt"/>
+              <a:ea typeface="+mn-ea"/>
+              <a:cs typeface="+mn-cs"/>
+            </a:defRPr>
+          </a:pPr>
+          <a:endParaRPr lang="en-US"/>
+        </a:p>
+      </c:txPr>
+    </c:title>
+    <c:autoTitleDeleted val="0"/>
+    <c:plotArea>
+      <c:layout/>
+      <c:barChart>
+        <c:barDir val="bar"/>
+        <c:grouping val="clustered"/>
+        <c:varyColors val="0"/>
+        <c:ser>
+          <c:idx val="0"/>
+          <c:order val="0"/>
+          <c:spPr>
+            <a:solidFill>
+              <a:schemeClr val="tx2">
+                <a:lumMod val="20000"/>
+                <a:lumOff val="80000"/>
+              </a:schemeClr>
+            </a:solidFill>
+            <a:ln>
+              <a:solidFill>
+                <a:schemeClr val="accent1"/>
+              </a:solidFill>
+            </a:ln>
+            <a:effectLst/>
+          </c:spPr>
+          <c:invertIfNegative val="0"/>
+          <c:dLbls>
+            <c:spPr>
+              <a:noFill/>
+              <a:ln>
+                <a:noFill/>
+              </a:ln>
+              <a:effectLst/>
+            </c:spPr>
+            <c:txPr>
+              <a:bodyPr rot="0" spcFirstLastPara="1" vertOverflow="ellipsis" vert="horz" wrap="square" lIns="38100" tIns="19050" rIns="38100" bIns="19050" anchor="ctr" anchorCtr="1">
+                <a:spAutoFit/>
+              </a:bodyPr>
+              <a:lstStyle/>
+              <a:p>
+                <a:pPr>
+                  <a:defRPr sz="900" b="0" i="0" u="none" strike="noStrike" kern="1200" baseline="0">
+                    <a:solidFill>
+                      <a:schemeClr val="tx1">
+                        <a:lumMod val="75000"/>
+                        <a:lumOff val="25000"/>
+                      </a:schemeClr>
+                    </a:solidFill>
+                    <a:latin typeface="+mn-lt"/>
+                    <a:ea typeface="+mn-ea"/>
+                    <a:cs typeface="+mn-cs"/>
+                  </a:defRPr>
+                </a:pPr>
+                <a:endParaRPr lang="en-US"/>
+              </a:p>
+            </c:txPr>
+            <c:showLegendKey val="0"/>
+            <c:showVal val="1"/>
+            <c:showCatName val="0"/>
+            <c:showSerName val="0"/>
+            <c:showPercent val="0"/>
+            <c:showBubbleSize val="0"/>
+            <c:showLeaderLines val="0"/>
+            <c:extLst>
+              <c:ext xmlns:c15="http://schemas.microsoft.com/office/drawing/2012/chart" uri="{CE6537A1-D6FC-4f65-9D91-7224C49458BB}">
+                <c15:showLeaderLines val="1"/>
+                <c15:leaderLines>
+                  <c:spPr>
+                    <a:ln w="9525" cap="flat" cmpd="sng" algn="ctr">
+                      <a:solidFill>
+                        <a:schemeClr val="tx1">
+                          <a:lumMod val="35000"/>
+                          <a:lumOff val="65000"/>
+                        </a:schemeClr>
+                      </a:solidFill>
+                      <a:round/>
+                    </a:ln>
+                    <a:effectLst/>
+                  </c:spPr>
+                </c15:leaderLines>
+              </c:ext>
+            </c:extLst>
+          </c:dLbls>
+          <c:cat>
+            <c:strRef>
+              <c:f>popular_words_agg_title!$B$1:$B$20</c:f>
+              <c:strCache>
+                <c:ptCount val="20"/>
+                <c:pt idx="0">
+                  <c:v>learning</c:v>
+                </c:pt>
+                <c:pt idx="1">
+                  <c:v>model</c:v>
+                </c:pt>
+                <c:pt idx="2">
+                  <c:v>network</c:v>
+                </c:pt>
+                <c:pt idx="3">
+                  <c:v>neural</c:v>
+                </c:pt>
+                <c:pt idx="4">
+                  <c:v>using</c:v>
+                </c:pt>
+                <c:pt idx="5">
+                  <c:v>algorithm</c:v>
+                </c:pt>
+                <c:pt idx="6">
+                  <c:v>bayesian</c:v>
+                </c:pt>
+                <c:pt idx="7">
+                  <c:v>data</c:v>
+                </c:pt>
+                <c:pt idx="8">
+                  <c:v>analysis</c:v>
+                </c:pt>
+                <c:pt idx="9">
+                  <c:v>kernel</c:v>
+                </c:pt>
+                <c:pt idx="10">
+                  <c:v>via</c:v>
+                </c:pt>
+                <c:pt idx="11">
+                  <c:v>process</c:v>
+                </c:pt>
+                <c:pt idx="12">
+                  <c:v>inference</c:v>
+                </c:pt>
+                <c:pt idx="13">
+                  <c:v>optimization</c:v>
+                </c:pt>
+                <c:pt idx="14">
+                  <c:v>method</c:v>
+                </c:pt>
+                <c:pt idx="15">
+                  <c:v>classification</c:v>
+                </c:pt>
+                <c:pt idx="16">
+                  <c:v>sparse</c:v>
+                </c:pt>
+                <c:pt idx="17">
+                  <c:v>estimation</c:v>
+                </c:pt>
+                <c:pt idx="18">
+                  <c:v>deep</c:v>
+                </c:pt>
+                <c:pt idx="19">
+                  <c:v>gaussian</c:v>
+                </c:pt>
+              </c:strCache>
+            </c:strRef>
+          </c:cat>
+          <c:val>
+            <c:numRef>
+              <c:f>popular_words_agg_title!$C$1:$C$20</c:f>
+              <c:numCache>
+                <c:formatCode>General</c:formatCode>
+                <c:ptCount val="20"/>
+                <c:pt idx="0">
+                  <c:v>2268</c:v>
+                </c:pt>
+                <c:pt idx="1">
+                  <c:v>1150</c:v>
+                </c:pt>
+                <c:pt idx="2">
+                  <c:v>1104</c:v>
+                </c:pt>
+                <c:pt idx="3">
+                  <c:v>784</c:v>
+                </c:pt>
+                <c:pt idx="4">
+                  <c:v>601</c:v>
+                </c:pt>
+                <c:pt idx="5">
+                  <c:v>508</c:v>
+                </c:pt>
+                <c:pt idx="6">
+                  <c:v>435</c:v>
+                </c:pt>
+                <c:pt idx="7">
+                  <c:v>421</c:v>
+                </c:pt>
+                <c:pt idx="8">
+                  <c:v>380</c:v>
+                </c:pt>
+                <c:pt idx="9">
+                  <c:v>376</c:v>
+                </c:pt>
+                <c:pt idx="10">
+                  <c:v>375</c:v>
+                </c:pt>
+                <c:pt idx="11">
+                  <c:v>365</c:v>
+                </c:pt>
+                <c:pt idx="12">
+                  <c:v>362</c:v>
+                </c:pt>
+                <c:pt idx="13">
+                  <c:v>345</c:v>
+                </c:pt>
+                <c:pt idx="14">
+                  <c:v>334</c:v>
+                </c:pt>
+                <c:pt idx="15">
+                  <c:v>330</c:v>
+                </c:pt>
+                <c:pt idx="16">
+                  <c:v>306</c:v>
+                </c:pt>
+                <c:pt idx="17">
+                  <c:v>304</c:v>
+                </c:pt>
+                <c:pt idx="18">
+                  <c:v>304</c:v>
+                </c:pt>
+                <c:pt idx="19">
+                  <c:v>287</c:v>
+                </c:pt>
+              </c:numCache>
+            </c:numRef>
+          </c:val>
+          <c:extLst>
+            <c:ext xmlns:c16="http://schemas.microsoft.com/office/drawing/2014/chart" uri="{C3380CC4-5D6E-409C-BE32-E72D297353CC}">
+              <c16:uniqueId val="{00000000-BFC8-4456-A3D3-C5326323D052}"/>
+            </c:ext>
+          </c:extLst>
+        </c:ser>
+        <c:dLbls>
+          <c:showLegendKey val="0"/>
+          <c:showVal val="0"/>
+          <c:showCatName val="0"/>
+          <c:showSerName val="0"/>
+          <c:showPercent val="0"/>
+          <c:showBubbleSize val="0"/>
+        </c:dLbls>
+        <c:gapWidth val="100"/>
+        <c:overlap val="3"/>
+        <c:axId val="751090352"/>
+        <c:axId val="751090024"/>
+      </c:barChart>
+      <c:catAx>
+        <c:axId val="751090352"/>
+        <c:scaling>
+          <c:orientation val="minMax"/>
+        </c:scaling>
+        <c:delete val="0"/>
+        <c:axPos val="l"/>
+        <c:numFmt formatCode="General" sourceLinked="1"/>
+        <c:majorTickMark val="none"/>
+        <c:minorTickMark val="none"/>
+        <c:tickLblPos val="nextTo"/>
+        <c:spPr>
+          <a:noFill/>
+          <a:ln w="9525" cap="flat" cmpd="sng" algn="ctr">
+            <a:solidFill>
+              <a:schemeClr val="tx1">
+                <a:lumMod val="15000"/>
+                <a:lumOff val="85000"/>
+              </a:schemeClr>
+            </a:solidFill>
+            <a:round/>
+          </a:ln>
+          <a:effectLst/>
+        </c:spPr>
+        <c:txPr>
+          <a:bodyPr rot="-60000000" spcFirstLastPara="1" vertOverflow="ellipsis" vert="horz" wrap="square" anchor="ctr" anchorCtr="1"/>
+          <a:lstStyle/>
+          <a:p>
+            <a:pPr>
+              <a:defRPr sz="900" b="0" i="0" u="none" strike="noStrike" kern="1200" baseline="0">
+                <a:solidFill>
+                  <a:schemeClr val="tx1">
+                    <a:lumMod val="65000"/>
+                    <a:lumOff val="35000"/>
+                  </a:schemeClr>
+                </a:solidFill>
+                <a:latin typeface="+mn-lt"/>
+                <a:ea typeface="+mn-ea"/>
+                <a:cs typeface="+mn-cs"/>
+              </a:defRPr>
+            </a:pPr>
+            <a:endParaRPr lang="en-US"/>
+          </a:p>
+        </c:txPr>
+        <c:crossAx val="751090024"/>
+        <c:crosses val="autoZero"/>
+        <c:auto val="1"/>
+        <c:lblAlgn val="ctr"/>
+        <c:lblOffset val="100"/>
+        <c:noMultiLvlLbl val="0"/>
+      </c:catAx>
+      <c:valAx>
+        <c:axId val="751090024"/>
+        <c:scaling>
+          <c:orientation val="minMax"/>
+        </c:scaling>
+        <c:delete val="0"/>
+        <c:axPos val="b"/>
+        <c:majorGridlines>
+          <c:spPr>
+            <a:ln w="9525" cap="flat" cmpd="sng" algn="ctr">
+              <a:solidFill>
+                <a:schemeClr val="tx1">
+                  <a:lumMod val="15000"/>
+                  <a:lumOff val="85000"/>
+                </a:schemeClr>
+              </a:solidFill>
+              <a:round/>
+            </a:ln>
+            <a:effectLst/>
+          </c:spPr>
+        </c:majorGridlines>
+        <c:numFmt formatCode="General" sourceLinked="1"/>
+        <c:majorTickMark val="none"/>
+        <c:minorTickMark val="none"/>
+        <c:tickLblPos val="nextTo"/>
+        <c:spPr>
+          <a:noFill/>
+          <a:ln>
+            <a:noFill/>
+          </a:ln>
+          <a:effectLst/>
+        </c:spPr>
+        <c:txPr>
+          <a:bodyPr rot="-60000000" spcFirstLastPara="1" vertOverflow="ellipsis" vert="horz" wrap="square" anchor="ctr" anchorCtr="1"/>
+          <a:lstStyle/>
+          <a:p>
+            <a:pPr>
+              <a:defRPr sz="900" b="0" i="0" u="none" strike="noStrike" kern="1200" baseline="0">
+                <a:solidFill>
+                  <a:schemeClr val="tx1">
+                    <a:lumMod val="65000"/>
+                    <a:lumOff val="35000"/>
+                  </a:schemeClr>
+                </a:solidFill>
+                <a:latin typeface="+mn-lt"/>
+                <a:ea typeface="+mn-ea"/>
+                <a:cs typeface="+mn-cs"/>
+              </a:defRPr>
+            </a:pPr>
+            <a:endParaRPr lang="en-US"/>
+          </a:p>
+        </c:txPr>
+        <c:crossAx val="751090352"/>
+        <c:crosses val="autoZero"/>
+        <c:crossBetween val="between"/>
+      </c:valAx>
+      <c:spPr>
+        <a:noFill/>
+        <a:ln>
+          <a:noFill/>
+        </a:ln>
+        <a:effectLst/>
+      </c:spPr>
+    </c:plotArea>
+    <c:plotVisOnly val="1"/>
+    <c:dispBlanksAs val="gap"/>
+    <c:extLst>
+      <c:ext xmlns:c16r3="http://schemas.microsoft.com/office/drawing/2017/03/chart" uri="{56B9EC1D-385E-4148-901F-78D8002777C0}">
+        <c16r3:dataDisplayOptions16>
+          <c16r3:dispNaAsBlank val="1"/>
+        </c16r3:dataDisplayOptions16>
+      </c:ext>
+    </c:extLst>
+    <c:showDLblsOverMax val="0"/>
+  </c:chart>
+  <c:spPr>
+    <a:noFill/>
+    <a:ln>
+      <a:solidFill>
+        <a:schemeClr val="accent1">
+          <a:shade val="50000"/>
+        </a:schemeClr>
+      </a:solidFill>
+    </a:ln>
+    <a:effectLst/>
+  </c:spPr>
+  <c:txPr>
+    <a:bodyPr/>
+    <a:lstStyle/>
+    <a:p>
+      <a:pPr>
+        <a:defRPr/>
+      </a:pPr>
+      <a:endParaRPr lang="en-US"/>
+    </a:p>
+  </c:txPr>
+  <c:externalData r:id="rId3">
+    <c:autoUpdate val="0"/>
+  </c:externalData>
+</c:chartSpace>
+</file>
+
+<file path=ppt/charts/chart3.xml><?xml version="1.0" encoding="utf-8"?>
+<c:chartSpace xmlns:c="http://schemas.openxmlformats.org/drawingml/2006/chart" xmlns:a="http://schemas.openxmlformats.org/drawingml/2006/main" xmlns:r="http://schemas.openxmlformats.org/officeDocument/2006/relationships" xmlns:c16r2="http://schemas.microsoft.com/office/drawing/2015/06/chart">
+  <c:date1904 val="0"/>
+  <c:lang val="en-US"/>
+  <c:roundedCorners val="0"/>
+  <mc:AlternateContent xmlns:mc="http://schemas.openxmlformats.org/markup-compatibility/2006">
+    <mc:Choice xmlns:c14="http://schemas.microsoft.com/office/drawing/2007/8/2/chart" Requires="c14">
+      <c14:style val="102"/>
+    </mc:Choice>
+    <mc:Fallback>
+      <c:style val="2"/>
+    </mc:Fallback>
+  </mc:AlternateContent>
+  <c:chart>
+    <c:title>
+      <c:tx>
+        <c:rich>
+          <a:bodyPr rot="0" spcFirstLastPara="1" vertOverflow="ellipsis" vert="horz" wrap="square" anchor="ctr" anchorCtr="1"/>
+          <a:lstStyle/>
+          <a:p>
+            <a:pPr>
+              <a:defRPr sz="1400" b="0" i="0" u="none" strike="noStrike" kern="1200" spc="0" baseline="0">
+                <a:solidFill>
+                  <a:schemeClr val="tx1">
+                    <a:lumMod val="65000"/>
+                    <a:lumOff val="35000"/>
+                  </a:schemeClr>
+                </a:solidFill>
+                <a:latin typeface="+mn-lt"/>
+                <a:ea typeface="+mn-ea"/>
+                <a:cs typeface="+mn-cs"/>
+              </a:defRPr>
+            </a:pPr>
+            <a:r>
+              <a:rPr lang="en-US" sz="1400" b="0" i="0" baseline="0" dirty="0">
+                <a:effectLst/>
+              </a:rPr>
+              <a:t>2018</a:t>
+            </a:r>
+            <a:endParaRPr lang="en-US" sz="1400" dirty="0">
+              <a:effectLst/>
+            </a:endParaRPr>
+          </a:p>
+        </c:rich>
+      </c:tx>
+      <c:overlay val="0"/>
+      <c:spPr>
+        <a:noFill/>
+        <a:ln>
+          <a:noFill/>
+        </a:ln>
+        <a:effectLst/>
+      </c:spPr>
+      <c:txPr>
+        <a:bodyPr rot="0" spcFirstLastPara="1" vertOverflow="ellipsis" vert="horz" wrap="square" anchor="ctr" anchorCtr="1"/>
+        <a:lstStyle/>
+        <a:p>
+          <a:pPr>
+            <a:defRPr sz="1400" b="0" i="0" u="none" strike="noStrike" kern="1200" spc="0" baseline="0">
+              <a:solidFill>
+                <a:schemeClr val="tx1">
+                  <a:lumMod val="65000"/>
+                  <a:lumOff val="35000"/>
+                </a:schemeClr>
+              </a:solidFill>
+              <a:latin typeface="+mn-lt"/>
+              <a:ea typeface="+mn-ea"/>
+              <a:cs typeface="+mn-cs"/>
+            </a:defRPr>
+          </a:pPr>
+          <a:endParaRPr lang="en-US"/>
+        </a:p>
+      </c:txPr>
+    </c:title>
+    <c:autoTitleDeleted val="0"/>
+    <c:plotArea>
+      <c:layout/>
+      <c:barChart>
+        <c:barDir val="bar"/>
+        <c:grouping val="clustered"/>
+        <c:varyColors val="0"/>
+        <c:ser>
+          <c:idx val="0"/>
+          <c:order val="0"/>
+          <c:spPr>
+            <a:solidFill>
+              <a:schemeClr val="tx2">
+                <a:lumMod val="20000"/>
+                <a:lumOff val="80000"/>
+              </a:schemeClr>
+            </a:solidFill>
+            <a:ln>
+              <a:solidFill>
+                <a:schemeClr val="accent1"/>
+              </a:solidFill>
+            </a:ln>
+            <a:effectLst/>
+          </c:spPr>
+          <c:invertIfNegative val="0"/>
+          <c:dLbls>
+            <c:spPr>
+              <a:noFill/>
+              <a:ln>
+                <a:noFill/>
+              </a:ln>
+              <a:effectLst/>
+            </c:spPr>
+            <c:txPr>
+              <a:bodyPr rot="0" spcFirstLastPara="1" vertOverflow="ellipsis" vert="horz" wrap="square" lIns="38100" tIns="19050" rIns="38100" bIns="19050" anchor="ctr" anchorCtr="1">
+                <a:spAutoFit/>
+              </a:bodyPr>
+              <a:lstStyle/>
+              <a:p>
+                <a:pPr>
+                  <a:defRPr sz="900" b="0" i="0" u="none" strike="noStrike" kern="1200" baseline="0">
+                    <a:solidFill>
+                      <a:schemeClr val="tx1">
+                        <a:lumMod val="75000"/>
+                        <a:lumOff val="25000"/>
+                      </a:schemeClr>
+                    </a:solidFill>
+                    <a:latin typeface="+mn-lt"/>
+                    <a:ea typeface="+mn-ea"/>
+                    <a:cs typeface="+mn-cs"/>
+                  </a:defRPr>
+                </a:pPr>
+                <a:endParaRPr lang="en-US"/>
+              </a:p>
+            </c:txPr>
+            <c:showLegendKey val="0"/>
+            <c:showVal val="1"/>
+            <c:showCatName val="0"/>
+            <c:showSerName val="0"/>
+            <c:showPercent val="0"/>
+            <c:showBubbleSize val="0"/>
+            <c:showLeaderLines val="0"/>
+            <c:extLst>
+              <c:ext xmlns:c15="http://schemas.microsoft.com/office/drawing/2012/chart" uri="{CE6537A1-D6FC-4f65-9D91-7224C49458BB}">
+                <c15:showLeaderLines val="1"/>
+                <c15:leaderLines>
+                  <c:spPr>
+                    <a:ln w="9525" cap="flat" cmpd="sng" algn="ctr">
+                      <a:solidFill>
+                        <a:schemeClr val="tx1">
+                          <a:lumMod val="35000"/>
+                          <a:lumOff val="65000"/>
+                        </a:schemeClr>
+                      </a:solidFill>
+                      <a:round/>
+                    </a:ln>
+                    <a:effectLst/>
+                  </c:spPr>
+                </c15:leaderLines>
+              </c:ext>
+            </c:extLst>
+          </c:dLbls>
+          <c:cat>
+            <c:strRef>
+              <c:f>popular_words_2018_title!$B$1:$B$20</c:f>
+              <c:strCache>
+                <c:ptCount val="20"/>
+                <c:pt idx="0">
+                  <c:v>learning</c:v>
+                </c:pt>
+                <c:pt idx="1">
+                  <c:v>network</c:v>
+                </c:pt>
+                <c:pt idx="2">
+                  <c:v>neural</c:v>
+                </c:pt>
+                <c:pt idx="3">
+                  <c:v>model</c:v>
+                </c:pt>
+                <c:pt idx="4">
+                  <c:v>deep</c:v>
+                </c:pt>
+                <c:pt idx="5">
+                  <c:v>optimization</c:v>
+                </c:pt>
+                <c:pt idx="6">
+                  <c:v>via</c:v>
+                </c:pt>
+                <c:pt idx="7">
+                  <c:v>gradient</c:v>
+                </c:pt>
+                <c:pt idx="8">
+                  <c:v>stochastic</c:v>
+                </c:pt>
+                <c:pt idx="9">
+                  <c:v>data</c:v>
+                </c:pt>
+                <c:pt idx="10">
+                  <c:v>algorithm</c:v>
+                </c:pt>
+                <c:pt idx="11">
+                  <c:v>using</c:v>
+                </c:pt>
+                <c:pt idx="12">
+                  <c:v>bayesian</c:v>
+                </c:pt>
+                <c:pt idx="13">
+                  <c:v>graph</c:v>
+                </c:pt>
+                <c:pt idx="14">
+                  <c:v>adversarial</c:v>
+                </c:pt>
+                <c:pt idx="15">
+                  <c:v>inference</c:v>
+                </c:pt>
+                <c:pt idx="16">
+                  <c:v>process</c:v>
+                </c:pt>
+                <c:pt idx="17">
+                  <c:v>efficient</c:v>
+                </c:pt>
+                <c:pt idx="18">
+                  <c:v>reinforcement</c:v>
+                </c:pt>
+                <c:pt idx="19">
+                  <c:v>representation</c:v>
+                </c:pt>
+              </c:strCache>
+            </c:strRef>
+          </c:cat>
+          <c:val>
+            <c:numRef>
+              <c:f>popular_words_2018_title!$C$1:$C$20</c:f>
+              <c:numCache>
+                <c:formatCode>General</c:formatCode>
+                <c:ptCount val="20"/>
+                <c:pt idx="0">
+                  <c:v>286</c:v>
+                </c:pt>
+                <c:pt idx="1">
+                  <c:v>152</c:v>
+                </c:pt>
+                <c:pt idx="2">
+                  <c:v>112</c:v>
+                </c:pt>
+                <c:pt idx="3">
+                  <c:v>108</c:v>
+                </c:pt>
+                <c:pt idx="4">
+                  <c:v>103</c:v>
+                </c:pt>
+                <c:pt idx="5">
+                  <c:v>75</c:v>
+                </c:pt>
+                <c:pt idx="6">
+                  <c:v>73</c:v>
+                </c:pt>
+                <c:pt idx="7">
+                  <c:v>57</c:v>
+                </c:pt>
+                <c:pt idx="8">
+                  <c:v>52</c:v>
+                </c:pt>
+                <c:pt idx="9">
+                  <c:v>52</c:v>
+                </c:pt>
+                <c:pt idx="10">
+                  <c:v>50</c:v>
+                </c:pt>
+                <c:pt idx="11">
+                  <c:v>46</c:v>
+                </c:pt>
+                <c:pt idx="12">
+                  <c:v>46</c:v>
+                </c:pt>
+                <c:pt idx="13">
+                  <c:v>42</c:v>
+                </c:pt>
+                <c:pt idx="14">
+                  <c:v>41</c:v>
+                </c:pt>
+                <c:pt idx="15">
+                  <c:v>40</c:v>
+                </c:pt>
+                <c:pt idx="16">
+                  <c:v>39</c:v>
+                </c:pt>
+                <c:pt idx="17">
+                  <c:v>39</c:v>
+                </c:pt>
+                <c:pt idx="18">
+                  <c:v>39</c:v>
+                </c:pt>
+                <c:pt idx="19">
+                  <c:v>37</c:v>
+                </c:pt>
+              </c:numCache>
+            </c:numRef>
+          </c:val>
+          <c:extLst>
+            <c:ext xmlns:c16="http://schemas.microsoft.com/office/drawing/2014/chart" uri="{C3380CC4-5D6E-409C-BE32-E72D297353CC}">
+              <c16:uniqueId val="{00000000-05AF-4197-B0C9-E280EFC68DE1}"/>
+            </c:ext>
+          </c:extLst>
+        </c:ser>
+        <c:dLbls>
+          <c:showLegendKey val="0"/>
+          <c:showVal val="0"/>
+          <c:showCatName val="0"/>
+          <c:showSerName val="0"/>
+          <c:showPercent val="0"/>
+          <c:showBubbleSize val="0"/>
+        </c:dLbls>
+        <c:gapWidth val="100"/>
+        <c:overlap val="3"/>
+        <c:axId val="751090352"/>
+        <c:axId val="751090024"/>
+      </c:barChart>
+      <c:catAx>
+        <c:axId val="751090352"/>
+        <c:scaling>
+          <c:orientation val="minMax"/>
+        </c:scaling>
+        <c:delete val="0"/>
+        <c:axPos val="l"/>
+        <c:numFmt formatCode="General" sourceLinked="1"/>
+        <c:majorTickMark val="none"/>
+        <c:minorTickMark val="none"/>
+        <c:tickLblPos val="nextTo"/>
+        <c:spPr>
+          <a:noFill/>
+          <a:ln w="9525" cap="flat" cmpd="sng" algn="ctr">
+            <a:solidFill>
+              <a:schemeClr val="tx1">
+                <a:lumMod val="15000"/>
+                <a:lumOff val="85000"/>
+              </a:schemeClr>
+            </a:solidFill>
+            <a:round/>
+          </a:ln>
+          <a:effectLst/>
+        </c:spPr>
+        <c:txPr>
+          <a:bodyPr rot="-60000000" spcFirstLastPara="1" vertOverflow="ellipsis" vert="horz" wrap="square" anchor="ctr" anchorCtr="1"/>
+          <a:lstStyle/>
+          <a:p>
+            <a:pPr>
+              <a:defRPr sz="900" b="0" i="0" u="none" strike="noStrike" kern="1200" baseline="0">
+                <a:solidFill>
+                  <a:schemeClr val="tx1">
+                    <a:lumMod val="65000"/>
+                    <a:lumOff val="35000"/>
+                  </a:schemeClr>
+                </a:solidFill>
+                <a:latin typeface="+mn-lt"/>
+                <a:ea typeface="+mn-ea"/>
+                <a:cs typeface="+mn-cs"/>
+              </a:defRPr>
+            </a:pPr>
+            <a:endParaRPr lang="en-US"/>
+          </a:p>
+        </c:txPr>
+        <c:crossAx val="751090024"/>
+        <c:crosses val="autoZero"/>
+        <c:auto val="1"/>
+        <c:lblAlgn val="ctr"/>
+        <c:lblOffset val="100"/>
+        <c:noMultiLvlLbl val="0"/>
+      </c:catAx>
+      <c:valAx>
+        <c:axId val="751090024"/>
+        <c:scaling>
+          <c:orientation val="minMax"/>
+        </c:scaling>
+        <c:delete val="0"/>
+        <c:axPos val="b"/>
+        <c:majorGridlines>
+          <c:spPr>
+            <a:ln w="9525" cap="flat" cmpd="sng" algn="ctr">
+              <a:solidFill>
+                <a:schemeClr val="tx1">
+                  <a:lumMod val="15000"/>
+                  <a:lumOff val="85000"/>
+                </a:schemeClr>
+              </a:solidFill>
+              <a:round/>
+            </a:ln>
+            <a:effectLst/>
+          </c:spPr>
+        </c:majorGridlines>
+        <c:numFmt formatCode="General" sourceLinked="1"/>
+        <c:majorTickMark val="none"/>
+        <c:minorTickMark val="none"/>
+        <c:tickLblPos val="nextTo"/>
+        <c:spPr>
+          <a:noFill/>
+          <a:ln>
+            <a:noFill/>
+          </a:ln>
+          <a:effectLst/>
+        </c:spPr>
+        <c:txPr>
+          <a:bodyPr rot="-60000000" spcFirstLastPara="1" vertOverflow="ellipsis" vert="horz" wrap="square" anchor="ctr" anchorCtr="1"/>
+          <a:lstStyle/>
+          <a:p>
+            <a:pPr>
+              <a:defRPr sz="900" b="0" i="0" u="none" strike="noStrike" kern="1200" baseline="0">
+                <a:solidFill>
+                  <a:schemeClr val="tx1">
+                    <a:lumMod val="65000"/>
+                    <a:lumOff val="35000"/>
+                  </a:schemeClr>
+                </a:solidFill>
+                <a:latin typeface="+mn-lt"/>
+                <a:ea typeface="+mn-ea"/>
+                <a:cs typeface="+mn-cs"/>
+              </a:defRPr>
+            </a:pPr>
+            <a:endParaRPr lang="en-US"/>
+          </a:p>
+        </c:txPr>
+        <c:crossAx val="751090352"/>
+        <c:crosses val="autoZero"/>
+        <c:crossBetween val="between"/>
+      </c:valAx>
+      <c:spPr>
+        <a:noFill/>
+        <a:ln>
+          <a:noFill/>
+        </a:ln>
+        <a:effectLst/>
+      </c:spPr>
+    </c:plotArea>
+    <c:plotVisOnly val="1"/>
+    <c:dispBlanksAs val="gap"/>
+    <c:extLst>
+      <c:ext xmlns:c16r3="http://schemas.microsoft.com/office/drawing/2017/03/chart" uri="{56B9EC1D-385E-4148-901F-78D8002777C0}">
+        <c16r3:dataDisplayOptions16>
+          <c16r3:dispNaAsBlank val="1"/>
+        </c16r3:dataDisplayOptions16>
+      </c:ext>
+    </c:extLst>
+    <c:showDLblsOverMax val="0"/>
+  </c:chart>
+  <c:spPr>
+    <a:noFill/>
+    <a:ln>
+      <a:solidFill>
+        <a:schemeClr val="accent1">
+          <a:shade val="50000"/>
+        </a:schemeClr>
+      </a:solidFill>
+    </a:ln>
+    <a:effectLst/>
+  </c:spPr>
+  <c:txPr>
+    <a:bodyPr/>
+    <a:lstStyle/>
+    <a:p>
+      <a:pPr>
+        <a:defRPr/>
+      </a:pPr>
+      <a:endParaRPr lang="en-US"/>
+    </a:p>
+  </c:txPr>
+  <c:externalData r:id="rId3">
+    <c:autoUpdate val="0"/>
+  </c:externalData>
+</c:chartSpace>
+</file>
+
+<file path=ppt/charts/chart4.xml><?xml version="1.0" encoding="utf-8"?>
+<c:chartSpace xmlns:c="http://schemas.openxmlformats.org/drawingml/2006/chart" xmlns:a="http://schemas.openxmlformats.org/drawingml/2006/main" xmlns:r="http://schemas.openxmlformats.org/officeDocument/2006/relationships" xmlns:c16r2="http://schemas.microsoft.com/office/drawing/2015/06/chart">
+  <c:date1904 val="0"/>
+  <c:lang val="en-US"/>
+  <c:roundedCorners val="0"/>
+  <mc:AlternateContent xmlns:mc="http://schemas.openxmlformats.org/markup-compatibility/2006">
+    <mc:Choice xmlns:c14="http://schemas.microsoft.com/office/drawing/2007/8/2/chart" Requires="c14">
+      <c14:style val="102"/>
+    </mc:Choice>
+    <mc:Fallback>
+      <c:style val="2"/>
+    </mc:Fallback>
+  </mc:AlternateContent>
+  <c:chart>
+    <c:title>
+      <c:tx>
+        <c:rich>
+          <a:bodyPr rot="0" spcFirstLastPara="1" vertOverflow="ellipsis" vert="horz" wrap="square" anchor="ctr" anchorCtr="1"/>
+          <a:lstStyle/>
+          <a:p>
+            <a:pPr>
+              <a:defRPr sz="1400" b="0" i="0" u="none" strike="noStrike" kern="1200" spc="0" baseline="0">
+                <a:solidFill>
+                  <a:schemeClr val="tx1">
+                    <a:lumMod val="65000"/>
+                    <a:lumOff val="35000"/>
+                  </a:schemeClr>
+                </a:solidFill>
+                <a:latin typeface="+mn-lt"/>
+                <a:ea typeface="+mn-ea"/>
+                <a:cs typeface="+mn-cs"/>
+              </a:defRPr>
+            </a:pPr>
+            <a:r>
+              <a:rPr lang="en-US" sz="1400" b="0" i="0" baseline="0" dirty="0">
+                <a:effectLst/>
+              </a:rPr>
+              <a:t>2018</a:t>
+            </a:r>
+            <a:endParaRPr lang="en-US" sz="1400" dirty="0">
+              <a:effectLst/>
+            </a:endParaRPr>
+          </a:p>
+        </c:rich>
+      </c:tx>
+      <c:overlay val="0"/>
+      <c:spPr>
+        <a:noFill/>
+        <a:ln>
+          <a:noFill/>
+        </a:ln>
+        <a:effectLst/>
+      </c:spPr>
+      <c:txPr>
+        <a:bodyPr rot="0" spcFirstLastPara="1" vertOverflow="ellipsis" vert="horz" wrap="square" anchor="ctr" anchorCtr="1"/>
+        <a:lstStyle/>
+        <a:p>
+          <a:pPr>
+            <a:defRPr sz="1400" b="0" i="0" u="none" strike="noStrike" kern="1200" spc="0" baseline="0">
+              <a:solidFill>
+                <a:schemeClr val="tx1">
+                  <a:lumMod val="65000"/>
+                  <a:lumOff val="35000"/>
+                </a:schemeClr>
+              </a:solidFill>
+              <a:latin typeface="+mn-lt"/>
+              <a:ea typeface="+mn-ea"/>
+              <a:cs typeface="+mn-cs"/>
+            </a:defRPr>
+          </a:pPr>
+          <a:endParaRPr lang="en-US"/>
+        </a:p>
+      </c:txPr>
+    </c:title>
+    <c:autoTitleDeleted val="0"/>
+    <c:plotArea>
+      <c:layout/>
+      <c:barChart>
+        <c:barDir val="bar"/>
+        <c:grouping val="clustered"/>
+        <c:varyColors val="0"/>
+        <c:ser>
+          <c:idx val="0"/>
+          <c:order val="0"/>
+          <c:spPr>
+            <a:solidFill>
+              <a:schemeClr val="tx2">
+                <a:lumMod val="20000"/>
+                <a:lumOff val="80000"/>
+              </a:schemeClr>
+            </a:solidFill>
+            <a:ln>
+              <a:solidFill>
+                <a:schemeClr val="accent1"/>
+              </a:solidFill>
+            </a:ln>
+            <a:effectLst/>
+          </c:spPr>
+          <c:invertIfNegative val="0"/>
+          <c:dLbls>
+            <c:spPr>
+              <a:noFill/>
+              <a:ln>
+                <a:noFill/>
+              </a:ln>
+              <a:effectLst/>
+            </c:spPr>
+            <c:txPr>
+              <a:bodyPr rot="0" spcFirstLastPara="1" vertOverflow="ellipsis" vert="horz" wrap="square" lIns="38100" tIns="19050" rIns="38100" bIns="19050" anchor="ctr" anchorCtr="1">
+                <a:spAutoFit/>
+              </a:bodyPr>
+              <a:lstStyle/>
+              <a:p>
+                <a:pPr>
+                  <a:defRPr sz="900" b="0" i="0" u="none" strike="noStrike" kern="1200" baseline="0">
+                    <a:solidFill>
+                      <a:schemeClr val="tx1">
+                        <a:lumMod val="75000"/>
+                        <a:lumOff val="25000"/>
+                      </a:schemeClr>
+                    </a:solidFill>
+                    <a:latin typeface="+mn-lt"/>
+                    <a:ea typeface="+mn-ea"/>
+                    <a:cs typeface="+mn-cs"/>
+                  </a:defRPr>
+                </a:pPr>
+                <a:endParaRPr lang="en-US"/>
+              </a:p>
+            </c:txPr>
+            <c:showLegendKey val="0"/>
+            <c:showVal val="1"/>
+            <c:showCatName val="0"/>
+            <c:showSerName val="0"/>
+            <c:showPercent val="0"/>
+            <c:showBubbleSize val="0"/>
+            <c:showLeaderLines val="0"/>
+            <c:extLst>
+              <c:ext xmlns:c15="http://schemas.microsoft.com/office/drawing/2012/chart" uri="{CE6537A1-D6FC-4f65-9D91-7224C49458BB}">
+                <c15:showLeaderLines val="1"/>
+                <c15:leaderLines>
+                  <c:spPr>
+                    <a:ln w="9525" cap="flat" cmpd="sng" algn="ctr">
+                      <a:solidFill>
+                        <a:schemeClr val="tx1">
+                          <a:lumMod val="35000"/>
+                          <a:lumOff val="65000"/>
+                        </a:schemeClr>
+                      </a:solidFill>
+                      <a:round/>
+                    </a:ln>
+                    <a:effectLst/>
+                  </c:spPr>
+                </c15:leaderLines>
+              </c:ext>
+            </c:extLst>
+          </c:dLbls>
+          <c:cat>
+            <c:strRef>
+              <c:f>popular_pairs_2018_title!$B$1:$B$20</c:f>
+              <c:strCache>
+                <c:ptCount val="20"/>
+                <c:pt idx="0">
+                  <c:v>neural network</c:v>
+                </c:pt>
+                <c:pt idx="1">
+                  <c:v>reinforcement learning</c:v>
+                </c:pt>
+                <c:pt idx="2">
+                  <c:v>gradient descent</c:v>
+                </c:pt>
+                <c:pt idx="3">
+                  <c:v>gaussian process</c:v>
+                </c:pt>
+                <c:pt idx="4">
+                  <c:v>deep neural</c:v>
+                </c:pt>
+                <c:pt idx="5">
+                  <c:v>deep learning</c:v>
+                </c:pt>
+                <c:pt idx="6">
+                  <c:v>stochastic gradient</c:v>
+                </c:pt>
+                <c:pt idx="7">
+                  <c:v>nonconvex optimization</c:v>
+                </c:pt>
+                <c:pt idx="8">
+                  <c:v>convolutional neural</c:v>
+                </c:pt>
+                <c:pt idx="9">
+                  <c:v>deep reinforcement</c:v>
+                </c:pt>
+                <c:pt idx="10">
+                  <c:v>generative model</c:v>
+                </c:pt>
+                <c:pt idx="11">
+                  <c:v>generative adversarial</c:v>
+                </c:pt>
+                <c:pt idx="12">
+                  <c:v>deep network</c:v>
+                </c:pt>
+                <c:pt idx="13">
+                  <c:v>monte carlo</c:v>
+                </c:pt>
+                <c:pt idx="14">
+                  <c:v>variational inference</c:v>
+                </c:pt>
+                <c:pt idx="15">
+                  <c:v>graphical model</c:v>
+                </c:pt>
+                <c:pt idx="16">
+                  <c:v>time series</c:v>
+                </c:pt>
+                <c:pt idx="17">
+                  <c:v>learning via</c:v>
+                </c:pt>
+                <c:pt idx="18">
+                  <c:v>recurrent neural</c:v>
+                </c:pt>
+                <c:pt idx="19">
+                  <c:v>unsupervised learning</c:v>
+                </c:pt>
+              </c:strCache>
+            </c:strRef>
+          </c:cat>
+          <c:val>
+            <c:numRef>
+              <c:f>popular_pairs_2018_title!$C$1:$C$20</c:f>
+              <c:numCache>
+                <c:formatCode>General</c:formatCode>
+                <c:ptCount val="20"/>
+                <c:pt idx="0">
+                  <c:v>77</c:v>
+                </c:pt>
+                <c:pt idx="1">
+                  <c:v>38</c:v>
+                </c:pt>
+                <c:pt idx="2">
+                  <c:v>22</c:v>
+                </c:pt>
+                <c:pt idx="3">
+                  <c:v>22</c:v>
+                </c:pt>
+                <c:pt idx="4">
+                  <c:v>17</c:v>
+                </c:pt>
+                <c:pt idx="5">
+                  <c:v>16</c:v>
+                </c:pt>
+                <c:pt idx="6">
+                  <c:v>16</c:v>
+                </c:pt>
+                <c:pt idx="7">
+                  <c:v>12</c:v>
+                </c:pt>
+                <c:pt idx="8">
+                  <c:v>12</c:v>
+                </c:pt>
+                <c:pt idx="9">
+                  <c:v>11</c:v>
+                </c:pt>
+                <c:pt idx="10">
+                  <c:v>10</c:v>
+                </c:pt>
+                <c:pt idx="11">
+                  <c:v>9</c:v>
+                </c:pt>
+                <c:pt idx="12">
+                  <c:v>9</c:v>
+                </c:pt>
+                <c:pt idx="13">
+                  <c:v>9</c:v>
+                </c:pt>
+                <c:pt idx="14">
+                  <c:v>9</c:v>
+                </c:pt>
+                <c:pt idx="15">
+                  <c:v>9</c:v>
+                </c:pt>
+                <c:pt idx="16">
+                  <c:v>9</c:v>
+                </c:pt>
+                <c:pt idx="17">
+                  <c:v>8</c:v>
+                </c:pt>
+                <c:pt idx="18">
+                  <c:v>8</c:v>
+                </c:pt>
+                <c:pt idx="19">
+                  <c:v>8</c:v>
+                </c:pt>
+              </c:numCache>
+            </c:numRef>
+          </c:val>
+          <c:extLst>
+            <c:ext xmlns:c16="http://schemas.microsoft.com/office/drawing/2014/chart" uri="{C3380CC4-5D6E-409C-BE32-E72D297353CC}">
+              <c16:uniqueId val="{00000000-8D4B-4944-9589-63CDCD56F74D}"/>
+            </c:ext>
+          </c:extLst>
+        </c:ser>
+        <c:dLbls>
+          <c:showLegendKey val="0"/>
+          <c:showVal val="0"/>
+          <c:showCatName val="0"/>
+          <c:showSerName val="0"/>
+          <c:showPercent val="0"/>
+          <c:showBubbleSize val="0"/>
+        </c:dLbls>
+        <c:gapWidth val="100"/>
+        <c:overlap val="3"/>
+        <c:axId val="751090352"/>
+        <c:axId val="751090024"/>
+      </c:barChart>
+      <c:catAx>
+        <c:axId val="751090352"/>
+        <c:scaling>
+          <c:orientation val="minMax"/>
+        </c:scaling>
+        <c:delete val="0"/>
+        <c:axPos val="l"/>
+        <c:numFmt formatCode="General" sourceLinked="1"/>
+        <c:majorTickMark val="none"/>
+        <c:minorTickMark val="none"/>
+        <c:tickLblPos val="nextTo"/>
+        <c:spPr>
+          <a:noFill/>
+          <a:ln w="9525" cap="flat" cmpd="sng" algn="ctr">
+            <a:solidFill>
+              <a:schemeClr val="tx1">
+                <a:lumMod val="15000"/>
+                <a:lumOff val="85000"/>
+              </a:schemeClr>
+            </a:solidFill>
+            <a:round/>
+          </a:ln>
+          <a:effectLst/>
+        </c:spPr>
+        <c:txPr>
+          <a:bodyPr rot="-60000000" spcFirstLastPara="1" vertOverflow="ellipsis" vert="horz" wrap="square" anchor="ctr" anchorCtr="1"/>
+          <a:lstStyle/>
+          <a:p>
+            <a:pPr>
+              <a:defRPr sz="900" b="0" i="0" u="none" strike="noStrike" kern="1200" baseline="0">
+                <a:solidFill>
+                  <a:schemeClr val="tx1">
+                    <a:lumMod val="65000"/>
+                    <a:lumOff val="35000"/>
+                  </a:schemeClr>
+                </a:solidFill>
+                <a:latin typeface="+mn-lt"/>
+                <a:ea typeface="+mn-ea"/>
+                <a:cs typeface="+mn-cs"/>
+              </a:defRPr>
+            </a:pPr>
+            <a:endParaRPr lang="en-US"/>
+          </a:p>
+        </c:txPr>
+        <c:crossAx val="751090024"/>
+        <c:crosses val="autoZero"/>
+        <c:auto val="1"/>
+        <c:lblAlgn val="ctr"/>
+        <c:lblOffset val="100"/>
+        <c:noMultiLvlLbl val="0"/>
+      </c:catAx>
+      <c:valAx>
+        <c:axId val="751090024"/>
+        <c:scaling>
+          <c:orientation val="minMax"/>
+        </c:scaling>
+        <c:delete val="0"/>
+        <c:axPos val="b"/>
+        <c:majorGridlines>
+          <c:spPr>
+            <a:ln w="9525" cap="flat" cmpd="sng" algn="ctr">
+              <a:solidFill>
+                <a:schemeClr val="tx1">
+                  <a:lumMod val="15000"/>
+                  <a:lumOff val="85000"/>
+                </a:schemeClr>
+              </a:solidFill>
+              <a:round/>
+            </a:ln>
+            <a:effectLst/>
+          </c:spPr>
+        </c:majorGridlines>
+        <c:numFmt formatCode="General" sourceLinked="1"/>
+        <c:majorTickMark val="none"/>
+        <c:minorTickMark val="none"/>
+        <c:tickLblPos val="nextTo"/>
+        <c:spPr>
+          <a:noFill/>
+          <a:ln>
+            <a:noFill/>
+          </a:ln>
+          <a:effectLst/>
+        </c:spPr>
+        <c:txPr>
+          <a:bodyPr rot="-60000000" spcFirstLastPara="1" vertOverflow="ellipsis" vert="horz" wrap="square" anchor="ctr" anchorCtr="1"/>
+          <a:lstStyle/>
+          <a:p>
+            <a:pPr>
+              <a:defRPr sz="900" b="0" i="0" u="none" strike="noStrike" kern="1200" baseline="0">
+                <a:solidFill>
+                  <a:schemeClr val="tx1">
+                    <a:lumMod val="65000"/>
+                    <a:lumOff val="35000"/>
+                  </a:schemeClr>
+                </a:solidFill>
+                <a:latin typeface="+mn-lt"/>
+                <a:ea typeface="+mn-ea"/>
+                <a:cs typeface="+mn-cs"/>
+              </a:defRPr>
+            </a:pPr>
+            <a:endParaRPr lang="en-US"/>
+          </a:p>
+        </c:txPr>
+        <c:crossAx val="751090352"/>
+        <c:crosses val="autoZero"/>
+        <c:crossBetween val="between"/>
+      </c:valAx>
+      <c:spPr>
+        <a:noFill/>
+        <a:ln>
+          <a:noFill/>
+        </a:ln>
+        <a:effectLst/>
+      </c:spPr>
+    </c:plotArea>
+    <c:plotVisOnly val="1"/>
+    <c:dispBlanksAs val="gap"/>
+    <c:extLst>
+      <c:ext xmlns:c16r3="http://schemas.microsoft.com/office/drawing/2017/03/chart" uri="{56B9EC1D-385E-4148-901F-78D8002777C0}">
+        <c16r3:dataDisplayOptions16>
+          <c16r3:dispNaAsBlank val="1"/>
+        </c16r3:dataDisplayOptions16>
+      </c:ext>
+    </c:extLst>
+    <c:showDLblsOverMax val="0"/>
+  </c:chart>
+  <c:spPr>
+    <a:noFill/>
+    <a:ln>
+      <a:solidFill>
+        <a:schemeClr val="accent1">
+          <a:shade val="50000"/>
+        </a:schemeClr>
+      </a:solidFill>
+    </a:ln>
+    <a:effectLst/>
+  </c:spPr>
+  <c:txPr>
+    <a:bodyPr/>
+    <a:lstStyle/>
+    <a:p>
+      <a:pPr>
+        <a:defRPr/>
+      </a:pPr>
+      <a:endParaRPr lang="en-US"/>
+    </a:p>
+  </c:txPr>
+  <c:externalData r:id="rId3">
+    <c:autoUpdate val="0"/>
+  </c:externalData>
+</c:chartSpace>
+</file>
+
+<file path=ppt/charts/chart5.xml><?xml version="1.0" encoding="utf-8"?>
+<c:chartSpace xmlns:c="http://schemas.openxmlformats.org/drawingml/2006/chart" xmlns:a="http://schemas.openxmlformats.org/drawingml/2006/main" xmlns:r="http://schemas.openxmlformats.org/officeDocument/2006/relationships" xmlns:c16r2="http://schemas.microsoft.com/office/drawing/2015/06/chart">
+  <c:date1904 val="0"/>
+  <c:lang val="en-US"/>
+  <c:roundedCorners val="0"/>
+  <mc:AlternateContent xmlns:mc="http://schemas.openxmlformats.org/markup-compatibility/2006">
+    <mc:Choice xmlns:c14="http://schemas.microsoft.com/office/drawing/2007/8/2/chart" Requires="c14">
+      <c14:style val="102"/>
+    </mc:Choice>
+    <mc:Fallback>
+      <c:style val="2"/>
+    </mc:Fallback>
+  </mc:AlternateContent>
+  <c:chart>
+    <c:title>
+      <c:tx>
+        <c:rich>
+          <a:bodyPr rot="0" spcFirstLastPara="1" vertOverflow="ellipsis" vert="horz" wrap="square" anchor="ctr" anchorCtr="1"/>
+          <a:lstStyle/>
+          <a:p>
+            <a:pPr>
+              <a:defRPr sz="1400" b="0" i="0" u="none" strike="noStrike" kern="1200" spc="0" baseline="0">
+                <a:solidFill>
+                  <a:schemeClr val="tx1">
+                    <a:lumMod val="65000"/>
+                    <a:lumOff val="35000"/>
+                  </a:schemeClr>
+                </a:solidFill>
+                <a:latin typeface="+mn-lt"/>
+                <a:ea typeface="+mn-ea"/>
+                <a:cs typeface="+mn-cs"/>
+              </a:defRPr>
+            </a:pPr>
+            <a:r>
+              <a:rPr lang="en-US" dirty="0"/>
+              <a:t>1987-2018</a:t>
+            </a:r>
+          </a:p>
+        </c:rich>
+      </c:tx>
+      <c:overlay val="0"/>
+      <c:spPr>
+        <a:noFill/>
+        <a:ln>
+          <a:noFill/>
+        </a:ln>
+        <a:effectLst/>
+      </c:spPr>
+      <c:txPr>
+        <a:bodyPr rot="0" spcFirstLastPara="1" vertOverflow="ellipsis" vert="horz" wrap="square" anchor="ctr" anchorCtr="1"/>
+        <a:lstStyle/>
+        <a:p>
+          <a:pPr>
+            <a:defRPr sz="1400" b="0" i="0" u="none" strike="noStrike" kern="1200" spc="0" baseline="0">
+              <a:solidFill>
+                <a:schemeClr val="tx1">
+                  <a:lumMod val="65000"/>
+                  <a:lumOff val="35000"/>
+                </a:schemeClr>
+              </a:solidFill>
+              <a:latin typeface="+mn-lt"/>
+              <a:ea typeface="+mn-ea"/>
+              <a:cs typeface="+mn-cs"/>
+            </a:defRPr>
+          </a:pPr>
+          <a:endParaRPr lang="en-US"/>
+        </a:p>
+      </c:txPr>
+    </c:title>
+    <c:autoTitleDeleted val="0"/>
+    <c:plotArea>
+      <c:layout/>
+      <c:barChart>
+        <c:barDir val="bar"/>
+        <c:grouping val="clustered"/>
+        <c:varyColors val="0"/>
+        <c:ser>
+          <c:idx val="0"/>
+          <c:order val="0"/>
+          <c:spPr>
+            <a:solidFill>
+              <a:schemeClr val="tx2">
+                <a:lumMod val="20000"/>
+                <a:lumOff val="80000"/>
+              </a:schemeClr>
+            </a:solidFill>
+            <a:ln>
+              <a:solidFill>
+                <a:schemeClr val="accent1"/>
+              </a:solidFill>
+            </a:ln>
+            <a:effectLst/>
+          </c:spPr>
+          <c:invertIfNegative val="0"/>
+          <c:dLbls>
+            <c:spPr>
+              <a:noFill/>
+              <a:ln>
+                <a:noFill/>
+              </a:ln>
+              <a:effectLst/>
+            </c:spPr>
+            <c:txPr>
+              <a:bodyPr rot="0" spcFirstLastPara="1" vertOverflow="ellipsis" vert="horz" wrap="square" lIns="38100" tIns="19050" rIns="38100" bIns="19050" anchor="ctr" anchorCtr="1">
+                <a:spAutoFit/>
+              </a:bodyPr>
+              <a:lstStyle/>
+              <a:p>
+                <a:pPr>
+                  <a:defRPr sz="900" b="0" i="0" u="none" strike="noStrike" kern="1200" baseline="0">
+                    <a:solidFill>
+                      <a:schemeClr val="tx1">
+                        <a:lumMod val="75000"/>
+                        <a:lumOff val="25000"/>
+                      </a:schemeClr>
+                    </a:solidFill>
+                    <a:latin typeface="+mn-lt"/>
+                    <a:ea typeface="+mn-ea"/>
+                    <a:cs typeface="+mn-cs"/>
+                  </a:defRPr>
+                </a:pPr>
+                <a:endParaRPr lang="en-US"/>
+              </a:p>
+            </c:txPr>
+            <c:showLegendKey val="0"/>
+            <c:showVal val="1"/>
+            <c:showCatName val="0"/>
+            <c:showSerName val="0"/>
+            <c:showPercent val="0"/>
+            <c:showBubbleSize val="0"/>
+            <c:showLeaderLines val="0"/>
+            <c:extLst>
+              <c:ext xmlns:c15="http://schemas.microsoft.com/office/drawing/2012/chart" uri="{CE6537A1-D6FC-4f65-9D91-7224C49458BB}">
+                <c15:showLeaderLines val="1"/>
+                <c15:leaderLines>
+                  <c:spPr>
+                    <a:ln w="9525" cap="flat" cmpd="sng" algn="ctr">
+                      <a:solidFill>
+                        <a:schemeClr val="tx1">
+                          <a:lumMod val="35000"/>
+                          <a:lumOff val="65000"/>
+                        </a:schemeClr>
+                      </a:solidFill>
+                      <a:round/>
+                    </a:ln>
+                    <a:effectLst/>
+                  </c:spPr>
+                </c15:leaderLines>
+              </c:ext>
+            </c:extLst>
+          </c:dLbls>
+          <c:cat>
+            <c:strRef>
+              <c:f>popular_pairs_agg_title!$B$1:$B$20</c:f>
+              <c:strCache>
+                <c:ptCount val="20"/>
+                <c:pt idx="0">
+                  <c:v>neural network</c:v>
+                </c:pt>
+                <c:pt idx="1">
+                  <c:v>reinforcement learning</c:v>
+                </c:pt>
+                <c:pt idx="2">
+                  <c:v>gaussian process</c:v>
+                </c:pt>
+                <c:pt idx="3">
+                  <c:v>graphical model</c:v>
+                </c:pt>
+                <c:pt idx="4">
+                  <c:v>support vector</c:v>
+                </c:pt>
+                <c:pt idx="5">
+                  <c:v>online learning</c:v>
+                </c:pt>
+                <c:pt idx="6">
+                  <c:v>vector machine</c:v>
+                </c:pt>
+                <c:pt idx="7">
+                  <c:v>active learning</c:v>
+                </c:pt>
+                <c:pt idx="8">
+                  <c:v>gradient descent</c:v>
+                </c:pt>
+                <c:pt idx="9">
+                  <c:v>machine learning</c:v>
+                </c:pt>
+                <c:pt idx="10">
+                  <c:v>component analysis</c:v>
+                </c:pt>
+                <c:pt idx="11">
+                  <c:v>variational inference</c:v>
+                </c:pt>
+                <c:pt idx="12">
+                  <c:v>bayesian network</c:v>
+                </c:pt>
+                <c:pt idx="13">
+                  <c:v>monte carlo</c:v>
+                </c:pt>
+                <c:pt idx="14">
+                  <c:v>feature selection</c:v>
+                </c:pt>
+                <c:pt idx="15">
+                  <c:v>stochastic gradient</c:v>
+                </c:pt>
+                <c:pt idx="16">
+                  <c:v>deep learning</c:v>
+                </c:pt>
+                <c:pt idx="17">
+                  <c:v>recurrent neural</c:v>
+                </c:pt>
+                <c:pt idx="18">
+                  <c:v>learning algorithm</c:v>
+                </c:pt>
+                <c:pt idx="19">
+                  <c:v>markov model</c:v>
+                </c:pt>
+              </c:strCache>
+            </c:strRef>
+          </c:cat>
+          <c:val>
+            <c:numRef>
+              <c:f>popular_pairs_agg_title!$C$1:$C$20</c:f>
+              <c:numCache>
+                <c:formatCode>General</c:formatCode>
+                <c:ptCount val="20"/>
+                <c:pt idx="0">
+                  <c:v>511</c:v>
+                </c:pt>
+                <c:pt idx="1">
+                  <c:v>224</c:v>
+                </c:pt>
+                <c:pt idx="2">
+                  <c:v>184</c:v>
+                </c:pt>
+                <c:pt idx="3">
+                  <c:v>110</c:v>
+                </c:pt>
+                <c:pt idx="4">
+                  <c:v>103</c:v>
+                </c:pt>
+                <c:pt idx="5">
+                  <c:v>94</c:v>
+                </c:pt>
+                <c:pt idx="6">
+                  <c:v>84</c:v>
+                </c:pt>
+                <c:pt idx="7">
+                  <c:v>79</c:v>
+                </c:pt>
+                <c:pt idx="8">
+                  <c:v>66</c:v>
+                </c:pt>
+                <c:pt idx="9">
+                  <c:v>63</c:v>
+                </c:pt>
+                <c:pt idx="10">
+                  <c:v>62</c:v>
+                </c:pt>
+                <c:pt idx="11">
+                  <c:v>62</c:v>
+                </c:pt>
+                <c:pt idx="12">
+                  <c:v>60</c:v>
+                </c:pt>
+                <c:pt idx="13">
+                  <c:v>57</c:v>
+                </c:pt>
+                <c:pt idx="14">
+                  <c:v>56</c:v>
+                </c:pt>
+                <c:pt idx="15">
+                  <c:v>55</c:v>
+                </c:pt>
+                <c:pt idx="16">
+                  <c:v>53</c:v>
+                </c:pt>
+                <c:pt idx="17">
+                  <c:v>53</c:v>
+                </c:pt>
+                <c:pt idx="18">
+                  <c:v>51</c:v>
+                </c:pt>
+                <c:pt idx="19">
+                  <c:v>48</c:v>
+                </c:pt>
+              </c:numCache>
+            </c:numRef>
+          </c:val>
+          <c:extLst>
+            <c:ext xmlns:c16="http://schemas.microsoft.com/office/drawing/2014/chart" uri="{C3380CC4-5D6E-409C-BE32-E72D297353CC}">
+              <c16:uniqueId val="{00000000-8538-45C5-AADD-EE40D7E288C2}"/>
+            </c:ext>
+          </c:extLst>
+        </c:ser>
+        <c:dLbls>
+          <c:showLegendKey val="0"/>
+          <c:showVal val="0"/>
+          <c:showCatName val="0"/>
+          <c:showSerName val="0"/>
+          <c:showPercent val="0"/>
+          <c:showBubbleSize val="0"/>
+        </c:dLbls>
+        <c:gapWidth val="100"/>
+        <c:overlap val="3"/>
+        <c:axId val="751090352"/>
+        <c:axId val="751090024"/>
+      </c:barChart>
+      <c:catAx>
+        <c:axId val="751090352"/>
+        <c:scaling>
+          <c:orientation val="minMax"/>
+        </c:scaling>
+        <c:delete val="0"/>
+        <c:axPos val="l"/>
+        <c:numFmt formatCode="General" sourceLinked="1"/>
+        <c:majorTickMark val="none"/>
+        <c:minorTickMark val="none"/>
+        <c:tickLblPos val="nextTo"/>
+        <c:spPr>
+          <a:noFill/>
+          <a:ln w="9525" cap="flat" cmpd="sng" algn="ctr">
+            <a:solidFill>
+              <a:schemeClr val="tx1">
+                <a:lumMod val="15000"/>
+                <a:lumOff val="85000"/>
+              </a:schemeClr>
+            </a:solidFill>
+            <a:round/>
+          </a:ln>
+          <a:effectLst/>
+        </c:spPr>
+        <c:txPr>
+          <a:bodyPr rot="-60000000" spcFirstLastPara="1" vertOverflow="ellipsis" vert="horz" wrap="square" anchor="ctr" anchorCtr="1"/>
+          <a:lstStyle/>
+          <a:p>
+            <a:pPr>
+              <a:defRPr sz="900" b="0" i="0" u="none" strike="noStrike" kern="1200" baseline="0">
+                <a:solidFill>
+                  <a:schemeClr val="tx1">
+                    <a:lumMod val="65000"/>
+                    <a:lumOff val="35000"/>
+                  </a:schemeClr>
+                </a:solidFill>
+                <a:latin typeface="+mn-lt"/>
+                <a:ea typeface="+mn-ea"/>
+                <a:cs typeface="+mn-cs"/>
+              </a:defRPr>
+            </a:pPr>
+            <a:endParaRPr lang="en-US"/>
+          </a:p>
+        </c:txPr>
+        <c:crossAx val="751090024"/>
+        <c:crosses val="autoZero"/>
+        <c:auto val="1"/>
+        <c:lblAlgn val="ctr"/>
+        <c:lblOffset val="100"/>
+        <c:noMultiLvlLbl val="0"/>
+      </c:catAx>
+      <c:valAx>
+        <c:axId val="751090024"/>
+        <c:scaling>
+          <c:orientation val="minMax"/>
+        </c:scaling>
+        <c:delete val="0"/>
+        <c:axPos val="b"/>
+        <c:majorGridlines>
+          <c:spPr>
+            <a:ln w="9525" cap="flat" cmpd="sng" algn="ctr">
+              <a:solidFill>
+                <a:schemeClr val="tx1">
+                  <a:lumMod val="15000"/>
+                  <a:lumOff val="85000"/>
+                </a:schemeClr>
+              </a:solidFill>
+              <a:round/>
+            </a:ln>
+            <a:effectLst/>
+          </c:spPr>
+        </c:majorGridlines>
+        <c:numFmt formatCode="General" sourceLinked="1"/>
+        <c:majorTickMark val="none"/>
+        <c:minorTickMark val="none"/>
+        <c:tickLblPos val="nextTo"/>
+        <c:spPr>
+          <a:noFill/>
+          <a:ln>
+            <a:noFill/>
+          </a:ln>
+          <a:effectLst/>
+        </c:spPr>
+        <c:txPr>
+          <a:bodyPr rot="-60000000" spcFirstLastPara="1" vertOverflow="ellipsis" vert="horz" wrap="square" anchor="ctr" anchorCtr="1"/>
+          <a:lstStyle/>
+          <a:p>
+            <a:pPr>
+              <a:defRPr sz="900" b="0" i="0" u="none" strike="noStrike" kern="1200" baseline="0">
+                <a:solidFill>
+                  <a:schemeClr val="tx1">
+                    <a:lumMod val="65000"/>
+                    <a:lumOff val="35000"/>
+                  </a:schemeClr>
+                </a:solidFill>
+                <a:latin typeface="+mn-lt"/>
+                <a:ea typeface="+mn-ea"/>
+                <a:cs typeface="+mn-cs"/>
+              </a:defRPr>
+            </a:pPr>
+            <a:endParaRPr lang="en-US"/>
+          </a:p>
+        </c:txPr>
+        <c:crossAx val="751090352"/>
+        <c:crosses val="autoZero"/>
+        <c:crossBetween val="between"/>
+      </c:valAx>
+      <c:spPr>
+        <a:noFill/>
+        <a:ln>
+          <a:noFill/>
+        </a:ln>
+        <a:effectLst/>
+      </c:spPr>
+    </c:plotArea>
+    <c:plotVisOnly val="1"/>
+    <c:dispBlanksAs val="gap"/>
+    <c:extLst>
+      <c:ext xmlns:c16r3="http://schemas.microsoft.com/office/drawing/2017/03/chart" uri="{56B9EC1D-385E-4148-901F-78D8002777C0}">
+        <c16r3:dataDisplayOptions16>
+          <c16r3:dispNaAsBlank val="1"/>
+        </c16r3:dataDisplayOptions16>
+      </c:ext>
+    </c:extLst>
+    <c:showDLblsOverMax val="0"/>
+  </c:chart>
+  <c:spPr>
+    <a:noFill/>
+    <a:ln>
+      <a:solidFill>
+        <a:schemeClr val="accent1">
+          <a:shade val="50000"/>
+        </a:schemeClr>
+      </a:solidFill>
+    </a:ln>
+    <a:effectLst/>
+  </c:spPr>
+  <c:txPr>
+    <a:bodyPr/>
+    <a:lstStyle/>
+    <a:p>
+      <a:pPr>
+        <a:defRPr/>
+      </a:pPr>
+      <a:endParaRPr lang="en-US"/>
+    </a:p>
+  </c:txPr>
+  <c:externalData r:id="rId3">
+    <c:autoUpdate val="0"/>
+  </c:externalData>
+</c:chartSpace>
+</file>
+
+<file path=ppt/charts/chart6.xml><?xml version="1.0" encoding="utf-8"?>
+<c:chartSpace xmlns:c="http://schemas.openxmlformats.org/drawingml/2006/chart" xmlns:a="http://schemas.openxmlformats.org/drawingml/2006/main" xmlns:r="http://schemas.openxmlformats.org/officeDocument/2006/relationships" xmlns:c16r2="http://schemas.microsoft.com/office/drawing/2015/06/chart">
+  <c:date1904 val="0"/>
+  <c:lang val="en-US"/>
+  <c:roundedCorners val="0"/>
+  <mc:AlternateContent xmlns:mc="http://schemas.openxmlformats.org/markup-compatibility/2006">
+    <mc:Choice xmlns:c14="http://schemas.microsoft.com/office/drawing/2007/8/2/chart" Requires="c14">
+      <c14:style val="102"/>
+    </mc:Choice>
+    <mc:Fallback>
+      <c:style val="2"/>
+    </mc:Fallback>
+  </mc:AlternateContent>
+  <c:chart>
+    <c:title>
+      <c:tx>
+        <c:rich>
+          <a:bodyPr rot="0" spcFirstLastPara="1" vertOverflow="ellipsis" vert="horz" wrap="square" anchor="ctr" anchorCtr="1"/>
+          <a:lstStyle/>
+          <a:p>
+            <a:pPr>
+              <a:defRPr sz="1400" b="0" i="0" u="none" strike="noStrike" kern="1200" spc="0" baseline="0">
+                <a:solidFill>
+                  <a:schemeClr val="tx1">
+                    <a:lumMod val="65000"/>
+                    <a:lumOff val="35000"/>
+                  </a:schemeClr>
+                </a:solidFill>
+                <a:latin typeface="+mn-lt"/>
+                <a:ea typeface="+mn-ea"/>
+                <a:cs typeface="+mn-cs"/>
+              </a:defRPr>
+            </a:pPr>
+            <a:r>
+              <a:rPr lang="en-US" dirty="0"/>
+              <a:t>1987-2018</a:t>
+            </a:r>
+          </a:p>
+        </c:rich>
+      </c:tx>
+      <c:overlay val="0"/>
+      <c:spPr>
+        <a:noFill/>
+        <a:ln>
+          <a:noFill/>
+        </a:ln>
+        <a:effectLst/>
+      </c:spPr>
+      <c:txPr>
+        <a:bodyPr rot="0" spcFirstLastPara="1" vertOverflow="ellipsis" vert="horz" wrap="square" anchor="ctr" anchorCtr="1"/>
+        <a:lstStyle/>
+        <a:p>
+          <a:pPr>
+            <a:defRPr sz="1400" b="0" i="0" u="none" strike="noStrike" kern="1200" spc="0" baseline="0">
+              <a:solidFill>
+                <a:schemeClr val="tx1">
+                  <a:lumMod val="65000"/>
+                  <a:lumOff val="35000"/>
+                </a:schemeClr>
+              </a:solidFill>
+              <a:latin typeface="+mn-lt"/>
+              <a:ea typeface="+mn-ea"/>
+              <a:cs typeface="+mn-cs"/>
+            </a:defRPr>
+          </a:pPr>
+          <a:endParaRPr lang="en-US"/>
+        </a:p>
+      </c:txPr>
+    </c:title>
+    <c:autoTitleDeleted val="0"/>
+    <c:plotArea>
+      <c:layout/>
+      <c:barChart>
+        <c:barDir val="bar"/>
+        <c:grouping val="clustered"/>
+        <c:varyColors val="0"/>
+        <c:ser>
+          <c:idx val="0"/>
+          <c:order val="0"/>
+          <c:spPr>
+            <a:solidFill>
+              <a:schemeClr val="tx2">
+                <a:lumMod val="20000"/>
+                <a:lumOff val="80000"/>
+              </a:schemeClr>
+            </a:solidFill>
+            <a:ln>
+              <a:solidFill>
+                <a:schemeClr val="accent1"/>
+              </a:solidFill>
+            </a:ln>
+            <a:effectLst/>
+          </c:spPr>
+          <c:invertIfNegative val="0"/>
+          <c:dLbls>
+            <c:spPr>
+              <a:noFill/>
+              <a:ln>
+                <a:noFill/>
+              </a:ln>
+              <a:effectLst/>
+            </c:spPr>
+            <c:txPr>
+              <a:bodyPr rot="0" spcFirstLastPara="1" vertOverflow="ellipsis" vert="horz" wrap="square" lIns="38100" tIns="19050" rIns="38100" bIns="19050" anchor="ctr" anchorCtr="1">
+                <a:spAutoFit/>
+              </a:bodyPr>
+              <a:lstStyle/>
+              <a:p>
+                <a:pPr>
+                  <a:defRPr sz="900" b="0" i="0" u="none" strike="noStrike" kern="1200" baseline="0">
+                    <a:solidFill>
+                      <a:schemeClr val="tx1">
+                        <a:lumMod val="75000"/>
+                        <a:lumOff val="25000"/>
+                      </a:schemeClr>
+                    </a:solidFill>
+                    <a:latin typeface="+mn-lt"/>
+                    <a:ea typeface="+mn-ea"/>
+                    <a:cs typeface="+mn-cs"/>
+                  </a:defRPr>
+                </a:pPr>
+                <a:endParaRPr lang="en-US"/>
+              </a:p>
+            </c:txPr>
+            <c:showLegendKey val="0"/>
+            <c:showVal val="1"/>
+            <c:showCatName val="0"/>
+            <c:showSerName val="0"/>
+            <c:showPercent val="0"/>
+            <c:showBubbleSize val="0"/>
+            <c:showLeaderLines val="0"/>
+            <c:extLst>
+              <c:ext xmlns:c15="http://schemas.microsoft.com/office/drawing/2012/chart" uri="{CE6537A1-D6FC-4f65-9D91-7224C49458BB}">
+                <c15:showLeaderLines val="1"/>
+                <c15:leaderLines>
+                  <c:spPr>
+                    <a:ln w="9525" cap="flat" cmpd="sng" algn="ctr">
+                      <a:solidFill>
+                        <a:schemeClr val="tx1">
+                          <a:lumMod val="35000"/>
+                          <a:lumOff val="65000"/>
+                        </a:schemeClr>
+                      </a:solidFill>
+                      <a:round/>
+                    </a:ln>
+                    <a:effectLst/>
+                  </c:spPr>
+                </c15:leaderLines>
+              </c:ext>
+            </c:extLst>
+          </c:dLbls>
+          <c:cat>
+            <c:strRef>
+              <c:f>popular_triplets_agg_title!$B$1:$B$20</c:f>
+              <c:strCache>
+                <c:ptCount val="20"/>
+                <c:pt idx="0">
+                  <c:v>support vector machine</c:v>
+                </c:pt>
+                <c:pt idx="1">
+                  <c:v>recurrent neural network</c:v>
+                </c:pt>
+                <c:pt idx="2">
+                  <c:v>deep neural network</c:v>
+                </c:pt>
+                <c:pt idx="3">
+                  <c:v>hidden markov model</c:v>
+                </c:pt>
+                <c:pt idx="4">
+                  <c:v>convolutional neural network</c:v>
+                </c:pt>
+                <c:pt idx="5">
+                  <c:v>gaussian process regression</c:v>
+                </c:pt>
+                <c:pt idx="6">
+                  <c:v>latent variable model</c:v>
+                </c:pt>
+                <c:pt idx="7">
+                  <c:v>markov decision process</c:v>
+                </c:pt>
+                <c:pt idx="8">
+                  <c:v>principal component analysis</c:v>
+                </c:pt>
+                <c:pt idx="9">
+                  <c:v>stochastic gradient descent</c:v>
+                </c:pt>
+                <c:pt idx="10">
+                  <c:v>independent component analysis</c:v>
+                </c:pt>
+                <c:pt idx="11">
+                  <c:v>empirical risk minimization</c:v>
+                </c:pt>
+                <c:pt idx="12">
+                  <c:v>deep reinforcement learning</c:v>
+                </c:pt>
+                <c:pt idx="13">
+                  <c:v>gaussian graphical model</c:v>
+                </c:pt>
+                <c:pt idx="14">
+                  <c:v>conditional random field</c:v>
+                </c:pt>
+                <c:pt idx="15">
+                  <c:v>restricted boltzmann machine</c:v>
+                </c:pt>
+                <c:pt idx="16">
+                  <c:v>markov random field</c:v>
+                </c:pt>
+                <c:pt idx="17">
+                  <c:v>radial basis function</c:v>
+                </c:pt>
+                <c:pt idx="18">
+                  <c:v>neural network model</c:v>
+                </c:pt>
+                <c:pt idx="19">
+                  <c:v>artificial neural network</c:v>
+                </c:pt>
+              </c:strCache>
+            </c:strRef>
+          </c:cat>
+          <c:val>
+            <c:numRef>
+              <c:f>popular_triplets_agg_title!$C$1:$C$20</c:f>
+              <c:numCache>
+                <c:formatCode>General</c:formatCode>
+                <c:ptCount val="20"/>
+                <c:pt idx="0">
+                  <c:v>73</c:v>
+                </c:pt>
+                <c:pt idx="1">
+                  <c:v>50</c:v>
+                </c:pt>
+                <c:pt idx="2">
+                  <c:v>43</c:v>
+                </c:pt>
+                <c:pt idx="3">
+                  <c:v>39</c:v>
+                </c:pt>
+                <c:pt idx="4">
+                  <c:v>35</c:v>
+                </c:pt>
+                <c:pt idx="5">
+                  <c:v>34</c:v>
+                </c:pt>
+                <c:pt idx="6">
+                  <c:v>33</c:v>
+                </c:pt>
+                <c:pt idx="7">
+                  <c:v>33</c:v>
+                </c:pt>
+                <c:pt idx="8">
+                  <c:v>26</c:v>
+                </c:pt>
+                <c:pt idx="9">
+                  <c:v>25</c:v>
+                </c:pt>
+                <c:pt idx="10">
+                  <c:v>21</c:v>
+                </c:pt>
+                <c:pt idx="11">
+                  <c:v>20</c:v>
+                </c:pt>
+                <c:pt idx="12">
+                  <c:v>20</c:v>
+                </c:pt>
+                <c:pt idx="13">
+                  <c:v>19</c:v>
+                </c:pt>
+                <c:pt idx="14">
+                  <c:v>17</c:v>
+                </c:pt>
+                <c:pt idx="15">
+                  <c:v>17</c:v>
+                </c:pt>
+                <c:pt idx="16">
+                  <c:v>16</c:v>
+                </c:pt>
+                <c:pt idx="17">
+                  <c:v>16</c:v>
+                </c:pt>
+                <c:pt idx="18">
+                  <c:v>16</c:v>
+                </c:pt>
+                <c:pt idx="19">
+                  <c:v>14</c:v>
+                </c:pt>
+              </c:numCache>
+            </c:numRef>
+          </c:val>
+          <c:extLst>
+            <c:ext xmlns:c16="http://schemas.microsoft.com/office/drawing/2014/chart" uri="{C3380CC4-5D6E-409C-BE32-E72D297353CC}">
+              <c16:uniqueId val="{00000000-FD43-495C-96E5-EB085C07B1D4}"/>
+            </c:ext>
+          </c:extLst>
+        </c:ser>
+        <c:dLbls>
+          <c:showLegendKey val="0"/>
+          <c:showVal val="0"/>
+          <c:showCatName val="0"/>
+          <c:showSerName val="0"/>
+          <c:showPercent val="0"/>
+          <c:showBubbleSize val="0"/>
+        </c:dLbls>
+        <c:gapWidth val="100"/>
+        <c:overlap val="3"/>
+        <c:axId val="751090352"/>
+        <c:axId val="751090024"/>
+      </c:barChart>
+      <c:catAx>
+        <c:axId val="751090352"/>
+        <c:scaling>
+          <c:orientation val="minMax"/>
+        </c:scaling>
+        <c:delete val="0"/>
+        <c:axPos val="l"/>
+        <c:numFmt formatCode="General" sourceLinked="1"/>
+        <c:majorTickMark val="none"/>
+        <c:minorTickMark val="none"/>
+        <c:tickLblPos val="nextTo"/>
+        <c:spPr>
+          <a:noFill/>
+          <a:ln w="9525" cap="flat" cmpd="sng" algn="ctr">
+            <a:solidFill>
+              <a:schemeClr val="tx1">
+                <a:lumMod val="15000"/>
+                <a:lumOff val="85000"/>
+              </a:schemeClr>
+            </a:solidFill>
+            <a:round/>
+          </a:ln>
+          <a:effectLst/>
+        </c:spPr>
+        <c:txPr>
+          <a:bodyPr rot="-60000000" spcFirstLastPara="1" vertOverflow="ellipsis" vert="horz" wrap="square" anchor="ctr" anchorCtr="1"/>
+          <a:lstStyle/>
+          <a:p>
+            <a:pPr>
+              <a:defRPr sz="900" b="0" i="0" u="none" strike="noStrike" kern="1200" baseline="0">
+                <a:solidFill>
+                  <a:schemeClr val="tx1">
+                    <a:lumMod val="65000"/>
+                    <a:lumOff val="35000"/>
+                  </a:schemeClr>
+                </a:solidFill>
+                <a:latin typeface="+mn-lt"/>
+                <a:ea typeface="+mn-ea"/>
+                <a:cs typeface="+mn-cs"/>
+              </a:defRPr>
+            </a:pPr>
+            <a:endParaRPr lang="en-US"/>
+          </a:p>
+        </c:txPr>
+        <c:crossAx val="751090024"/>
+        <c:crosses val="autoZero"/>
+        <c:auto val="1"/>
+        <c:lblAlgn val="ctr"/>
+        <c:lblOffset val="100"/>
+        <c:noMultiLvlLbl val="0"/>
+      </c:catAx>
+      <c:valAx>
+        <c:axId val="751090024"/>
+        <c:scaling>
+          <c:orientation val="minMax"/>
+        </c:scaling>
+        <c:delete val="0"/>
+        <c:axPos val="b"/>
+        <c:majorGridlines>
+          <c:spPr>
+            <a:ln w="9525" cap="flat" cmpd="sng" algn="ctr">
+              <a:solidFill>
+                <a:schemeClr val="tx1">
+                  <a:lumMod val="15000"/>
+                  <a:lumOff val="85000"/>
+                </a:schemeClr>
+              </a:solidFill>
+              <a:round/>
+            </a:ln>
+            <a:effectLst/>
+          </c:spPr>
+        </c:majorGridlines>
+        <c:numFmt formatCode="General" sourceLinked="1"/>
+        <c:majorTickMark val="none"/>
+        <c:minorTickMark val="none"/>
+        <c:tickLblPos val="nextTo"/>
+        <c:spPr>
+          <a:noFill/>
+          <a:ln>
+            <a:noFill/>
+          </a:ln>
+          <a:effectLst/>
+        </c:spPr>
+        <c:txPr>
+          <a:bodyPr rot="-60000000" spcFirstLastPara="1" vertOverflow="ellipsis" vert="horz" wrap="square" anchor="ctr" anchorCtr="1"/>
+          <a:lstStyle/>
+          <a:p>
+            <a:pPr>
+              <a:defRPr sz="900" b="0" i="0" u="none" strike="noStrike" kern="1200" baseline="0">
+                <a:solidFill>
+                  <a:schemeClr val="tx1">
+                    <a:lumMod val="65000"/>
+                    <a:lumOff val="35000"/>
+                  </a:schemeClr>
+                </a:solidFill>
+                <a:latin typeface="+mn-lt"/>
+                <a:ea typeface="+mn-ea"/>
+                <a:cs typeface="+mn-cs"/>
+              </a:defRPr>
+            </a:pPr>
+            <a:endParaRPr lang="en-US"/>
+          </a:p>
+        </c:txPr>
+        <c:crossAx val="751090352"/>
+        <c:crosses val="autoZero"/>
+        <c:crossBetween val="between"/>
+      </c:valAx>
+      <c:spPr>
+        <a:noFill/>
+        <a:ln>
+          <a:noFill/>
+        </a:ln>
+        <a:effectLst/>
+      </c:spPr>
+    </c:plotArea>
+    <c:plotVisOnly val="1"/>
+    <c:dispBlanksAs val="gap"/>
+    <c:extLst>
+      <c:ext xmlns:c16r3="http://schemas.microsoft.com/office/drawing/2017/03/chart" uri="{56B9EC1D-385E-4148-901F-78D8002777C0}">
+        <c16r3:dataDisplayOptions16>
+          <c16r3:dispNaAsBlank val="1"/>
+        </c16r3:dataDisplayOptions16>
+      </c:ext>
+    </c:extLst>
+    <c:showDLblsOverMax val="0"/>
+  </c:chart>
+  <c:spPr>
+    <a:noFill/>
+    <a:ln>
+      <a:solidFill>
+        <a:schemeClr val="accent1">
+          <a:shade val="50000"/>
+        </a:schemeClr>
+      </a:solidFill>
+    </a:ln>
+    <a:effectLst/>
+  </c:spPr>
+  <c:txPr>
+    <a:bodyPr/>
+    <a:lstStyle/>
+    <a:p>
+      <a:pPr>
+        <a:defRPr/>
+      </a:pPr>
+      <a:endParaRPr lang="en-US"/>
+    </a:p>
+  </c:txPr>
+  <c:externalData r:id="rId3">
+    <c:autoUpdate val="0"/>
+  </c:externalData>
+</c:chartSpace>
+</file>
+
+<file path=ppt/charts/chart7.xml><?xml version="1.0" encoding="utf-8"?>
+<c:chartSpace xmlns:c="http://schemas.openxmlformats.org/drawingml/2006/chart" xmlns:a="http://schemas.openxmlformats.org/drawingml/2006/main" xmlns:r="http://schemas.openxmlformats.org/officeDocument/2006/relationships" xmlns:c16r2="http://schemas.microsoft.com/office/drawing/2015/06/chart">
+  <c:date1904 val="0"/>
+  <c:lang val="en-US"/>
+  <c:roundedCorners val="0"/>
+  <mc:AlternateContent xmlns:mc="http://schemas.openxmlformats.org/markup-compatibility/2006">
+    <mc:Choice xmlns:c14="http://schemas.microsoft.com/office/drawing/2007/8/2/chart" Requires="c14">
+      <c14:style val="102"/>
+    </mc:Choice>
+    <mc:Fallback>
+      <c:style val="2"/>
+    </mc:Fallback>
+  </mc:AlternateContent>
+  <c:chart>
+    <c:title>
+      <c:tx>
+        <c:rich>
+          <a:bodyPr rot="0" spcFirstLastPara="1" vertOverflow="ellipsis" vert="horz" wrap="square" anchor="ctr" anchorCtr="1"/>
+          <a:lstStyle/>
+          <a:p>
+            <a:pPr>
+              <a:defRPr sz="1400" b="0" i="0" u="none" strike="noStrike" kern="1200" spc="0" baseline="0">
+                <a:solidFill>
+                  <a:schemeClr val="tx1">
+                    <a:lumMod val="65000"/>
+                    <a:lumOff val="35000"/>
+                  </a:schemeClr>
+                </a:solidFill>
+                <a:latin typeface="+mn-lt"/>
+                <a:ea typeface="+mn-ea"/>
+                <a:cs typeface="+mn-cs"/>
+              </a:defRPr>
+            </a:pPr>
+            <a:r>
+              <a:rPr lang="en-US" sz="1400" b="0" i="0" baseline="0" dirty="0">
+                <a:effectLst/>
+              </a:rPr>
+              <a:t>2018</a:t>
+            </a:r>
+            <a:endParaRPr lang="en-US" sz="1400" dirty="0">
+              <a:effectLst/>
+            </a:endParaRPr>
+          </a:p>
+        </c:rich>
+      </c:tx>
+      <c:overlay val="0"/>
+      <c:spPr>
+        <a:noFill/>
+        <a:ln>
+          <a:noFill/>
+        </a:ln>
+        <a:effectLst/>
+      </c:spPr>
+      <c:txPr>
+        <a:bodyPr rot="0" spcFirstLastPara="1" vertOverflow="ellipsis" vert="horz" wrap="square" anchor="ctr" anchorCtr="1"/>
+        <a:lstStyle/>
+        <a:p>
+          <a:pPr>
+            <a:defRPr sz="1400" b="0" i="0" u="none" strike="noStrike" kern="1200" spc="0" baseline="0">
+              <a:solidFill>
+                <a:schemeClr val="tx1">
+                  <a:lumMod val="65000"/>
+                  <a:lumOff val="35000"/>
+                </a:schemeClr>
+              </a:solidFill>
+              <a:latin typeface="+mn-lt"/>
+              <a:ea typeface="+mn-ea"/>
+              <a:cs typeface="+mn-cs"/>
+            </a:defRPr>
+          </a:pPr>
+          <a:endParaRPr lang="en-US"/>
+        </a:p>
+      </c:txPr>
+    </c:title>
+    <c:autoTitleDeleted val="0"/>
+    <c:plotArea>
+      <c:layout/>
+      <c:barChart>
+        <c:barDir val="bar"/>
+        <c:grouping val="clustered"/>
+        <c:varyColors val="0"/>
+        <c:ser>
+          <c:idx val="0"/>
+          <c:order val="0"/>
+          <c:spPr>
+            <a:solidFill>
+              <a:schemeClr val="tx2">
+                <a:lumMod val="20000"/>
+                <a:lumOff val="80000"/>
+              </a:schemeClr>
+            </a:solidFill>
+            <a:ln>
+              <a:solidFill>
+                <a:schemeClr val="accent1"/>
+              </a:solidFill>
+            </a:ln>
+            <a:effectLst/>
+          </c:spPr>
+          <c:invertIfNegative val="0"/>
+          <c:dLbls>
+            <c:spPr>
+              <a:noFill/>
+              <a:ln>
+                <a:noFill/>
+              </a:ln>
+              <a:effectLst/>
+            </c:spPr>
+            <c:txPr>
+              <a:bodyPr rot="0" spcFirstLastPara="1" vertOverflow="ellipsis" vert="horz" wrap="square" lIns="38100" tIns="19050" rIns="38100" bIns="19050" anchor="ctr" anchorCtr="1">
+                <a:spAutoFit/>
+              </a:bodyPr>
+              <a:lstStyle/>
+              <a:p>
+                <a:pPr>
+                  <a:defRPr sz="900" b="0" i="0" u="none" strike="noStrike" kern="1200" baseline="0">
+                    <a:solidFill>
+                      <a:schemeClr val="tx1">
+                        <a:lumMod val="75000"/>
+                        <a:lumOff val="25000"/>
+                      </a:schemeClr>
+                    </a:solidFill>
+                    <a:latin typeface="+mn-lt"/>
+                    <a:ea typeface="+mn-ea"/>
+                    <a:cs typeface="+mn-cs"/>
+                  </a:defRPr>
+                </a:pPr>
+                <a:endParaRPr lang="en-US"/>
+              </a:p>
+            </c:txPr>
+            <c:showLegendKey val="0"/>
+            <c:showVal val="1"/>
+            <c:showCatName val="0"/>
+            <c:showSerName val="0"/>
+            <c:showPercent val="0"/>
+            <c:showBubbleSize val="0"/>
+            <c:showLeaderLines val="0"/>
+            <c:extLst>
+              <c:ext xmlns:c15="http://schemas.microsoft.com/office/drawing/2012/chart" uri="{CE6537A1-D6FC-4f65-9D91-7224C49458BB}">
+                <c15:showLeaderLines val="1"/>
+                <c15:leaderLines>
+                  <c:spPr>
+                    <a:ln w="9525" cap="flat" cmpd="sng" algn="ctr">
+                      <a:solidFill>
+                        <a:schemeClr val="tx1">
+                          <a:lumMod val="35000"/>
+                          <a:lumOff val="65000"/>
+                        </a:schemeClr>
+                      </a:solidFill>
+                      <a:round/>
+                    </a:ln>
+                    <a:effectLst/>
+                  </c:spPr>
+                </c15:leaderLines>
+              </c:ext>
+            </c:extLst>
+          </c:dLbls>
+          <c:cat>
+            <c:strRef>
+              <c:f>'popular_triplets_2018_title (2)'!$B$1:$B$20</c:f>
+              <c:strCache>
+                <c:ptCount val="20"/>
+                <c:pt idx="0">
+                  <c:v>deep neural network</c:v>
+                </c:pt>
+                <c:pt idx="1">
+                  <c:v>convolutional neural network</c:v>
+                </c:pt>
+                <c:pt idx="2">
+                  <c:v>deep reinforcement learning</c:v>
+                </c:pt>
+                <c:pt idx="3">
+                  <c:v>stochastic gradient descent</c:v>
+                </c:pt>
+                <c:pt idx="4">
+                  <c:v>recurrent neural network</c:v>
+                </c:pt>
+                <c:pt idx="5">
+                  <c:v>generative adversarial network</c:v>
+                </c:pt>
+                <c:pt idx="6">
+                  <c:v>deep generative model</c:v>
+                </c:pt>
+                <c:pt idx="7">
+                  <c:v>empirical risk minimization</c:v>
+                </c:pt>
+                <c:pt idx="8">
+                  <c:v>visual question answering</c:v>
+                </c:pt>
+                <c:pt idx="9">
+                  <c:v>markov decision process</c:v>
+                </c:pt>
+                <c:pt idx="10">
+                  <c:v>reinforcement learning via</c:v>
+                </c:pt>
+                <c:pt idx="11">
+                  <c:v>training deep neural</c:v>
+                </c:pt>
+                <c:pt idx="12">
+                  <c:v>hamiltonian monte carlo</c:v>
+                </c:pt>
+                <c:pt idx="13">
+                  <c:v>stochastic block model</c:v>
+                </c:pt>
+                <c:pt idx="14">
+                  <c:v>training neural network</c:v>
+                </c:pt>
+                <c:pt idx="15">
+                  <c:v>neural network via</c:v>
+                </c:pt>
+                <c:pt idx="16">
+                  <c:v>determinantal point process</c:v>
+                </c:pt>
+                <c:pt idx="17">
+                  <c:v>task specification demonstration</c:v>
+                </c:pt>
+                <c:pt idx="18">
+                  <c:v>principal component pursuit</c:v>
+                </c:pt>
+                <c:pt idx="19">
+                  <c:v>inner product search</c:v>
+                </c:pt>
+              </c:strCache>
+            </c:strRef>
+          </c:cat>
+          <c:val>
+            <c:numRef>
+              <c:f>'popular_triplets_2018_title (2)'!$C$1:$C$20</c:f>
+              <c:numCache>
+                <c:formatCode>General</c:formatCode>
+                <c:ptCount val="20"/>
+                <c:pt idx="0">
+                  <c:v>16</c:v>
+                </c:pt>
+                <c:pt idx="1">
+                  <c:v>12</c:v>
+                </c:pt>
+                <c:pt idx="2">
+                  <c:v>11</c:v>
+                </c:pt>
+                <c:pt idx="3">
+                  <c:v>9</c:v>
+                </c:pt>
+                <c:pt idx="4">
+                  <c:v>8</c:v>
+                </c:pt>
+                <c:pt idx="5">
+                  <c:v>7</c:v>
+                </c:pt>
+                <c:pt idx="6">
+                  <c:v>5</c:v>
+                </c:pt>
+                <c:pt idx="7">
+                  <c:v>5</c:v>
+                </c:pt>
+                <c:pt idx="8">
+                  <c:v>5</c:v>
+                </c:pt>
+                <c:pt idx="9">
+                  <c:v>4</c:v>
+                </c:pt>
+                <c:pt idx="10">
+                  <c:v>4</c:v>
+                </c:pt>
+                <c:pt idx="11">
+                  <c:v>3</c:v>
+                </c:pt>
+                <c:pt idx="12">
+                  <c:v>3</c:v>
+                </c:pt>
+                <c:pt idx="13">
+                  <c:v>3</c:v>
+                </c:pt>
+                <c:pt idx="14">
+                  <c:v>3</c:v>
+                </c:pt>
+                <c:pt idx="15">
+                  <c:v>3</c:v>
+                </c:pt>
+                <c:pt idx="16">
+                  <c:v>3</c:v>
+                </c:pt>
+                <c:pt idx="17">
+                  <c:v>2</c:v>
+                </c:pt>
+                <c:pt idx="18">
+                  <c:v>2</c:v>
+                </c:pt>
+                <c:pt idx="19">
+                  <c:v>2</c:v>
+                </c:pt>
+              </c:numCache>
+            </c:numRef>
+          </c:val>
+          <c:extLst>
+            <c:ext xmlns:c16="http://schemas.microsoft.com/office/drawing/2014/chart" uri="{C3380CC4-5D6E-409C-BE32-E72D297353CC}">
+              <c16:uniqueId val="{00000000-8EBB-42A3-A21E-8AD86592D56E}"/>
+            </c:ext>
+          </c:extLst>
+        </c:ser>
+        <c:dLbls>
+          <c:showLegendKey val="0"/>
+          <c:showVal val="0"/>
+          <c:showCatName val="0"/>
+          <c:showSerName val="0"/>
+          <c:showPercent val="0"/>
+          <c:showBubbleSize val="0"/>
+        </c:dLbls>
+        <c:gapWidth val="100"/>
+        <c:overlap val="3"/>
+        <c:axId val="751090352"/>
+        <c:axId val="751090024"/>
+      </c:barChart>
+      <c:catAx>
+        <c:axId val="751090352"/>
+        <c:scaling>
+          <c:orientation val="minMax"/>
+        </c:scaling>
+        <c:delete val="0"/>
+        <c:axPos val="l"/>
+        <c:numFmt formatCode="General" sourceLinked="1"/>
+        <c:majorTickMark val="none"/>
+        <c:minorTickMark val="none"/>
+        <c:tickLblPos val="nextTo"/>
+        <c:spPr>
+          <a:noFill/>
+          <a:ln w="9525" cap="flat" cmpd="sng" algn="ctr">
+            <a:solidFill>
+              <a:schemeClr val="tx1">
+                <a:lumMod val="15000"/>
+                <a:lumOff val="85000"/>
+              </a:schemeClr>
+            </a:solidFill>
+            <a:round/>
+          </a:ln>
+          <a:effectLst/>
+        </c:spPr>
+        <c:txPr>
+          <a:bodyPr rot="-60000000" spcFirstLastPara="1" vertOverflow="ellipsis" vert="horz" wrap="square" anchor="ctr" anchorCtr="1"/>
+          <a:lstStyle/>
+          <a:p>
+            <a:pPr>
+              <a:defRPr sz="900" b="0" i="0" u="none" strike="noStrike" kern="1200" baseline="0">
+                <a:solidFill>
+                  <a:schemeClr val="tx1">
+                    <a:lumMod val="65000"/>
+                    <a:lumOff val="35000"/>
+                  </a:schemeClr>
+                </a:solidFill>
+                <a:latin typeface="+mn-lt"/>
+                <a:ea typeface="+mn-ea"/>
+                <a:cs typeface="+mn-cs"/>
+              </a:defRPr>
+            </a:pPr>
+            <a:endParaRPr lang="en-US"/>
+          </a:p>
+        </c:txPr>
+        <c:crossAx val="751090024"/>
+        <c:crosses val="autoZero"/>
+        <c:auto val="1"/>
+        <c:lblAlgn val="ctr"/>
+        <c:lblOffset val="100"/>
+        <c:noMultiLvlLbl val="0"/>
+      </c:catAx>
+      <c:valAx>
+        <c:axId val="751090024"/>
+        <c:scaling>
+          <c:orientation val="minMax"/>
+        </c:scaling>
+        <c:delete val="0"/>
+        <c:axPos val="b"/>
+        <c:majorGridlines>
+          <c:spPr>
+            <a:ln w="9525" cap="flat" cmpd="sng" algn="ctr">
+              <a:solidFill>
+                <a:schemeClr val="tx1">
+                  <a:lumMod val="15000"/>
+                  <a:lumOff val="85000"/>
+                </a:schemeClr>
+              </a:solidFill>
+              <a:round/>
+            </a:ln>
+            <a:effectLst/>
+          </c:spPr>
+        </c:majorGridlines>
+        <c:numFmt formatCode="General" sourceLinked="1"/>
+        <c:majorTickMark val="none"/>
+        <c:minorTickMark val="none"/>
+        <c:tickLblPos val="nextTo"/>
+        <c:spPr>
+          <a:noFill/>
+          <a:ln>
+            <a:noFill/>
+          </a:ln>
+          <a:effectLst/>
+        </c:spPr>
+        <c:txPr>
+          <a:bodyPr rot="-60000000" spcFirstLastPara="1" vertOverflow="ellipsis" vert="horz" wrap="square" anchor="ctr" anchorCtr="1"/>
+          <a:lstStyle/>
+          <a:p>
+            <a:pPr>
+              <a:defRPr sz="900" b="0" i="0" u="none" strike="noStrike" kern="1200" baseline="0">
+                <a:solidFill>
+                  <a:schemeClr val="tx1">
+                    <a:lumMod val="65000"/>
+                    <a:lumOff val="35000"/>
+                  </a:schemeClr>
+                </a:solidFill>
+                <a:latin typeface="+mn-lt"/>
+                <a:ea typeface="+mn-ea"/>
+                <a:cs typeface="+mn-cs"/>
+              </a:defRPr>
+            </a:pPr>
+            <a:endParaRPr lang="en-US"/>
+          </a:p>
+        </c:txPr>
+        <c:crossAx val="751090352"/>
+        <c:crosses val="autoZero"/>
+        <c:crossBetween val="between"/>
+      </c:valAx>
+      <c:spPr>
+        <a:noFill/>
+        <a:ln>
+          <a:noFill/>
+        </a:ln>
+        <a:effectLst/>
+      </c:spPr>
+    </c:plotArea>
+    <c:plotVisOnly val="1"/>
+    <c:dispBlanksAs val="gap"/>
+    <c:extLst>
+      <c:ext xmlns:c16r3="http://schemas.microsoft.com/office/drawing/2017/03/chart" uri="{56B9EC1D-385E-4148-901F-78D8002777C0}">
+        <c16r3:dataDisplayOptions16>
+          <c16r3:dispNaAsBlank val="1"/>
+        </c16r3:dataDisplayOptions16>
+      </c:ext>
+    </c:extLst>
+    <c:showDLblsOverMax val="0"/>
+  </c:chart>
+  <c:spPr>
+    <a:noFill/>
+    <a:ln>
+      <a:solidFill>
+        <a:schemeClr val="accent1">
+          <a:shade val="50000"/>
+        </a:schemeClr>
+      </a:solidFill>
+    </a:ln>
+    <a:effectLst/>
+  </c:spPr>
+  <c:txPr>
+    <a:bodyPr/>
+    <a:lstStyle/>
+    <a:p>
+      <a:pPr>
+        <a:defRPr/>
+      </a:pPr>
+      <a:endParaRPr lang="en-US"/>
+    </a:p>
+  </c:txPr>
+  <c:externalData r:id="rId3">
+    <c:autoUpdate val="0"/>
+  </c:externalData>
+</c:chartSpace>
+</file>
+
+<file path=ppt/charts/colors1.xml><?xml version="1.0" encoding="utf-8"?>
+<cs:colorStyle xmlns:cs="http://schemas.microsoft.com/office/drawing/2012/chartStyle" xmlns:a="http://schemas.openxmlformats.org/drawingml/2006/main" meth="cycle" id="10">
+  <a:schemeClr val="accent1"/>
+  <a:schemeClr val="accent2"/>
+  <a:schemeClr val="accent3"/>
+  <a:schemeClr val="accent4"/>
+  <a:schemeClr val="accent5"/>
+  <a:schemeClr val="accent6"/>
+  <cs:variation/>
+  <cs:variation>
+    <a:lumMod val="60000"/>
+  </cs:variation>
+  <cs:variation>
+    <a:lumMod val="80000"/>
+    <a:lumOff val="20000"/>
+  </cs:variation>
+  <cs:variation>
+    <a:lumMod val="80000"/>
+  </cs:variation>
+  <cs:variation>
+    <a:lumMod val="60000"/>
+    <a:lumOff val="40000"/>
+  </cs:variation>
+  <cs:variation>
+    <a:lumMod val="50000"/>
+  </cs:variation>
+  <cs:variation>
+    <a:lumMod val="70000"/>
+    <a:lumOff val="30000"/>
+  </cs:variation>
+  <cs:variation>
+    <a:lumMod val="70000"/>
+  </cs:variation>
+  <cs:variation>
+    <a:lumMod val="50000"/>
+    <a:lumOff val="50000"/>
+  </cs:variation>
+</cs:colorStyle>
+</file>
+
+<file path=ppt/charts/colors2.xml><?xml version="1.0" encoding="utf-8"?>
+<cs:colorStyle xmlns:cs="http://schemas.microsoft.com/office/drawing/2012/chartStyle" xmlns:a="http://schemas.openxmlformats.org/drawingml/2006/main" meth="cycle" id="10">
+  <a:schemeClr val="accent1"/>
+  <a:schemeClr val="accent2"/>
+  <a:schemeClr val="accent3"/>
+  <a:schemeClr val="accent4"/>
+  <a:schemeClr val="accent5"/>
+  <a:schemeClr val="accent6"/>
+  <cs:variation/>
+  <cs:variation>
+    <a:lumMod val="60000"/>
+  </cs:variation>
+  <cs:variation>
+    <a:lumMod val="80000"/>
+    <a:lumOff val="20000"/>
+  </cs:variation>
+  <cs:variation>
+    <a:lumMod val="80000"/>
+  </cs:variation>
+  <cs:variation>
+    <a:lumMod val="60000"/>
+    <a:lumOff val="40000"/>
+  </cs:variation>
+  <cs:variation>
+    <a:lumMod val="50000"/>
+  </cs:variation>
+  <cs:variation>
+    <a:lumMod val="70000"/>
+    <a:lumOff val="30000"/>
+  </cs:variation>
+  <cs:variation>
+    <a:lumMod val="70000"/>
+  </cs:variation>
+  <cs:variation>
+    <a:lumMod val="50000"/>
+    <a:lumOff val="50000"/>
+  </cs:variation>
+</cs:colorStyle>
+</file>
+
+<file path=ppt/charts/colors3.xml><?xml version="1.0" encoding="utf-8"?>
+<cs:colorStyle xmlns:cs="http://schemas.microsoft.com/office/drawing/2012/chartStyle" xmlns:a="http://schemas.openxmlformats.org/drawingml/2006/main" meth="cycle" id="10">
+  <a:schemeClr val="accent1"/>
+  <a:schemeClr val="accent2"/>
+  <a:schemeClr val="accent3"/>
+  <a:schemeClr val="accent4"/>
+  <a:schemeClr val="accent5"/>
+  <a:schemeClr val="accent6"/>
+  <cs:variation/>
+  <cs:variation>
+    <a:lumMod val="60000"/>
+  </cs:variation>
+  <cs:variation>
+    <a:lumMod val="80000"/>
+    <a:lumOff val="20000"/>
+  </cs:variation>
+  <cs:variation>
+    <a:lumMod val="80000"/>
+  </cs:variation>
+  <cs:variation>
+    <a:lumMod val="60000"/>
+    <a:lumOff val="40000"/>
+  </cs:variation>
+  <cs:variation>
+    <a:lumMod val="50000"/>
+  </cs:variation>
+  <cs:variation>
+    <a:lumMod val="70000"/>
+    <a:lumOff val="30000"/>
+  </cs:variation>
+  <cs:variation>
+    <a:lumMod val="70000"/>
+  </cs:variation>
+  <cs:variation>
+    <a:lumMod val="50000"/>
+    <a:lumOff val="50000"/>
+  </cs:variation>
+</cs:colorStyle>
+</file>
+
+<file path=ppt/charts/colors4.xml><?xml version="1.0" encoding="utf-8"?>
+<cs:colorStyle xmlns:cs="http://schemas.microsoft.com/office/drawing/2012/chartStyle" xmlns:a="http://schemas.openxmlformats.org/drawingml/2006/main" meth="cycle" id="10">
+  <a:schemeClr val="accent1"/>
+  <a:schemeClr val="accent2"/>
+  <a:schemeClr val="accent3"/>
+  <a:schemeClr val="accent4"/>
+  <a:schemeClr val="accent5"/>
+  <a:schemeClr val="accent6"/>
+  <cs:variation/>
+  <cs:variation>
+    <a:lumMod val="60000"/>
+  </cs:variation>
+  <cs:variation>
+    <a:lumMod val="80000"/>
+    <a:lumOff val="20000"/>
+  </cs:variation>
+  <cs:variation>
+    <a:lumMod val="80000"/>
+  </cs:variation>
+  <cs:variation>
+    <a:lumMod val="60000"/>
+    <a:lumOff val="40000"/>
+  </cs:variation>
+  <cs:variation>
+    <a:lumMod val="50000"/>
+  </cs:variation>
+  <cs:variation>
+    <a:lumMod val="70000"/>
+    <a:lumOff val="30000"/>
+  </cs:variation>
+  <cs:variation>
+    <a:lumMod val="70000"/>
+  </cs:variation>
+  <cs:variation>
+    <a:lumMod val="50000"/>
+    <a:lumOff val="50000"/>
+  </cs:variation>
+</cs:colorStyle>
+</file>
+
+<file path=ppt/charts/colors5.xml><?xml version="1.0" encoding="utf-8"?>
+<cs:colorStyle xmlns:cs="http://schemas.microsoft.com/office/drawing/2012/chartStyle" xmlns:a="http://schemas.openxmlformats.org/drawingml/2006/main" meth="cycle" id="10">
+  <a:schemeClr val="accent1"/>
+  <a:schemeClr val="accent2"/>
+  <a:schemeClr val="accent3"/>
+  <a:schemeClr val="accent4"/>
+  <a:schemeClr val="accent5"/>
+  <a:schemeClr val="accent6"/>
+  <cs:variation/>
+  <cs:variation>
+    <a:lumMod val="60000"/>
+  </cs:variation>
+  <cs:variation>
+    <a:lumMod val="80000"/>
+    <a:lumOff val="20000"/>
+  </cs:variation>
+  <cs:variation>
+    <a:lumMod val="80000"/>
+  </cs:variation>
+  <cs:variation>
+    <a:lumMod val="60000"/>
+    <a:lumOff val="40000"/>
+  </cs:variation>
+  <cs:variation>
+    <a:lumMod val="50000"/>
+  </cs:variation>
+  <cs:variation>
+    <a:lumMod val="70000"/>
+    <a:lumOff val="30000"/>
+  </cs:variation>
+  <cs:variation>
+    <a:lumMod val="70000"/>
+  </cs:variation>
+  <cs:variation>
+    <a:lumMod val="50000"/>
+    <a:lumOff val="50000"/>
+  </cs:variation>
+</cs:colorStyle>
+</file>
+
+<file path=ppt/charts/colors6.xml><?xml version="1.0" encoding="utf-8"?>
+<cs:colorStyle xmlns:cs="http://schemas.microsoft.com/office/drawing/2012/chartStyle" xmlns:a="http://schemas.openxmlformats.org/drawingml/2006/main" meth="cycle" id="10">
+  <a:schemeClr val="accent1"/>
+  <a:schemeClr val="accent2"/>
+  <a:schemeClr val="accent3"/>
+  <a:schemeClr val="accent4"/>
+  <a:schemeClr val="accent5"/>
+  <a:schemeClr val="accent6"/>
+  <cs:variation/>
+  <cs:variation>
+    <a:lumMod val="60000"/>
+  </cs:variation>
+  <cs:variation>
+    <a:lumMod val="80000"/>
+    <a:lumOff val="20000"/>
+  </cs:variation>
+  <cs:variation>
+    <a:lumMod val="80000"/>
+  </cs:variation>
+  <cs:variation>
+    <a:lumMod val="60000"/>
+    <a:lumOff val="40000"/>
+  </cs:variation>
+  <cs:variation>
+    <a:lumMod val="50000"/>
+  </cs:variation>
+  <cs:variation>
+    <a:lumMod val="70000"/>
+    <a:lumOff val="30000"/>
+  </cs:variation>
+  <cs:variation>
+    <a:lumMod val="70000"/>
+  </cs:variation>
+  <cs:variation>
+    <a:lumMod val="50000"/>
+    <a:lumOff val="50000"/>
+  </cs:variation>
+</cs:colorStyle>
+</file>
+
+<file path=ppt/charts/colors7.xml><?xml version="1.0" encoding="utf-8"?>
+<cs:colorStyle xmlns:cs="http://schemas.microsoft.com/office/drawing/2012/chartStyle" xmlns:a="http://schemas.openxmlformats.org/drawingml/2006/main" meth="cycle" id="10">
+  <a:schemeClr val="accent1"/>
+  <a:schemeClr val="accent2"/>
+  <a:schemeClr val="accent3"/>
+  <a:schemeClr val="accent4"/>
+  <a:schemeClr val="accent5"/>
+  <a:schemeClr val="accent6"/>
+  <cs:variation/>
+  <cs:variation>
+    <a:lumMod val="60000"/>
+  </cs:variation>
+  <cs:variation>
+    <a:lumMod val="80000"/>
+    <a:lumOff val="20000"/>
+  </cs:variation>
+  <cs:variation>
+    <a:lumMod val="80000"/>
+  </cs:variation>
+  <cs:variation>
+    <a:lumMod val="60000"/>
+    <a:lumOff val="40000"/>
+  </cs:variation>
+  <cs:variation>
+    <a:lumMod val="50000"/>
+  </cs:variation>
+  <cs:variation>
+    <a:lumMod val="70000"/>
+    <a:lumOff val="30000"/>
+  </cs:variation>
+  <cs:variation>
+    <a:lumMod val="70000"/>
+  </cs:variation>
+  <cs:variation>
+    <a:lumMod val="50000"/>
+    <a:lumOff val="50000"/>
+  </cs:variation>
+</cs:colorStyle>
+</file>
+
+<file path=ppt/charts/style1.xml><?xml version="1.0" encoding="utf-8"?>
+<cs:chartStyle xmlns:cs="http://schemas.microsoft.com/office/drawing/2012/chartStyle" xmlns:a="http://schemas.openxmlformats.org/drawingml/2006/main" id="216">
+  <cs:axisTitle>
+    <cs:lnRef idx="0"/>
+    <cs:fillRef idx="0"/>
+    <cs:effectRef idx="0"/>
+    <cs:fontRef idx="minor">
+      <a:schemeClr val="tx1">
+        <a:lumMod val="65000"/>
+        <a:lumOff val="35000"/>
+      </a:schemeClr>
+    </cs:fontRef>
+    <cs:defRPr sz="1000" kern="1200"/>
+  </cs:axisTitle>
+  <cs:categoryAxis>
+    <cs:lnRef idx="0"/>
+    <cs:fillRef idx="0"/>
+    <cs:effectRef idx="0"/>
+    <cs:fontRef idx="minor">
+      <a:schemeClr val="tx1">
+        <a:lumMod val="65000"/>
+        <a:lumOff val="35000"/>
+      </a:schemeClr>
+    </cs:fontRef>
+    <cs:spPr>
+      <a:ln w="9525" cap="flat" cmpd="sng" algn="ctr">
+        <a:solidFill>
+          <a:schemeClr val="tx1">
+            <a:lumMod val="15000"/>
+            <a:lumOff val="85000"/>
+          </a:schemeClr>
+        </a:solidFill>
+        <a:round/>
+      </a:ln>
+    </cs:spPr>
+    <cs:defRPr sz="900" kern="1200"/>
+  </cs:categoryAxis>
+  <cs:chartArea mods="allowNoFillOverride allowNoLineOverride">
+    <cs:lnRef idx="0"/>
+    <cs:fillRef idx="0"/>
+    <cs:effectRef idx="0"/>
+    <cs:fontRef idx="minor">
+      <a:schemeClr val="tx1"/>
+    </cs:fontRef>
+    <cs:spPr>
+      <a:solidFill>
+        <a:schemeClr val="bg1"/>
+      </a:solidFill>
+      <a:ln w="9525" cap="flat" cmpd="sng" algn="ctr">
+        <a:solidFill>
+          <a:schemeClr val="tx1">
+            <a:lumMod val="15000"/>
+            <a:lumOff val="85000"/>
+          </a:schemeClr>
+        </a:solidFill>
+        <a:round/>
+      </a:ln>
+    </cs:spPr>
+    <cs:defRPr sz="1000" kern="1200"/>
+  </cs:chartArea>
+  <cs:dataLabel>
+    <cs:lnRef idx="0"/>
+    <cs:fillRef idx="0"/>
+    <cs:effectRef idx="0"/>
+    <cs:fontRef idx="minor">
+      <a:schemeClr val="tx1">
+        <a:lumMod val="75000"/>
+        <a:lumOff val="25000"/>
+      </a:schemeClr>
+    </cs:fontRef>
+    <cs:defRPr sz="900" kern="1200"/>
+  </cs:dataLabel>
+  <cs:dataLabelCallout>
+    <cs:lnRef idx="0"/>
+    <cs:fillRef idx="0"/>
+    <cs:effectRef idx="0"/>
+    <cs:fontRef idx="minor">
+      <a:schemeClr val="dk1">
+        <a:lumMod val="65000"/>
+        <a:lumOff val="35000"/>
+      </a:schemeClr>
+    </cs:fontRef>
+    <cs:spPr>
+      <a:solidFill>
+        <a:schemeClr val="lt1"/>
+      </a:solidFill>
+      <a:ln>
+        <a:solidFill>
+          <a:schemeClr val="dk1">
+            <a:lumMod val="25000"/>
+            <a:lumOff val="75000"/>
+          </a:schemeClr>
+        </a:solidFill>
+      </a:ln>
+    </cs:spPr>
+    <cs:defRPr sz="900" kern="1200"/>
+    <cs:bodyPr rot="0" spcFirstLastPara="1" vertOverflow="clip" horzOverflow="clip" vert="horz" wrap="square" lIns="36576" tIns="18288" rIns="36576" bIns="18288" anchor="ctr" anchorCtr="1">
+      <a:spAutoFit/>
+    </cs:bodyPr>
+  </cs:dataLabelCallout>
+  <cs:dataPoint>
+    <cs:lnRef idx="0"/>
+    <cs:fillRef idx="1">
+      <cs:styleClr val="auto"/>
+    </cs:fillRef>
+    <cs:effectRef idx="0"/>
+    <cs:fontRef idx="minor">
+      <a:schemeClr val="tx1"/>
+    </cs:fontRef>
+  </cs:dataPoint>
+  <cs:dataPoint3D>
+    <cs:lnRef idx="0"/>
+    <cs:fillRef idx="1">
+      <cs:styleClr val="auto"/>
+    </cs:fillRef>
+    <cs:effectRef idx="0"/>
+    <cs:fontRef idx="minor">
+      <a:schemeClr val="tx1"/>
+    </cs:fontRef>
+  </cs:dataPoint3D>
+  <cs:dataPointLine>
+    <cs:lnRef idx="0">
+      <cs:styleClr val="auto"/>
+    </cs:lnRef>
+    <cs:fillRef idx="1"/>
+    <cs:effectRef idx="0"/>
+    <cs:fontRef idx="minor">
+      <a:schemeClr val="tx1"/>
+    </cs:fontRef>
+    <cs:spPr>
+      <a:ln w="28575" cap="rnd">
+        <a:solidFill>
+          <a:schemeClr val="phClr"/>
+        </a:solidFill>
+        <a:round/>
+      </a:ln>
+    </cs:spPr>
+  </cs:dataPointLine>
+  <cs:dataPointMarker>
+    <cs:lnRef idx="0">
+      <cs:styleClr val="auto"/>
+    </cs:lnRef>
+    <cs:fillRef idx="1">
+      <cs:styleClr val="auto"/>
+    </cs:fillRef>
+    <cs:effectRef idx="0"/>
+    <cs:fontRef idx="minor">
+      <a:schemeClr val="tx1"/>
+    </cs:fontRef>
+    <cs:spPr>
+      <a:ln w="9525">
+        <a:solidFill>
+          <a:schemeClr val="phClr"/>
+        </a:solidFill>
+      </a:ln>
+    </cs:spPr>
+  </cs:dataPointMarker>
+  <cs:dataPointMarkerLayout symbol="circle" size="5"/>
+  <cs:dataPointWireframe>
+    <cs:lnRef idx="0">
+      <cs:styleClr val="auto"/>
+    </cs:lnRef>
+    <cs:fillRef idx="1"/>
+    <cs:effectRef idx="0"/>
+    <cs:fontRef idx="minor">
+      <a:schemeClr val="tx1"/>
+    </cs:fontRef>
+    <cs:spPr>
+      <a:ln w="9525" cap="rnd">
+        <a:solidFill>
+          <a:schemeClr val="phClr"/>
+        </a:solidFill>
+        <a:round/>
+      </a:ln>
+    </cs:spPr>
+  </cs:dataPointWireframe>
+  <cs:dataTable>
+    <cs:lnRef idx="0"/>
+    <cs:fillRef idx="0"/>
+    <cs:effectRef idx="0"/>
+    <cs:fontRef idx="minor">
+      <a:schemeClr val="tx1">
+        <a:lumMod val="65000"/>
+        <a:lumOff val="35000"/>
+      </a:schemeClr>
+    </cs:fontRef>
+    <cs:spPr>
+      <a:noFill/>
+      <a:ln w="9525" cap="flat" cmpd="sng" algn="ctr">
+        <a:solidFill>
+          <a:schemeClr val="tx1">
+            <a:lumMod val="15000"/>
+            <a:lumOff val="85000"/>
+          </a:schemeClr>
+        </a:solidFill>
+        <a:round/>
+      </a:ln>
+    </cs:spPr>
+    <cs:defRPr sz="900" kern="1200"/>
+  </cs:dataTable>
+  <cs:downBar>
+    <cs:lnRef idx="0"/>
+    <cs:fillRef idx="0"/>
+    <cs:effectRef idx="0"/>
+    <cs:fontRef idx="minor">
+      <a:schemeClr val="tx1"/>
+    </cs:fontRef>
+    <cs:spPr>
+      <a:solidFill>
+        <a:schemeClr val="dk1">
+          <a:lumMod val="75000"/>
+          <a:lumOff val="25000"/>
+        </a:schemeClr>
+      </a:solidFill>
+      <a:ln w="9525" cap="flat" cmpd="sng" algn="ctr">
+        <a:solidFill>
+          <a:schemeClr val="tx1">
+            <a:lumMod val="65000"/>
+            <a:lumOff val="35000"/>
+          </a:schemeClr>
+        </a:solidFill>
+        <a:round/>
+      </a:ln>
+    </cs:spPr>
+  </cs:downBar>
+  <cs:dropLine>
+    <cs:lnRef idx="0"/>
+    <cs:fillRef idx="0"/>
+    <cs:effectRef idx="0"/>
+    <cs:fontRef idx="minor">
+      <a:schemeClr val="tx1"/>
+    </cs:fontRef>
+    <cs:spPr>
+      <a:ln w="9525" cap="flat" cmpd="sng" algn="ctr">
+        <a:solidFill>
+          <a:schemeClr val="tx1">
+            <a:lumMod val="35000"/>
+            <a:lumOff val="65000"/>
+          </a:schemeClr>
+        </a:solidFill>
+        <a:round/>
+      </a:ln>
+    </cs:spPr>
+  </cs:dropLine>
+  <cs:errorBar>
+    <cs:lnRef idx="0"/>
+    <cs:fillRef idx="0"/>
+    <cs:effectRef idx="0"/>
+    <cs:fontRef idx="minor">
+      <a:schemeClr val="tx1"/>
+    </cs:fontRef>
+    <cs:spPr>
+      <a:ln w="9525" cap="flat" cmpd="sng" algn="ctr">
+        <a:solidFill>
+          <a:schemeClr val="tx1">
+            <a:lumMod val="65000"/>
+            <a:lumOff val="35000"/>
+          </a:schemeClr>
+        </a:solidFill>
+        <a:round/>
+      </a:ln>
+    </cs:spPr>
+  </cs:errorBar>
+  <cs:floor>
+    <cs:lnRef idx="0"/>
+    <cs:fillRef idx="0"/>
+    <cs:effectRef idx="0"/>
+    <cs:fontRef idx="minor">
+      <a:schemeClr val="tx1"/>
+    </cs:fontRef>
+    <cs:spPr>
+      <a:noFill/>
+      <a:ln>
+        <a:noFill/>
+      </a:ln>
+    </cs:spPr>
+  </cs:floor>
+  <cs:gridlineMajor>
+    <cs:lnRef idx="0"/>
+    <cs:fillRef idx="0"/>
+    <cs:effectRef idx="0"/>
+    <cs:fontRef idx="minor">
+      <a:schemeClr val="tx1"/>
+    </cs:fontRef>
+    <cs:spPr>
+      <a:ln w="9525" cap="flat" cmpd="sng" algn="ctr">
+        <a:solidFill>
+          <a:schemeClr val="tx1">
+            <a:lumMod val="15000"/>
+            <a:lumOff val="85000"/>
+          </a:schemeClr>
+        </a:solidFill>
+        <a:round/>
+      </a:ln>
+    </cs:spPr>
+  </cs:gridlineMajor>
+  <cs:gridlineMinor>
+    <cs:lnRef idx="0"/>
+    <cs:fillRef idx="0"/>
+    <cs:effectRef idx="0"/>
+    <cs:fontRef idx="minor">
+      <a:schemeClr val="tx1"/>
+    </cs:fontRef>
+    <cs:spPr>
+      <a:ln w="9525" cap="flat" cmpd="sng" algn="ctr">
+        <a:solidFill>
+          <a:schemeClr val="tx1">
+            <a:lumMod val="5000"/>
+            <a:lumOff val="95000"/>
+          </a:schemeClr>
+        </a:solidFill>
+        <a:round/>
+      </a:ln>
+    </cs:spPr>
+  </cs:gridlineMinor>
+  <cs:hiLoLine>
+    <cs:lnRef idx="0"/>
+    <cs:fillRef idx="0"/>
+    <cs:effectRef idx="0"/>
+    <cs:fontRef idx="minor">
+      <a:schemeClr val="tx1"/>
+    </cs:fontRef>
+    <cs:spPr>
+      <a:ln w="9525" cap="flat" cmpd="sng" algn="ctr">
+        <a:solidFill>
+          <a:schemeClr val="tx1">
+            <a:lumMod val="50000"/>
+            <a:lumOff val="50000"/>
+          </a:schemeClr>
+        </a:solidFill>
+        <a:round/>
+      </a:ln>
+    </cs:spPr>
+  </cs:hiLoLine>
+  <cs:leaderLine>
+    <cs:lnRef idx="0"/>
+    <cs:fillRef idx="0"/>
+    <cs:effectRef idx="0"/>
+    <cs:fontRef idx="minor">
+      <a:schemeClr val="tx1"/>
+    </cs:fontRef>
+    <cs:spPr>
+      <a:ln w="9525" cap="flat" cmpd="sng" algn="ctr">
+        <a:solidFill>
+          <a:schemeClr val="tx1">
+            <a:lumMod val="35000"/>
+            <a:lumOff val="65000"/>
+          </a:schemeClr>
+        </a:solidFill>
+        <a:round/>
+      </a:ln>
+    </cs:spPr>
+  </cs:leaderLine>
+  <cs:legend>
+    <cs:lnRef idx="0"/>
+    <cs:fillRef idx="0"/>
+    <cs:effectRef idx="0"/>
+    <cs:fontRef idx="minor">
+      <a:schemeClr val="tx1">
+        <a:lumMod val="65000"/>
+        <a:lumOff val="35000"/>
+      </a:schemeClr>
+    </cs:fontRef>
+    <cs:defRPr sz="900" kern="1200"/>
+  </cs:legend>
+  <cs:plotArea mods="allowNoFillOverride allowNoLineOverride">
+    <cs:lnRef idx="0"/>
+    <cs:fillRef idx="0"/>
+    <cs:effectRef idx="0"/>
+    <cs:fontRef idx="minor">
+      <a:schemeClr val="tx1"/>
+    </cs:fontRef>
+  </cs:plotArea>
+  <cs:plotArea3D mods="allowNoFillOverride allowNoLineOverride">
+    <cs:lnRef idx="0"/>
+    <cs:fillRef idx="0"/>
+    <cs:effectRef idx="0"/>
+    <cs:fontRef idx="minor">
+      <a:schemeClr val="tx1"/>
+    </cs:fontRef>
+  </cs:plotArea3D>
+  <cs:seriesAxis>
+    <cs:lnRef idx="0"/>
+    <cs:fillRef idx="0"/>
+    <cs:effectRef idx="0"/>
+    <cs:fontRef idx="minor">
+      <a:schemeClr val="tx1">
+        <a:lumMod val="65000"/>
+        <a:lumOff val="35000"/>
+      </a:schemeClr>
+    </cs:fontRef>
+    <cs:defRPr sz="900" kern="1200"/>
+  </cs:seriesAxis>
+  <cs:seriesLine>
+    <cs:lnRef idx="0"/>
+    <cs:fillRef idx="0"/>
+    <cs:effectRef idx="0"/>
+    <cs:fontRef idx="minor">
+      <a:schemeClr val="tx1"/>
+    </cs:fontRef>
+    <cs:spPr>
+      <a:ln w="9525" cap="flat" cmpd="sng" algn="ctr">
+        <a:solidFill>
+          <a:schemeClr val="tx1">
+            <a:lumMod val="35000"/>
+            <a:lumOff val="65000"/>
+          </a:schemeClr>
+        </a:solidFill>
+        <a:round/>
+      </a:ln>
+    </cs:spPr>
+  </cs:seriesLine>
+  <cs:title>
+    <cs:lnRef idx="0"/>
+    <cs:fillRef idx="0"/>
+    <cs:effectRef idx="0"/>
+    <cs:fontRef idx="minor">
+      <a:schemeClr val="tx1">
+        <a:lumMod val="65000"/>
+        <a:lumOff val="35000"/>
+      </a:schemeClr>
+    </cs:fontRef>
+    <cs:defRPr sz="1400" b="0" kern="1200" spc="0" baseline="0"/>
+  </cs:title>
+  <cs:trendline>
+    <cs:lnRef idx="0">
+      <cs:styleClr val="auto"/>
+    </cs:lnRef>
+    <cs:fillRef idx="0"/>
+    <cs:effectRef idx="0"/>
+    <cs:fontRef idx="minor">
+      <a:schemeClr val="tx1"/>
+    </cs:fontRef>
+    <cs:spPr>
+      <a:ln w="19050" cap="rnd">
+        <a:solidFill>
+          <a:schemeClr val="phClr"/>
+        </a:solidFill>
+        <a:prstDash val="sysDot"/>
+      </a:ln>
+    </cs:spPr>
+  </cs:trendline>
+  <cs:trendlineLabel>
+    <cs:lnRef idx="0"/>
+    <cs:fillRef idx="0"/>
+    <cs:effectRef idx="0"/>
+    <cs:fontRef idx="minor">
+      <a:schemeClr val="tx1">
+        <a:lumMod val="65000"/>
+        <a:lumOff val="35000"/>
+      </a:schemeClr>
+    </cs:fontRef>
+    <cs:defRPr sz="900" kern="1200"/>
+  </cs:trendlineLabel>
+  <cs:upBar>
+    <cs:lnRef idx="0"/>
+    <cs:fillRef idx="0"/>
+    <cs:effectRef idx="0"/>
+    <cs:fontRef idx="minor">
+      <a:schemeClr val="tx1"/>
+    </cs:fontRef>
+    <cs:spPr>
+      <a:solidFill>
+        <a:schemeClr val="lt1"/>
+      </a:solidFill>
+      <a:ln w="9525" cap="flat" cmpd="sng" algn="ctr">
+        <a:solidFill>
+          <a:schemeClr val="tx1">
+            <a:lumMod val="65000"/>
+            <a:lumOff val="35000"/>
+          </a:schemeClr>
+        </a:solidFill>
+        <a:round/>
+      </a:ln>
+    </cs:spPr>
+  </cs:upBar>
+  <cs:valueAxis>
+    <cs:lnRef idx="0"/>
+    <cs:fillRef idx="0"/>
+    <cs:effectRef idx="0"/>
+    <cs:fontRef idx="minor">
+      <a:schemeClr val="tx1">
+        <a:lumMod val="65000"/>
+        <a:lumOff val="35000"/>
+      </a:schemeClr>
+    </cs:fontRef>
+    <cs:defRPr sz="900" kern="1200"/>
+  </cs:valueAxis>
+  <cs:wall>
+    <cs:lnRef idx="0"/>
+    <cs:fillRef idx="0"/>
+    <cs:effectRef idx="0"/>
+    <cs:fontRef idx="minor">
+      <a:schemeClr val="tx1"/>
+    </cs:fontRef>
+    <cs:spPr>
+      <a:noFill/>
+      <a:ln>
+        <a:noFill/>
+      </a:ln>
+    </cs:spPr>
+  </cs:wall>
+</cs:chartStyle>
+</file>
+
+<file path=ppt/charts/style2.xml><?xml version="1.0" encoding="utf-8"?>
+<cs:chartStyle xmlns:cs="http://schemas.microsoft.com/office/drawing/2012/chartStyle" xmlns:a="http://schemas.openxmlformats.org/drawingml/2006/main" id="216">
+  <cs:axisTitle>
+    <cs:lnRef idx="0"/>
+    <cs:fillRef idx="0"/>
+    <cs:effectRef idx="0"/>
+    <cs:fontRef idx="minor">
+      <a:schemeClr val="tx1">
+        <a:lumMod val="65000"/>
+        <a:lumOff val="35000"/>
+      </a:schemeClr>
+    </cs:fontRef>
+    <cs:defRPr sz="1000" kern="1200"/>
+  </cs:axisTitle>
+  <cs:categoryAxis>
+    <cs:lnRef idx="0"/>
+    <cs:fillRef idx="0"/>
+    <cs:effectRef idx="0"/>
+    <cs:fontRef idx="minor">
+      <a:schemeClr val="tx1">
+        <a:lumMod val="65000"/>
+        <a:lumOff val="35000"/>
+      </a:schemeClr>
+    </cs:fontRef>
+    <cs:spPr>
+      <a:ln w="9525" cap="flat" cmpd="sng" algn="ctr">
+        <a:solidFill>
+          <a:schemeClr val="tx1">
+            <a:lumMod val="15000"/>
+            <a:lumOff val="85000"/>
+          </a:schemeClr>
+        </a:solidFill>
+        <a:round/>
+      </a:ln>
+    </cs:spPr>
+    <cs:defRPr sz="900" kern="1200"/>
+  </cs:categoryAxis>
+  <cs:chartArea mods="allowNoFillOverride allowNoLineOverride">
+    <cs:lnRef idx="0"/>
+    <cs:fillRef idx="0"/>
+    <cs:effectRef idx="0"/>
+    <cs:fontRef idx="minor">
+      <a:schemeClr val="tx1"/>
+    </cs:fontRef>
+    <cs:spPr>
+      <a:solidFill>
+        <a:schemeClr val="bg1"/>
+      </a:solidFill>
+      <a:ln w="9525" cap="flat" cmpd="sng" algn="ctr">
+        <a:solidFill>
+          <a:schemeClr val="tx1">
+            <a:lumMod val="15000"/>
+            <a:lumOff val="85000"/>
+          </a:schemeClr>
+        </a:solidFill>
+        <a:round/>
+      </a:ln>
+    </cs:spPr>
+    <cs:defRPr sz="1000" kern="1200"/>
+  </cs:chartArea>
+  <cs:dataLabel>
+    <cs:lnRef idx="0"/>
+    <cs:fillRef idx="0"/>
+    <cs:effectRef idx="0"/>
+    <cs:fontRef idx="minor">
+      <a:schemeClr val="tx1">
+        <a:lumMod val="75000"/>
+        <a:lumOff val="25000"/>
+      </a:schemeClr>
+    </cs:fontRef>
+    <cs:defRPr sz="900" kern="1200"/>
+  </cs:dataLabel>
+  <cs:dataLabelCallout>
+    <cs:lnRef idx="0"/>
+    <cs:fillRef idx="0"/>
+    <cs:effectRef idx="0"/>
+    <cs:fontRef idx="minor">
+      <a:schemeClr val="dk1">
+        <a:lumMod val="65000"/>
+        <a:lumOff val="35000"/>
+      </a:schemeClr>
+    </cs:fontRef>
+    <cs:spPr>
+      <a:solidFill>
+        <a:schemeClr val="lt1"/>
+      </a:solidFill>
+      <a:ln>
+        <a:solidFill>
+          <a:schemeClr val="dk1">
+            <a:lumMod val="25000"/>
+            <a:lumOff val="75000"/>
+          </a:schemeClr>
+        </a:solidFill>
+      </a:ln>
+    </cs:spPr>
+    <cs:defRPr sz="900" kern="1200"/>
+    <cs:bodyPr rot="0" spcFirstLastPara="1" vertOverflow="clip" horzOverflow="clip" vert="horz" wrap="square" lIns="36576" tIns="18288" rIns="36576" bIns="18288" anchor="ctr" anchorCtr="1">
+      <a:spAutoFit/>
+    </cs:bodyPr>
+  </cs:dataLabelCallout>
+  <cs:dataPoint>
+    <cs:lnRef idx="0"/>
+    <cs:fillRef idx="1">
+      <cs:styleClr val="auto"/>
+    </cs:fillRef>
+    <cs:effectRef idx="0"/>
+    <cs:fontRef idx="minor">
+      <a:schemeClr val="tx1"/>
+    </cs:fontRef>
+  </cs:dataPoint>
+  <cs:dataPoint3D>
+    <cs:lnRef idx="0"/>
+    <cs:fillRef idx="1">
+      <cs:styleClr val="auto"/>
+    </cs:fillRef>
+    <cs:effectRef idx="0"/>
+    <cs:fontRef idx="minor">
+      <a:schemeClr val="tx1"/>
+    </cs:fontRef>
+  </cs:dataPoint3D>
+  <cs:dataPointLine>
+    <cs:lnRef idx="0">
+      <cs:styleClr val="auto"/>
+    </cs:lnRef>
+    <cs:fillRef idx="1"/>
+    <cs:effectRef idx="0"/>
+    <cs:fontRef idx="minor">
+      <a:schemeClr val="tx1"/>
+    </cs:fontRef>
+    <cs:spPr>
+      <a:ln w="28575" cap="rnd">
+        <a:solidFill>
+          <a:schemeClr val="phClr"/>
+        </a:solidFill>
+        <a:round/>
+      </a:ln>
+    </cs:spPr>
+  </cs:dataPointLine>
+  <cs:dataPointMarker>
+    <cs:lnRef idx="0">
+      <cs:styleClr val="auto"/>
+    </cs:lnRef>
+    <cs:fillRef idx="1">
+      <cs:styleClr val="auto"/>
+    </cs:fillRef>
+    <cs:effectRef idx="0"/>
+    <cs:fontRef idx="minor">
+      <a:schemeClr val="tx1"/>
+    </cs:fontRef>
+    <cs:spPr>
+      <a:ln w="9525">
+        <a:solidFill>
+          <a:schemeClr val="phClr"/>
+        </a:solidFill>
+      </a:ln>
+    </cs:spPr>
+  </cs:dataPointMarker>
+  <cs:dataPointMarkerLayout symbol="circle" size="5"/>
+  <cs:dataPointWireframe>
+    <cs:lnRef idx="0">
+      <cs:styleClr val="auto"/>
+    </cs:lnRef>
+    <cs:fillRef idx="1"/>
+    <cs:effectRef idx="0"/>
+    <cs:fontRef idx="minor">
+      <a:schemeClr val="tx1"/>
+    </cs:fontRef>
+    <cs:spPr>
+      <a:ln w="9525" cap="rnd">
+        <a:solidFill>
+          <a:schemeClr val="phClr"/>
+        </a:solidFill>
+        <a:round/>
+      </a:ln>
+    </cs:spPr>
+  </cs:dataPointWireframe>
+  <cs:dataTable>
+    <cs:lnRef idx="0"/>
+    <cs:fillRef idx="0"/>
+    <cs:effectRef idx="0"/>
+    <cs:fontRef idx="minor">
+      <a:schemeClr val="tx1">
+        <a:lumMod val="65000"/>
+        <a:lumOff val="35000"/>
+      </a:schemeClr>
+    </cs:fontRef>
+    <cs:spPr>
+      <a:noFill/>
+      <a:ln w="9525" cap="flat" cmpd="sng" algn="ctr">
+        <a:solidFill>
+          <a:schemeClr val="tx1">
+            <a:lumMod val="15000"/>
+            <a:lumOff val="85000"/>
+          </a:schemeClr>
+        </a:solidFill>
+        <a:round/>
+      </a:ln>
+    </cs:spPr>
+    <cs:defRPr sz="900" kern="1200"/>
+  </cs:dataTable>
+  <cs:downBar>
+    <cs:lnRef idx="0"/>
+    <cs:fillRef idx="0"/>
+    <cs:effectRef idx="0"/>
+    <cs:fontRef idx="minor">
+      <a:schemeClr val="tx1"/>
+    </cs:fontRef>
+    <cs:spPr>
+      <a:solidFill>
+        <a:schemeClr val="dk1">
+          <a:lumMod val="75000"/>
+          <a:lumOff val="25000"/>
+        </a:schemeClr>
+      </a:solidFill>
+      <a:ln w="9525" cap="flat" cmpd="sng" algn="ctr">
+        <a:solidFill>
+          <a:schemeClr val="tx1">
+            <a:lumMod val="65000"/>
+            <a:lumOff val="35000"/>
+          </a:schemeClr>
+        </a:solidFill>
+        <a:round/>
+      </a:ln>
+    </cs:spPr>
+  </cs:downBar>
+  <cs:dropLine>
+    <cs:lnRef idx="0"/>
+    <cs:fillRef idx="0"/>
+    <cs:effectRef idx="0"/>
+    <cs:fontRef idx="minor">
+      <a:schemeClr val="tx1"/>
+    </cs:fontRef>
+    <cs:spPr>
+      <a:ln w="9525" cap="flat" cmpd="sng" algn="ctr">
+        <a:solidFill>
+          <a:schemeClr val="tx1">
+            <a:lumMod val="35000"/>
+            <a:lumOff val="65000"/>
+          </a:schemeClr>
+        </a:solidFill>
+        <a:round/>
+      </a:ln>
+    </cs:spPr>
+  </cs:dropLine>
+  <cs:errorBar>
+    <cs:lnRef idx="0"/>
+    <cs:fillRef idx="0"/>
+    <cs:effectRef idx="0"/>
+    <cs:fontRef idx="minor">
+      <a:schemeClr val="tx1"/>
+    </cs:fontRef>
+    <cs:spPr>
+      <a:ln w="9525" cap="flat" cmpd="sng" algn="ctr">
+        <a:solidFill>
+          <a:schemeClr val="tx1">
+            <a:lumMod val="65000"/>
+            <a:lumOff val="35000"/>
+          </a:schemeClr>
+        </a:solidFill>
+        <a:round/>
+      </a:ln>
+    </cs:spPr>
+  </cs:errorBar>
+  <cs:floor>
+    <cs:lnRef idx="0"/>
+    <cs:fillRef idx="0"/>
+    <cs:effectRef idx="0"/>
+    <cs:fontRef idx="minor">
+      <a:schemeClr val="tx1"/>
+    </cs:fontRef>
+    <cs:spPr>
+      <a:noFill/>
+      <a:ln>
+        <a:noFill/>
+      </a:ln>
+    </cs:spPr>
+  </cs:floor>
+  <cs:gridlineMajor>
+    <cs:lnRef idx="0"/>
+    <cs:fillRef idx="0"/>
+    <cs:effectRef idx="0"/>
+    <cs:fontRef idx="minor">
+      <a:schemeClr val="tx1"/>
+    </cs:fontRef>
+    <cs:spPr>
+      <a:ln w="9525" cap="flat" cmpd="sng" algn="ctr">
+        <a:solidFill>
+          <a:schemeClr val="tx1">
+            <a:lumMod val="15000"/>
+            <a:lumOff val="85000"/>
+          </a:schemeClr>
+        </a:solidFill>
+        <a:round/>
+      </a:ln>
+    </cs:spPr>
+  </cs:gridlineMajor>
+  <cs:gridlineMinor>
+    <cs:lnRef idx="0"/>
+    <cs:fillRef idx="0"/>
+    <cs:effectRef idx="0"/>
+    <cs:fontRef idx="minor">
+      <a:schemeClr val="tx1"/>
+    </cs:fontRef>
+    <cs:spPr>
+      <a:ln w="9525" cap="flat" cmpd="sng" algn="ctr">
+        <a:solidFill>
+          <a:schemeClr val="tx1">
+            <a:lumMod val="5000"/>
+            <a:lumOff val="95000"/>
+          </a:schemeClr>
+        </a:solidFill>
+        <a:round/>
+      </a:ln>
+    </cs:spPr>
+  </cs:gridlineMinor>
+  <cs:hiLoLine>
+    <cs:lnRef idx="0"/>
+    <cs:fillRef idx="0"/>
+    <cs:effectRef idx="0"/>
+    <cs:fontRef idx="minor">
+      <a:schemeClr val="tx1"/>
+    </cs:fontRef>
+    <cs:spPr>
+      <a:ln w="9525" cap="flat" cmpd="sng" algn="ctr">
+        <a:solidFill>
+          <a:schemeClr val="tx1">
+            <a:lumMod val="50000"/>
+            <a:lumOff val="50000"/>
+          </a:schemeClr>
+        </a:solidFill>
+        <a:round/>
+      </a:ln>
+    </cs:spPr>
+  </cs:hiLoLine>
+  <cs:leaderLine>
+    <cs:lnRef idx="0"/>
+    <cs:fillRef idx="0"/>
+    <cs:effectRef idx="0"/>
+    <cs:fontRef idx="minor">
+      <a:schemeClr val="tx1"/>
+    </cs:fontRef>
+    <cs:spPr>
+      <a:ln w="9525" cap="flat" cmpd="sng" algn="ctr">
+        <a:solidFill>
+          <a:schemeClr val="tx1">
+            <a:lumMod val="35000"/>
+            <a:lumOff val="65000"/>
+          </a:schemeClr>
+        </a:solidFill>
+        <a:round/>
+      </a:ln>
+    </cs:spPr>
+  </cs:leaderLine>
+  <cs:legend>
+    <cs:lnRef idx="0"/>
+    <cs:fillRef idx="0"/>
+    <cs:effectRef idx="0"/>
+    <cs:fontRef idx="minor">
+      <a:schemeClr val="tx1">
+        <a:lumMod val="65000"/>
+        <a:lumOff val="35000"/>
+      </a:schemeClr>
+    </cs:fontRef>
+    <cs:defRPr sz="900" kern="1200"/>
+  </cs:legend>
+  <cs:plotArea mods="allowNoFillOverride allowNoLineOverride">
+    <cs:lnRef idx="0"/>
+    <cs:fillRef idx="0"/>
+    <cs:effectRef idx="0"/>
+    <cs:fontRef idx="minor">
+      <a:schemeClr val="tx1"/>
+    </cs:fontRef>
+  </cs:plotArea>
+  <cs:plotArea3D mods="allowNoFillOverride allowNoLineOverride">
+    <cs:lnRef idx="0"/>
+    <cs:fillRef idx="0"/>
+    <cs:effectRef idx="0"/>
+    <cs:fontRef idx="minor">
+      <a:schemeClr val="tx1"/>
+    </cs:fontRef>
+  </cs:plotArea3D>
+  <cs:seriesAxis>
+    <cs:lnRef idx="0"/>
+    <cs:fillRef idx="0"/>
+    <cs:effectRef idx="0"/>
+    <cs:fontRef idx="minor">
+      <a:schemeClr val="tx1">
+        <a:lumMod val="65000"/>
+        <a:lumOff val="35000"/>
+      </a:schemeClr>
+    </cs:fontRef>
+    <cs:defRPr sz="900" kern="1200"/>
+  </cs:seriesAxis>
+  <cs:seriesLine>
+    <cs:lnRef idx="0"/>
+    <cs:fillRef idx="0"/>
+    <cs:effectRef idx="0"/>
+    <cs:fontRef idx="minor">
+      <a:schemeClr val="tx1"/>
+    </cs:fontRef>
+    <cs:spPr>
+      <a:ln w="9525" cap="flat" cmpd="sng" algn="ctr">
+        <a:solidFill>
+          <a:schemeClr val="tx1">
+            <a:lumMod val="35000"/>
+            <a:lumOff val="65000"/>
+          </a:schemeClr>
+        </a:solidFill>
+        <a:round/>
+      </a:ln>
+    </cs:spPr>
+  </cs:seriesLine>
+  <cs:title>
+    <cs:lnRef idx="0"/>
+    <cs:fillRef idx="0"/>
+    <cs:effectRef idx="0"/>
+    <cs:fontRef idx="minor">
+      <a:schemeClr val="tx1">
+        <a:lumMod val="65000"/>
+        <a:lumOff val="35000"/>
+      </a:schemeClr>
+    </cs:fontRef>
+    <cs:defRPr sz="1400" b="0" kern="1200" spc="0" baseline="0"/>
+  </cs:title>
+  <cs:trendline>
+    <cs:lnRef idx="0">
+      <cs:styleClr val="auto"/>
+    </cs:lnRef>
+    <cs:fillRef idx="0"/>
+    <cs:effectRef idx="0"/>
+    <cs:fontRef idx="minor">
+      <a:schemeClr val="tx1"/>
+    </cs:fontRef>
+    <cs:spPr>
+      <a:ln w="19050" cap="rnd">
+        <a:solidFill>
+          <a:schemeClr val="phClr"/>
+        </a:solidFill>
+        <a:prstDash val="sysDot"/>
+      </a:ln>
+    </cs:spPr>
+  </cs:trendline>
+  <cs:trendlineLabel>
+    <cs:lnRef idx="0"/>
+    <cs:fillRef idx="0"/>
+    <cs:effectRef idx="0"/>
+    <cs:fontRef idx="minor">
+      <a:schemeClr val="tx1">
+        <a:lumMod val="65000"/>
+        <a:lumOff val="35000"/>
+      </a:schemeClr>
+    </cs:fontRef>
+    <cs:defRPr sz="900" kern="1200"/>
+  </cs:trendlineLabel>
+  <cs:upBar>
+    <cs:lnRef idx="0"/>
+    <cs:fillRef idx="0"/>
+    <cs:effectRef idx="0"/>
+    <cs:fontRef idx="minor">
+      <a:schemeClr val="tx1"/>
+    </cs:fontRef>
+    <cs:spPr>
+      <a:solidFill>
+        <a:schemeClr val="lt1"/>
+      </a:solidFill>
+      <a:ln w="9525" cap="flat" cmpd="sng" algn="ctr">
+        <a:solidFill>
+          <a:schemeClr val="tx1">
+            <a:lumMod val="65000"/>
+            <a:lumOff val="35000"/>
+          </a:schemeClr>
+        </a:solidFill>
+        <a:round/>
+      </a:ln>
+    </cs:spPr>
+  </cs:upBar>
+  <cs:valueAxis>
+    <cs:lnRef idx="0"/>
+    <cs:fillRef idx="0"/>
+    <cs:effectRef idx="0"/>
+    <cs:fontRef idx="minor">
+      <a:schemeClr val="tx1">
+        <a:lumMod val="65000"/>
+        <a:lumOff val="35000"/>
+      </a:schemeClr>
+    </cs:fontRef>
+    <cs:defRPr sz="900" kern="1200"/>
+  </cs:valueAxis>
+  <cs:wall>
+    <cs:lnRef idx="0"/>
+    <cs:fillRef idx="0"/>
+    <cs:effectRef idx="0"/>
+    <cs:fontRef idx="minor">
+      <a:schemeClr val="tx1"/>
+    </cs:fontRef>
+    <cs:spPr>
+      <a:noFill/>
+      <a:ln>
+        <a:noFill/>
+      </a:ln>
+    </cs:spPr>
+  </cs:wall>
+</cs:chartStyle>
+</file>
+
+<file path=ppt/charts/style3.xml><?xml version="1.0" encoding="utf-8"?>
+<cs:chartStyle xmlns:cs="http://schemas.microsoft.com/office/drawing/2012/chartStyle" xmlns:a="http://schemas.openxmlformats.org/drawingml/2006/main" id="216">
+  <cs:axisTitle>
+    <cs:lnRef idx="0"/>
+    <cs:fillRef idx="0"/>
+    <cs:effectRef idx="0"/>
+    <cs:fontRef idx="minor">
+      <a:schemeClr val="tx1">
+        <a:lumMod val="65000"/>
+        <a:lumOff val="35000"/>
+      </a:schemeClr>
+    </cs:fontRef>
+    <cs:defRPr sz="1000" kern="1200"/>
+  </cs:axisTitle>
+  <cs:categoryAxis>
+    <cs:lnRef idx="0"/>
+    <cs:fillRef idx="0"/>
+    <cs:effectRef idx="0"/>
+    <cs:fontRef idx="minor">
+      <a:schemeClr val="tx1">
+        <a:lumMod val="65000"/>
+        <a:lumOff val="35000"/>
+      </a:schemeClr>
+    </cs:fontRef>
+    <cs:spPr>
+      <a:ln w="9525" cap="flat" cmpd="sng" algn="ctr">
+        <a:solidFill>
+          <a:schemeClr val="tx1">
+            <a:lumMod val="15000"/>
+            <a:lumOff val="85000"/>
+          </a:schemeClr>
+        </a:solidFill>
+        <a:round/>
+      </a:ln>
+    </cs:spPr>
+    <cs:defRPr sz="900" kern="1200"/>
+  </cs:categoryAxis>
+  <cs:chartArea mods="allowNoFillOverride allowNoLineOverride">
+    <cs:lnRef idx="0"/>
+    <cs:fillRef idx="0"/>
+    <cs:effectRef idx="0"/>
+    <cs:fontRef idx="minor">
+      <a:schemeClr val="tx1"/>
+    </cs:fontRef>
+    <cs:spPr>
+      <a:solidFill>
+        <a:schemeClr val="bg1"/>
+      </a:solidFill>
+      <a:ln w="9525" cap="flat" cmpd="sng" algn="ctr">
+        <a:solidFill>
+          <a:schemeClr val="tx1">
+            <a:lumMod val="15000"/>
+            <a:lumOff val="85000"/>
+          </a:schemeClr>
+        </a:solidFill>
+        <a:round/>
+      </a:ln>
+    </cs:spPr>
+    <cs:defRPr sz="1000" kern="1200"/>
+  </cs:chartArea>
+  <cs:dataLabel>
+    <cs:lnRef idx="0"/>
+    <cs:fillRef idx="0"/>
+    <cs:effectRef idx="0"/>
+    <cs:fontRef idx="minor">
+      <a:schemeClr val="tx1">
+        <a:lumMod val="75000"/>
+        <a:lumOff val="25000"/>
+      </a:schemeClr>
+    </cs:fontRef>
+    <cs:defRPr sz="900" kern="1200"/>
+  </cs:dataLabel>
+  <cs:dataLabelCallout>
+    <cs:lnRef idx="0"/>
+    <cs:fillRef idx="0"/>
+    <cs:effectRef idx="0"/>
+    <cs:fontRef idx="minor">
+      <a:schemeClr val="dk1">
+        <a:lumMod val="65000"/>
+        <a:lumOff val="35000"/>
+      </a:schemeClr>
+    </cs:fontRef>
+    <cs:spPr>
+      <a:solidFill>
+        <a:schemeClr val="lt1"/>
+      </a:solidFill>
+      <a:ln>
+        <a:solidFill>
+          <a:schemeClr val="dk1">
+            <a:lumMod val="25000"/>
+            <a:lumOff val="75000"/>
+          </a:schemeClr>
+        </a:solidFill>
+      </a:ln>
+    </cs:spPr>
+    <cs:defRPr sz="900" kern="1200"/>
+    <cs:bodyPr rot="0" spcFirstLastPara="1" vertOverflow="clip" horzOverflow="clip" vert="horz" wrap="square" lIns="36576" tIns="18288" rIns="36576" bIns="18288" anchor="ctr" anchorCtr="1">
+      <a:spAutoFit/>
+    </cs:bodyPr>
+  </cs:dataLabelCallout>
+  <cs:dataPoint>
+    <cs:lnRef idx="0"/>
+    <cs:fillRef idx="1">
+      <cs:styleClr val="auto"/>
+    </cs:fillRef>
+    <cs:effectRef idx="0"/>
+    <cs:fontRef idx="minor">
+      <a:schemeClr val="tx1"/>
+    </cs:fontRef>
+  </cs:dataPoint>
+  <cs:dataPoint3D>
+    <cs:lnRef idx="0"/>
+    <cs:fillRef idx="1">
+      <cs:styleClr val="auto"/>
+    </cs:fillRef>
+    <cs:effectRef idx="0"/>
+    <cs:fontRef idx="minor">
+      <a:schemeClr val="tx1"/>
+    </cs:fontRef>
+  </cs:dataPoint3D>
+  <cs:dataPointLine>
+    <cs:lnRef idx="0">
+      <cs:styleClr val="auto"/>
+    </cs:lnRef>
+    <cs:fillRef idx="1"/>
+    <cs:effectRef idx="0"/>
+    <cs:fontRef idx="minor">
+      <a:schemeClr val="tx1"/>
+    </cs:fontRef>
+    <cs:spPr>
+      <a:ln w="28575" cap="rnd">
+        <a:solidFill>
+          <a:schemeClr val="phClr"/>
+        </a:solidFill>
+        <a:round/>
+      </a:ln>
+    </cs:spPr>
+  </cs:dataPointLine>
+  <cs:dataPointMarker>
+    <cs:lnRef idx="0">
+      <cs:styleClr val="auto"/>
+    </cs:lnRef>
+    <cs:fillRef idx="1">
+      <cs:styleClr val="auto"/>
+    </cs:fillRef>
+    <cs:effectRef idx="0"/>
+    <cs:fontRef idx="minor">
+      <a:schemeClr val="tx1"/>
+    </cs:fontRef>
+    <cs:spPr>
+      <a:ln w="9525">
+        <a:solidFill>
+          <a:schemeClr val="phClr"/>
+        </a:solidFill>
+      </a:ln>
+    </cs:spPr>
+  </cs:dataPointMarker>
+  <cs:dataPointMarkerLayout symbol="circle" size="5"/>
+  <cs:dataPointWireframe>
+    <cs:lnRef idx="0">
+      <cs:styleClr val="auto"/>
+    </cs:lnRef>
+    <cs:fillRef idx="1"/>
+    <cs:effectRef idx="0"/>
+    <cs:fontRef idx="minor">
+      <a:schemeClr val="tx1"/>
+    </cs:fontRef>
+    <cs:spPr>
+      <a:ln w="9525" cap="rnd">
+        <a:solidFill>
+          <a:schemeClr val="phClr"/>
+        </a:solidFill>
+        <a:round/>
+      </a:ln>
+    </cs:spPr>
+  </cs:dataPointWireframe>
+  <cs:dataTable>
+    <cs:lnRef idx="0"/>
+    <cs:fillRef idx="0"/>
+    <cs:effectRef idx="0"/>
+    <cs:fontRef idx="minor">
+      <a:schemeClr val="tx1">
+        <a:lumMod val="65000"/>
+        <a:lumOff val="35000"/>
+      </a:schemeClr>
+    </cs:fontRef>
+    <cs:spPr>
+      <a:noFill/>
+      <a:ln w="9525" cap="flat" cmpd="sng" algn="ctr">
+        <a:solidFill>
+          <a:schemeClr val="tx1">
+            <a:lumMod val="15000"/>
+            <a:lumOff val="85000"/>
+          </a:schemeClr>
+        </a:solidFill>
+        <a:round/>
+      </a:ln>
+    </cs:spPr>
+    <cs:defRPr sz="900" kern="1200"/>
+  </cs:dataTable>
+  <cs:downBar>
+    <cs:lnRef idx="0"/>
+    <cs:fillRef idx="0"/>
+    <cs:effectRef idx="0"/>
+    <cs:fontRef idx="minor">
+      <a:schemeClr val="tx1"/>
+    </cs:fontRef>
+    <cs:spPr>
+      <a:solidFill>
+        <a:schemeClr val="dk1">
+          <a:lumMod val="75000"/>
+          <a:lumOff val="25000"/>
+        </a:schemeClr>
+      </a:solidFill>
+      <a:ln w="9525" cap="flat" cmpd="sng" algn="ctr">
+        <a:solidFill>
+          <a:schemeClr val="tx1">
+            <a:lumMod val="65000"/>
+            <a:lumOff val="35000"/>
+          </a:schemeClr>
+        </a:solidFill>
+        <a:round/>
+      </a:ln>
+    </cs:spPr>
+  </cs:downBar>
+  <cs:dropLine>
+    <cs:lnRef idx="0"/>
+    <cs:fillRef idx="0"/>
+    <cs:effectRef idx="0"/>
+    <cs:fontRef idx="minor">
+      <a:schemeClr val="tx1"/>
+    </cs:fontRef>
+    <cs:spPr>
+      <a:ln w="9525" cap="flat" cmpd="sng" algn="ctr">
+        <a:solidFill>
+          <a:schemeClr val="tx1">
+            <a:lumMod val="35000"/>
+            <a:lumOff val="65000"/>
+          </a:schemeClr>
+        </a:solidFill>
+        <a:round/>
+      </a:ln>
+    </cs:spPr>
+  </cs:dropLine>
+  <cs:errorBar>
+    <cs:lnRef idx="0"/>
+    <cs:fillRef idx="0"/>
+    <cs:effectRef idx="0"/>
+    <cs:fontRef idx="minor">
+      <a:schemeClr val="tx1"/>
+    </cs:fontRef>
+    <cs:spPr>
+      <a:ln w="9525" cap="flat" cmpd="sng" algn="ctr">
+        <a:solidFill>
+          <a:schemeClr val="tx1">
+            <a:lumMod val="65000"/>
+            <a:lumOff val="35000"/>
+          </a:schemeClr>
+        </a:solidFill>
+        <a:round/>
+      </a:ln>
+    </cs:spPr>
+  </cs:errorBar>
+  <cs:floor>
+    <cs:lnRef idx="0"/>
+    <cs:fillRef idx="0"/>
+    <cs:effectRef idx="0"/>
+    <cs:fontRef idx="minor">
+      <a:schemeClr val="tx1"/>
+    </cs:fontRef>
+    <cs:spPr>
+      <a:noFill/>
+      <a:ln>
+        <a:noFill/>
+      </a:ln>
+    </cs:spPr>
+  </cs:floor>
+  <cs:gridlineMajor>
+    <cs:lnRef idx="0"/>
+    <cs:fillRef idx="0"/>
+    <cs:effectRef idx="0"/>
+    <cs:fontRef idx="minor">
+      <a:schemeClr val="tx1"/>
+    </cs:fontRef>
+    <cs:spPr>
+      <a:ln w="9525" cap="flat" cmpd="sng" algn="ctr">
+        <a:solidFill>
+          <a:schemeClr val="tx1">
+            <a:lumMod val="15000"/>
+            <a:lumOff val="85000"/>
+          </a:schemeClr>
+        </a:solidFill>
+        <a:round/>
+      </a:ln>
+    </cs:spPr>
+  </cs:gridlineMajor>
+  <cs:gridlineMinor>
+    <cs:lnRef idx="0"/>
+    <cs:fillRef idx="0"/>
+    <cs:effectRef idx="0"/>
+    <cs:fontRef idx="minor">
+      <a:schemeClr val="tx1"/>
+    </cs:fontRef>
+    <cs:spPr>
+      <a:ln w="9525" cap="flat" cmpd="sng" algn="ctr">
+        <a:solidFill>
+          <a:schemeClr val="tx1">
+            <a:lumMod val="5000"/>
+            <a:lumOff val="95000"/>
+          </a:schemeClr>
+        </a:solidFill>
+        <a:round/>
+      </a:ln>
+    </cs:spPr>
+  </cs:gridlineMinor>
+  <cs:hiLoLine>
+    <cs:lnRef idx="0"/>
+    <cs:fillRef idx="0"/>
+    <cs:effectRef idx="0"/>
+    <cs:fontRef idx="minor">
+      <a:schemeClr val="tx1"/>
+    </cs:fontRef>
+    <cs:spPr>
+      <a:ln w="9525" cap="flat" cmpd="sng" algn="ctr">
+        <a:solidFill>
+          <a:schemeClr val="tx1">
+            <a:lumMod val="50000"/>
+            <a:lumOff val="50000"/>
+          </a:schemeClr>
+        </a:solidFill>
+        <a:round/>
+      </a:ln>
+    </cs:spPr>
+  </cs:hiLoLine>
+  <cs:leaderLine>
+    <cs:lnRef idx="0"/>
+    <cs:fillRef idx="0"/>
+    <cs:effectRef idx="0"/>
+    <cs:fontRef idx="minor">
+      <a:schemeClr val="tx1"/>
+    </cs:fontRef>
+    <cs:spPr>
+      <a:ln w="9525" cap="flat" cmpd="sng" algn="ctr">
+        <a:solidFill>
+          <a:schemeClr val="tx1">
+            <a:lumMod val="35000"/>
+            <a:lumOff val="65000"/>
+          </a:schemeClr>
+        </a:solidFill>
+        <a:round/>
+      </a:ln>
+    </cs:spPr>
+  </cs:leaderLine>
+  <cs:legend>
+    <cs:lnRef idx="0"/>
+    <cs:fillRef idx="0"/>
+    <cs:effectRef idx="0"/>
+    <cs:fontRef idx="minor">
+      <a:schemeClr val="tx1">
+        <a:lumMod val="65000"/>
+        <a:lumOff val="35000"/>
+      </a:schemeClr>
+    </cs:fontRef>
+    <cs:defRPr sz="900" kern="1200"/>
+  </cs:legend>
+  <cs:plotArea mods="allowNoFillOverride allowNoLineOverride">
+    <cs:lnRef idx="0"/>
+    <cs:fillRef idx="0"/>
+    <cs:effectRef idx="0"/>
+    <cs:fontRef idx="minor">
+      <a:schemeClr val="tx1"/>
+    </cs:fontRef>
+  </cs:plotArea>
+  <cs:plotArea3D mods="allowNoFillOverride allowNoLineOverride">
+    <cs:lnRef idx="0"/>
+    <cs:fillRef idx="0"/>
+    <cs:effectRef idx="0"/>
+    <cs:fontRef idx="minor">
+      <a:schemeClr val="tx1"/>
+    </cs:fontRef>
+  </cs:plotArea3D>
+  <cs:seriesAxis>
+    <cs:lnRef idx="0"/>
+    <cs:fillRef idx="0"/>
+    <cs:effectRef idx="0"/>
+    <cs:fontRef idx="minor">
+      <a:schemeClr val="tx1">
+        <a:lumMod val="65000"/>
+        <a:lumOff val="35000"/>
+      </a:schemeClr>
+    </cs:fontRef>
+    <cs:defRPr sz="900" kern="1200"/>
+  </cs:seriesAxis>
+  <cs:seriesLine>
+    <cs:lnRef idx="0"/>
+    <cs:fillRef idx="0"/>
+    <cs:effectRef idx="0"/>
+    <cs:fontRef idx="minor">
+      <a:schemeClr val="tx1"/>
+    </cs:fontRef>
+    <cs:spPr>
+      <a:ln w="9525" cap="flat" cmpd="sng" algn="ctr">
+        <a:solidFill>
+          <a:schemeClr val="tx1">
+            <a:lumMod val="35000"/>
+            <a:lumOff val="65000"/>
+          </a:schemeClr>
+        </a:solidFill>
+        <a:round/>
+      </a:ln>
+    </cs:spPr>
+  </cs:seriesLine>
+  <cs:title>
+    <cs:lnRef idx="0"/>
+    <cs:fillRef idx="0"/>
+    <cs:effectRef idx="0"/>
+    <cs:fontRef idx="minor">
+      <a:schemeClr val="tx1">
+        <a:lumMod val="65000"/>
+        <a:lumOff val="35000"/>
+      </a:schemeClr>
+    </cs:fontRef>
+    <cs:defRPr sz="1400" b="0" kern="1200" spc="0" baseline="0"/>
+  </cs:title>
+  <cs:trendline>
+    <cs:lnRef idx="0">
+      <cs:styleClr val="auto"/>
+    </cs:lnRef>
+    <cs:fillRef idx="0"/>
+    <cs:effectRef idx="0"/>
+    <cs:fontRef idx="minor">
+      <a:schemeClr val="tx1"/>
+    </cs:fontRef>
+    <cs:spPr>
+      <a:ln w="19050" cap="rnd">
+        <a:solidFill>
+          <a:schemeClr val="phClr"/>
+        </a:solidFill>
+        <a:prstDash val="sysDot"/>
+      </a:ln>
+    </cs:spPr>
+  </cs:trendline>
+  <cs:trendlineLabel>
+    <cs:lnRef idx="0"/>
+    <cs:fillRef idx="0"/>
+    <cs:effectRef idx="0"/>
+    <cs:fontRef idx="minor">
+      <a:schemeClr val="tx1">
+        <a:lumMod val="65000"/>
+        <a:lumOff val="35000"/>
+      </a:schemeClr>
+    </cs:fontRef>
+    <cs:defRPr sz="900" kern="1200"/>
+  </cs:trendlineLabel>
+  <cs:upBar>
+    <cs:lnRef idx="0"/>
+    <cs:fillRef idx="0"/>
+    <cs:effectRef idx="0"/>
+    <cs:fontRef idx="minor">
+      <a:schemeClr val="tx1"/>
+    </cs:fontRef>
+    <cs:spPr>
+      <a:solidFill>
+        <a:schemeClr val="lt1"/>
+      </a:solidFill>
+      <a:ln w="9525" cap="flat" cmpd="sng" algn="ctr">
+        <a:solidFill>
+          <a:schemeClr val="tx1">
+            <a:lumMod val="65000"/>
+            <a:lumOff val="35000"/>
+          </a:schemeClr>
+        </a:solidFill>
+        <a:round/>
+      </a:ln>
+    </cs:spPr>
+  </cs:upBar>
+  <cs:valueAxis>
+    <cs:lnRef idx="0"/>
+    <cs:fillRef idx="0"/>
+    <cs:effectRef idx="0"/>
+    <cs:fontRef idx="minor">
+      <a:schemeClr val="tx1">
+        <a:lumMod val="65000"/>
+        <a:lumOff val="35000"/>
+      </a:schemeClr>
+    </cs:fontRef>
+    <cs:defRPr sz="900" kern="1200"/>
+  </cs:valueAxis>
+  <cs:wall>
+    <cs:lnRef idx="0"/>
+    <cs:fillRef idx="0"/>
+    <cs:effectRef idx="0"/>
+    <cs:fontRef idx="minor">
+      <a:schemeClr val="tx1"/>
+    </cs:fontRef>
+    <cs:spPr>
+      <a:noFill/>
+      <a:ln>
+        <a:noFill/>
+      </a:ln>
+    </cs:spPr>
+  </cs:wall>
+</cs:chartStyle>
+</file>
+
+<file path=ppt/charts/style4.xml><?xml version="1.0" encoding="utf-8"?>
+<cs:chartStyle xmlns:cs="http://schemas.microsoft.com/office/drawing/2012/chartStyle" xmlns:a="http://schemas.openxmlformats.org/drawingml/2006/main" id="216">
+  <cs:axisTitle>
+    <cs:lnRef idx="0"/>
+    <cs:fillRef idx="0"/>
+    <cs:effectRef idx="0"/>
+    <cs:fontRef idx="minor">
+      <a:schemeClr val="tx1">
+        <a:lumMod val="65000"/>
+        <a:lumOff val="35000"/>
+      </a:schemeClr>
+    </cs:fontRef>
+    <cs:defRPr sz="1000" kern="1200"/>
+  </cs:axisTitle>
+  <cs:categoryAxis>
+    <cs:lnRef idx="0"/>
+    <cs:fillRef idx="0"/>
+    <cs:effectRef idx="0"/>
+    <cs:fontRef idx="minor">
+      <a:schemeClr val="tx1">
+        <a:lumMod val="65000"/>
+        <a:lumOff val="35000"/>
+      </a:schemeClr>
+    </cs:fontRef>
+    <cs:spPr>
+      <a:ln w="9525" cap="flat" cmpd="sng" algn="ctr">
+        <a:solidFill>
+          <a:schemeClr val="tx1">
+            <a:lumMod val="15000"/>
+            <a:lumOff val="85000"/>
+          </a:schemeClr>
+        </a:solidFill>
+        <a:round/>
+      </a:ln>
+    </cs:spPr>
+    <cs:defRPr sz="900" kern="1200"/>
+  </cs:categoryAxis>
+  <cs:chartArea mods="allowNoFillOverride allowNoLineOverride">
+    <cs:lnRef idx="0"/>
+    <cs:fillRef idx="0"/>
+    <cs:effectRef idx="0"/>
+    <cs:fontRef idx="minor">
+      <a:schemeClr val="tx1"/>
+    </cs:fontRef>
+    <cs:spPr>
+      <a:solidFill>
+        <a:schemeClr val="bg1"/>
+      </a:solidFill>
+      <a:ln w="9525" cap="flat" cmpd="sng" algn="ctr">
+        <a:solidFill>
+          <a:schemeClr val="tx1">
+            <a:lumMod val="15000"/>
+            <a:lumOff val="85000"/>
+          </a:schemeClr>
+        </a:solidFill>
+        <a:round/>
+      </a:ln>
+    </cs:spPr>
+    <cs:defRPr sz="1000" kern="1200"/>
+  </cs:chartArea>
+  <cs:dataLabel>
+    <cs:lnRef idx="0"/>
+    <cs:fillRef idx="0"/>
+    <cs:effectRef idx="0"/>
+    <cs:fontRef idx="minor">
+      <a:schemeClr val="tx1">
+        <a:lumMod val="75000"/>
+        <a:lumOff val="25000"/>
+      </a:schemeClr>
+    </cs:fontRef>
+    <cs:defRPr sz="900" kern="1200"/>
+  </cs:dataLabel>
+  <cs:dataLabelCallout>
+    <cs:lnRef idx="0"/>
+    <cs:fillRef idx="0"/>
+    <cs:effectRef idx="0"/>
+    <cs:fontRef idx="minor">
+      <a:schemeClr val="dk1">
+        <a:lumMod val="65000"/>
+        <a:lumOff val="35000"/>
+      </a:schemeClr>
+    </cs:fontRef>
+    <cs:spPr>
+      <a:solidFill>
+        <a:schemeClr val="lt1"/>
+      </a:solidFill>
+      <a:ln>
+        <a:solidFill>
+          <a:schemeClr val="dk1">
+            <a:lumMod val="25000"/>
+            <a:lumOff val="75000"/>
+          </a:schemeClr>
+        </a:solidFill>
+      </a:ln>
+    </cs:spPr>
+    <cs:defRPr sz="900" kern="1200"/>
+    <cs:bodyPr rot="0" spcFirstLastPara="1" vertOverflow="clip" horzOverflow="clip" vert="horz" wrap="square" lIns="36576" tIns="18288" rIns="36576" bIns="18288" anchor="ctr" anchorCtr="1">
+      <a:spAutoFit/>
+    </cs:bodyPr>
+  </cs:dataLabelCallout>
+  <cs:dataPoint>
+    <cs:lnRef idx="0"/>
+    <cs:fillRef idx="1">
+      <cs:styleClr val="auto"/>
+    </cs:fillRef>
+    <cs:effectRef idx="0"/>
+    <cs:fontRef idx="minor">
+      <a:schemeClr val="tx1"/>
+    </cs:fontRef>
+  </cs:dataPoint>
+  <cs:dataPoint3D>
+    <cs:lnRef idx="0"/>
+    <cs:fillRef idx="1">
+      <cs:styleClr val="auto"/>
+    </cs:fillRef>
+    <cs:effectRef idx="0"/>
+    <cs:fontRef idx="minor">
+      <a:schemeClr val="tx1"/>
+    </cs:fontRef>
+  </cs:dataPoint3D>
+  <cs:dataPointLine>
+    <cs:lnRef idx="0">
+      <cs:styleClr val="auto"/>
+    </cs:lnRef>
+    <cs:fillRef idx="1"/>
+    <cs:effectRef idx="0"/>
+    <cs:fontRef idx="minor">
+      <a:schemeClr val="tx1"/>
+    </cs:fontRef>
+    <cs:spPr>
+      <a:ln w="28575" cap="rnd">
+        <a:solidFill>
+          <a:schemeClr val="phClr"/>
+        </a:solidFill>
+        <a:round/>
+      </a:ln>
+    </cs:spPr>
+  </cs:dataPointLine>
+  <cs:dataPointMarker>
+    <cs:lnRef idx="0">
+      <cs:styleClr val="auto"/>
+    </cs:lnRef>
+    <cs:fillRef idx="1">
+      <cs:styleClr val="auto"/>
+    </cs:fillRef>
+    <cs:effectRef idx="0"/>
+    <cs:fontRef idx="minor">
+      <a:schemeClr val="tx1"/>
+    </cs:fontRef>
+    <cs:spPr>
+      <a:ln w="9525">
+        <a:solidFill>
+          <a:schemeClr val="phClr"/>
+        </a:solidFill>
+      </a:ln>
+    </cs:spPr>
+  </cs:dataPointMarker>
+  <cs:dataPointMarkerLayout symbol="circle" size="5"/>
+  <cs:dataPointWireframe>
+    <cs:lnRef idx="0">
+      <cs:styleClr val="auto"/>
+    </cs:lnRef>
+    <cs:fillRef idx="1"/>
+    <cs:effectRef idx="0"/>
+    <cs:fontRef idx="minor">
+      <a:schemeClr val="tx1"/>
+    </cs:fontRef>
+    <cs:spPr>
+      <a:ln w="9525" cap="rnd">
+        <a:solidFill>
+          <a:schemeClr val="phClr"/>
+        </a:solidFill>
+        <a:round/>
+      </a:ln>
+    </cs:spPr>
+  </cs:dataPointWireframe>
+  <cs:dataTable>
+    <cs:lnRef idx="0"/>
+    <cs:fillRef idx="0"/>
+    <cs:effectRef idx="0"/>
+    <cs:fontRef idx="minor">
+      <a:schemeClr val="tx1">
+        <a:lumMod val="65000"/>
+        <a:lumOff val="35000"/>
+      </a:schemeClr>
+    </cs:fontRef>
+    <cs:spPr>
+      <a:noFill/>
+      <a:ln w="9525" cap="flat" cmpd="sng" algn="ctr">
+        <a:solidFill>
+          <a:schemeClr val="tx1">
+            <a:lumMod val="15000"/>
+            <a:lumOff val="85000"/>
+          </a:schemeClr>
+        </a:solidFill>
+        <a:round/>
+      </a:ln>
+    </cs:spPr>
+    <cs:defRPr sz="900" kern="1200"/>
+  </cs:dataTable>
+  <cs:downBar>
+    <cs:lnRef idx="0"/>
+    <cs:fillRef idx="0"/>
+    <cs:effectRef idx="0"/>
+    <cs:fontRef idx="minor">
+      <a:schemeClr val="tx1"/>
+    </cs:fontRef>
+    <cs:spPr>
+      <a:solidFill>
+        <a:schemeClr val="dk1">
+          <a:lumMod val="75000"/>
+          <a:lumOff val="25000"/>
+        </a:schemeClr>
+      </a:solidFill>
+      <a:ln w="9525" cap="flat" cmpd="sng" algn="ctr">
+        <a:solidFill>
+          <a:schemeClr val="tx1">
+            <a:lumMod val="65000"/>
+            <a:lumOff val="35000"/>
+          </a:schemeClr>
+        </a:solidFill>
+        <a:round/>
+      </a:ln>
+    </cs:spPr>
+  </cs:downBar>
+  <cs:dropLine>
+    <cs:lnRef idx="0"/>
+    <cs:fillRef idx="0"/>
+    <cs:effectRef idx="0"/>
+    <cs:fontRef idx="minor">
+      <a:schemeClr val="tx1"/>
+    </cs:fontRef>
+    <cs:spPr>
+      <a:ln w="9525" cap="flat" cmpd="sng" algn="ctr">
+        <a:solidFill>
+          <a:schemeClr val="tx1">
+            <a:lumMod val="35000"/>
+            <a:lumOff val="65000"/>
+          </a:schemeClr>
+        </a:solidFill>
+        <a:round/>
+      </a:ln>
+    </cs:spPr>
+  </cs:dropLine>
+  <cs:errorBar>
+    <cs:lnRef idx="0"/>
+    <cs:fillRef idx="0"/>
+    <cs:effectRef idx="0"/>
+    <cs:fontRef idx="minor">
+      <a:schemeClr val="tx1"/>
+    </cs:fontRef>
+    <cs:spPr>
+      <a:ln w="9525" cap="flat" cmpd="sng" algn="ctr">
+        <a:solidFill>
+          <a:schemeClr val="tx1">
+            <a:lumMod val="65000"/>
+            <a:lumOff val="35000"/>
+          </a:schemeClr>
+        </a:solidFill>
+        <a:round/>
+      </a:ln>
+    </cs:spPr>
+  </cs:errorBar>
+  <cs:floor>
+    <cs:lnRef idx="0"/>
+    <cs:fillRef idx="0"/>
+    <cs:effectRef idx="0"/>
+    <cs:fontRef idx="minor">
+      <a:schemeClr val="tx1"/>
+    </cs:fontRef>
+    <cs:spPr>
+      <a:noFill/>
+      <a:ln>
+        <a:noFill/>
+      </a:ln>
+    </cs:spPr>
+  </cs:floor>
+  <cs:gridlineMajor>
+    <cs:lnRef idx="0"/>
+    <cs:fillRef idx="0"/>
+    <cs:effectRef idx="0"/>
+    <cs:fontRef idx="minor">
+      <a:schemeClr val="tx1"/>
+    </cs:fontRef>
+    <cs:spPr>
+      <a:ln w="9525" cap="flat" cmpd="sng" algn="ctr">
+        <a:solidFill>
+          <a:schemeClr val="tx1">
+            <a:lumMod val="15000"/>
+            <a:lumOff val="85000"/>
+          </a:schemeClr>
+        </a:solidFill>
+        <a:round/>
+      </a:ln>
+    </cs:spPr>
+  </cs:gridlineMajor>
+  <cs:gridlineMinor>
+    <cs:lnRef idx="0"/>
+    <cs:fillRef idx="0"/>
+    <cs:effectRef idx="0"/>
+    <cs:fontRef idx="minor">
+      <a:schemeClr val="tx1"/>
+    </cs:fontRef>
+    <cs:spPr>
+      <a:ln w="9525" cap="flat" cmpd="sng" algn="ctr">
+        <a:solidFill>
+          <a:schemeClr val="tx1">
+            <a:lumMod val="5000"/>
+            <a:lumOff val="95000"/>
+          </a:schemeClr>
+        </a:solidFill>
+        <a:round/>
+      </a:ln>
+    </cs:spPr>
+  </cs:gridlineMinor>
+  <cs:hiLoLine>
+    <cs:lnRef idx="0"/>
+    <cs:fillRef idx="0"/>
+    <cs:effectRef idx="0"/>
+    <cs:fontRef idx="minor">
+      <a:schemeClr val="tx1"/>
+    </cs:fontRef>
+    <cs:spPr>
+      <a:ln w="9525" cap="flat" cmpd="sng" algn="ctr">
+        <a:solidFill>
+          <a:schemeClr val="tx1">
+            <a:lumMod val="50000"/>
+            <a:lumOff val="50000"/>
+          </a:schemeClr>
+        </a:solidFill>
+        <a:round/>
+      </a:ln>
+    </cs:spPr>
+  </cs:hiLoLine>
+  <cs:leaderLine>
+    <cs:lnRef idx="0"/>
+    <cs:fillRef idx="0"/>
+    <cs:effectRef idx="0"/>
+    <cs:fontRef idx="minor">
+      <a:schemeClr val="tx1"/>
+    </cs:fontRef>
+    <cs:spPr>
+      <a:ln w="9525" cap="flat" cmpd="sng" algn="ctr">
+        <a:solidFill>
+          <a:schemeClr val="tx1">
+            <a:lumMod val="35000"/>
+            <a:lumOff val="65000"/>
+          </a:schemeClr>
+        </a:solidFill>
+        <a:round/>
+      </a:ln>
+    </cs:spPr>
+  </cs:leaderLine>
+  <cs:legend>
+    <cs:lnRef idx="0"/>
+    <cs:fillRef idx="0"/>
+    <cs:effectRef idx="0"/>
+    <cs:fontRef idx="minor">
+      <a:schemeClr val="tx1">
+        <a:lumMod val="65000"/>
+        <a:lumOff val="35000"/>
+      </a:schemeClr>
+    </cs:fontRef>
+    <cs:defRPr sz="900" kern="1200"/>
+  </cs:legend>
+  <cs:plotArea mods="allowNoFillOverride allowNoLineOverride">
+    <cs:lnRef idx="0"/>
+    <cs:fillRef idx="0"/>
+    <cs:effectRef idx="0"/>
+    <cs:fontRef idx="minor">
+      <a:schemeClr val="tx1"/>
+    </cs:fontRef>
+  </cs:plotArea>
+  <cs:plotArea3D mods="allowNoFillOverride allowNoLineOverride">
+    <cs:lnRef idx="0"/>
+    <cs:fillRef idx="0"/>
+    <cs:effectRef idx="0"/>
+    <cs:fontRef idx="minor">
+      <a:schemeClr val="tx1"/>
+    </cs:fontRef>
+  </cs:plotArea3D>
+  <cs:seriesAxis>
+    <cs:lnRef idx="0"/>
+    <cs:fillRef idx="0"/>
+    <cs:effectRef idx="0"/>
+    <cs:fontRef idx="minor">
+      <a:schemeClr val="tx1">
+        <a:lumMod val="65000"/>
+        <a:lumOff val="35000"/>
+      </a:schemeClr>
+    </cs:fontRef>
+    <cs:defRPr sz="900" kern="1200"/>
+  </cs:seriesAxis>
+  <cs:seriesLine>
+    <cs:lnRef idx="0"/>
+    <cs:fillRef idx="0"/>
+    <cs:effectRef idx="0"/>
+    <cs:fontRef idx="minor">
+      <a:schemeClr val="tx1"/>
+    </cs:fontRef>
+    <cs:spPr>
+      <a:ln w="9525" cap="flat" cmpd="sng" algn="ctr">
+        <a:solidFill>
+          <a:schemeClr val="tx1">
+            <a:lumMod val="35000"/>
+            <a:lumOff val="65000"/>
+          </a:schemeClr>
+        </a:solidFill>
+        <a:round/>
+      </a:ln>
+    </cs:spPr>
+  </cs:seriesLine>
+  <cs:title>
+    <cs:lnRef idx="0"/>
+    <cs:fillRef idx="0"/>
+    <cs:effectRef idx="0"/>
+    <cs:fontRef idx="minor">
+      <a:schemeClr val="tx1">
+        <a:lumMod val="65000"/>
+        <a:lumOff val="35000"/>
+      </a:schemeClr>
+    </cs:fontRef>
+    <cs:defRPr sz="1400" b="0" kern="1200" spc="0" baseline="0"/>
+  </cs:title>
+  <cs:trendline>
+    <cs:lnRef idx="0">
+      <cs:styleClr val="auto"/>
+    </cs:lnRef>
+    <cs:fillRef idx="0"/>
+    <cs:effectRef idx="0"/>
+    <cs:fontRef idx="minor">
+      <a:schemeClr val="tx1"/>
+    </cs:fontRef>
+    <cs:spPr>
+      <a:ln w="19050" cap="rnd">
+        <a:solidFill>
+          <a:schemeClr val="phClr"/>
+        </a:solidFill>
+        <a:prstDash val="sysDot"/>
+      </a:ln>
+    </cs:spPr>
+  </cs:trendline>
+  <cs:trendlineLabel>
+    <cs:lnRef idx="0"/>
+    <cs:fillRef idx="0"/>
+    <cs:effectRef idx="0"/>
+    <cs:fontRef idx="minor">
+      <a:schemeClr val="tx1">
+        <a:lumMod val="65000"/>
+        <a:lumOff val="35000"/>
+      </a:schemeClr>
+    </cs:fontRef>
+    <cs:defRPr sz="900" kern="1200"/>
+  </cs:trendlineLabel>
+  <cs:upBar>
+    <cs:lnRef idx="0"/>
+    <cs:fillRef idx="0"/>
+    <cs:effectRef idx="0"/>
+    <cs:fontRef idx="minor">
+      <a:schemeClr val="tx1"/>
+    </cs:fontRef>
+    <cs:spPr>
+      <a:solidFill>
+        <a:schemeClr val="lt1"/>
+      </a:solidFill>
+      <a:ln w="9525" cap="flat" cmpd="sng" algn="ctr">
+        <a:solidFill>
+          <a:schemeClr val="tx1">
+            <a:lumMod val="65000"/>
+            <a:lumOff val="35000"/>
+          </a:schemeClr>
+        </a:solidFill>
+        <a:round/>
+      </a:ln>
+    </cs:spPr>
+  </cs:upBar>
+  <cs:valueAxis>
+    <cs:lnRef idx="0"/>
+    <cs:fillRef idx="0"/>
+    <cs:effectRef idx="0"/>
+    <cs:fontRef idx="minor">
+      <a:schemeClr val="tx1">
+        <a:lumMod val="65000"/>
+        <a:lumOff val="35000"/>
+      </a:schemeClr>
+    </cs:fontRef>
+    <cs:defRPr sz="900" kern="1200"/>
+  </cs:valueAxis>
+  <cs:wall>
+    <cs:lnRef idx="0"/>
+    <cs:fillRef idx="0"/>
+    <cs:effectRef idx="0"/>
+    <cs:fontRef idx="minor">
+      <a:schemeClr val="tx1"/>
+    </cs:fontRef>
+    <cs:spPr>
+      <a:noFill/>
+      <a:ln>
+        <a:noFill/>
+      </a:ln>
+    </cs:spPr>
+  </cs:wall>
+</cs:chartStyle>
+</file>
+
+<file path=ppt/charts/style5.xml><?xml version="1.0" encoding="utf-8"?>
+<cs:chartStyle xmlns:cs="http://schemas.microsoft.com/office/drawing/2012/chartStyle" xmlns:a="http://schemas.openxmlformats.org/drawingml/2006/main" id="216">
+  <cs:axisTitle>
+    <cs:lnRef idx="0"/>
+    <cs:fillRef idx="0"/>
+    <cs:effectRef idx="0"/>
+    <cs:fontRef idx="minor">
+      <a:schemeClr val="tx1">
+        <a:lumMod val="65000"/>
+        <a:lumOff val="35000"/>
+      </a:schemeClr>
+    </cs:fontRef>
+    <cs:defRPr sz="1000" kern="1200"/>
+  </cs:axisTitle>
+  <cs:categoryAxis>
+    <cs:lnRef idx="0"/>
+    <cs:fillRef idx="0"/>
+    <cs:effectRef idx="0"/>
+    <cs:fontRef idx="minor">
+      <a:schemeClr val="tx1">
+        <a:lumMod val="65000"/>
+        <a:lumOff val="35000"/>
+      </a:schemeClr>
+    </cs:fontRef>
+    <cs:spPr>
+      <a:ln w="9525" cap="flat" cmpd="sng" algn="ctr">
+        <a:solidFill>
+          <a:schemeClr val="tx1">
+            <a:lumMod val="15000"/>
+            <a:lumOff val="85000"/>
+          </a:schemeClr>
+        </a:solidFill>
+        <a:round/>
+      </a:ln>
+    </cs:spPr>
+    <cs:defRPr sz="900" kern="1200"/>
+  </cs:categoryAxis>
+  <cs:chartArea mods="allowNoFillOverride allowNoLineOverride">
+    <cs:lnRef idx="0"/>
+    <cs:fillRef idx="0"/>
+    <cs:effectRef idx="0"/>
+    <cs:fontRef idx="minor">
+      <a:schemeClr val="tx1"/>
+    </cs:fontRef>
+    <cs:spPr>
+      <a:solidFill>
+        <a:schemeClr val="bg1"/>
+      </a:solidFill>
+      <a:ln w="9525" cap="flat" cmpd="sng" algn="ctr">
+        <a:solidFill>
+          <a:schemeClr val="tx1">
+            <a:lumMod val="15000"/>
+            <a:lumOff val="85000"/>
+          </a:schemeClr>
+        </a:solidFill>
+        <a:round/>
+      </a:ln>
+    </cs:spPr>
+    <cs:defRPr sz="1000" kern="1200"/>
+  </cs:chartArea>
+  <cs:dataLabel>
+    <cs:lnRef idx="0"/>
+    <cs:fillRef idx="0"/>
+    <cs:effectRef idx="0"/>
+    <cs:fontRef idx="minor">
+      <a:schemeClr val="tx1">
+        <a:lumMod val="75000"/>
+        <a:lumOff val="25000"/>
+      </a:schemeClr>
+    </cs:fontRef>
+    <cs:defRPr sz="900" kern="1200"/>
+  </cs:dataLabel>
+  <cs:dataLabelCallout>
+    <cs:lnRef idx="0"/>
+    <cs:fillRef idx="0"/>
+    <cs:effectRef idx="0"/>
+    <cs:fontRef idx="minor">
+      <a:schemeClr val="dk1">
+        <a:lumMod val="65000"/>
+        <a:lumOff val="35000"/>
+      </a:schemeClr>
+    </cs:fontRef>
+    <cs:spPr>
+      <a:solidFill>
+        <a:schemeClr val="lt1"/>
+      </a:solidFill>
+      <a:ln>
+        <a:solidFill>
+          <a:schemeClr val="dk1">
+            <a:lumMod val="25000"/>
+            <a:lumOff val="75000"/>
+          </a:schemeClr>
+        </a:solidFill>
+      </a:ln>
+    </cs:spPr>
+    <cs:defRPr sz="900" kern="1200"/>
+    <cs:bodyPr rot="0" spcFirstLastPara="1" vertOverflow="clip" horzOverflow="clip" vert="horz" wrap="square" lIns="36576" tIns="18288" rIns="36576" bIns="18288" anchor="ctr" anchorCtr="1">
+      <a:spAutoFit/>
+    </cs:bodyPr>
+  </cs:dataLabelCallout>
+  <cs:dataPoint>
+    <cs:lnRef idx="0"/>
+    <cs:fillRef idx="1">
+      <cs:styleClr val="auto"/>
+    </cs:fillRef>
+    <cs:effectRef idx="0"/>
+    <cs:fontRef idx="minor">
+      <a:schemeClr val="tx1"/>
+    </cs:fontRef>
+  </cs:dataPoint>
+  <cs:dataPoint3D>
+    <cs:lnRef idx="0"/>
+    <cs:fillRef idx="1">
+      <cs:styleClr val="auto"/>
+    </cs:fillRef>
+    <cs:effectRef idx="0"/>
+    <cs:fontRef idx="minor">
+      <a:schemeClr val="tx1"/>
+    </cs:fontRef>
+  </cs:dataPoint3D>
+  <cs:dataPointLine>
+    <cs:lnRef idx="0">
+      <cs:styleClr val="auto"/>
+    </cs:lnRef>
+    <cs:fillRef idx="1"/>
+    <cs:effectRef idx="0"/>
+    <cs:fontRef idx="minor">
+      <a:schemeClr val="tx1"/>
+    </cs:fontRef>
+    <cs:spPr>
+      <a:ln w="28575" cap="rnd">
+        <a:solidFill>
+          <a:schemeClr val="phClr"/>
+        </a:solidFill>
+        <a:round/>
+      </a:ln>
+    </cs:spPr>
+  </cs:dataPointLine>
+  <cs:dataPointMarker>
+    <cs:lnRef idx="0">
+      <cs:styleClr val="auto"/>
+    </cs:lnRef>
+    <cs:fillRef idx="1">
+      <cs:styleClr val="auto"/>
+    </cs:fillRef>
+    <cs:effectRef idx="0"/>
+    <cs:fontRef idx="minor">
+      <a:schemeClr val="tx1"/>
+    </cs:fontRef>
+    <cs:spPr>
+      <a:ln w="9525">
+        <a:solidFill>
+          <a:schemeClr val="phClr"/>
+        </a:solidFill>
+      </a:ln>
+    </cs:spPr>
+  </cs:dataPointMarker>
+  <cs:dataPointMarkerLayout symbol="circle" size="5"/>
+  <cs:dataPointWireframe>
+    <cs:lnRef idx="0">
+      <cs:styleClr val="auto"/>
+    </cs:lnRef>
+    <cs:fillRef idx="1"/>
+    <cs:effectRef idx="0"/>
+    <cs:fontRef idx="minor">
+      <a:schemeClr val="tx1"/>
+    </cs:fontRef>
+    <cs:spPr>
+      <a:ln w="9525" cap="rnd">
+        <a:solidFill>
+          <a:schemeClr val="phClr"/>
+        </a:solidFill>
+        <a:round/>
+      </a:ln>
+    </cs:spPr>
+  </cs:dataPointWireframe>
+  <cs:dataTable>
+    <cs:lnRef idx="0"/>
+    <cs:fillRef idx="0"/>
+    <cs:effectRef idx="0"/>
+    <cs:fontRef idx="minor">
+      <a:schemeClr val="tx1">
+        <a:lumMod val="65000"/>
+        <a:lumOff val="35000"/>
+      </a:schemeClr>
+    </cs:fontRef>
+    <cs:spPr>
+      <a:noFill/>
+      <a:ln w="9525" cap="flat" cmpd="sng" algn="ctr">
+        <a:solidFill>
+          <a:schemeClr val="tx1">
+            <a:lumMod val="15000"/>
+            <a:lumOff val="85000"/>
+          </a:schemeClr>
+        </a:solidFill>
+        <a:round/>
+      </a:ln>
+    </cs:spPr>
+    <cs:defRPr sz="900" kern="1200"/>
+  </cs:dataTable>
+  <cs:downBar>
+    <cs:lnRef idx="0"/>
+    <cs:fillRef idx="0"/>
+    <cs:effectRef idx="0"/>
+    <cs:fontRef idx="minor">
+      <a:schemeClr val="tx1"/>
+    </cs:fontRef>
+    <cs:spPr>
+      <a:solidFill>
+        <a:schemeClr val="dk1">
+          <a:lumMod val="75000"/>
+          <a:lumOff val="25000"/>
+        </a:schemeClr>
+      </a:solidFill>
+      <a:ln w="9525" cap="flat" cmpd="sng" algn="ctr">
+        <a:solidFill>
+          <a:schemeClr val="tx1">
+            <a:lumMod val="65000"/>
+            <a:lumOff val="35000"/>
+          </a:schemeClr>
+        </a:solidFill>
+        <a:round/>
+      </a:ln>
+    </cs:spPr>
+  </cs:downBar>
+  <cs:dropLine>
+    <cs:lnRef idx="0"/>
+    <cs:fillRef idx="0"/>
+    <cs:effectRef idx="0"/>
+    <cs:fontRef idx="minor">
+      <a:schemeClr val="tx1"/>
+    </cs:fontRef>
+    <cs:spPr>
+      <a:ln w="9525" cap="flat" cmpd="sng" algn="ctr">
+        <a:solidFill>
+          <a:schemeClr val="tx1">
+            <a:lumMod val="35000"/>
+            <a:lumOff val="65000"/>
+          </a:schemeClr>
+        </a:solidFill>
+        <a:round/>
+      </a:ln>
+    </cs:spPr>
+  </cs:dropLine>
+  <cs:errorBar>
+    <cs:lnRef idx="0"/>
+    <cs:fillRef idx="0"/>
+    <cs:effectRef idx="0"/>
+    <cs:fontRef idx="minor">
+      <a:schemeClr val="tx1"/>
+    </cs:fontRef>
+    <cs:spPr>
+      <a:ln w="9525" cap="flat" cmpd="sng" algn="ctr">
+        <a:solidFill>
+          <a:schemeClr val="tx1">
+            <a:lumMod val="65000"/>
+            <a:lumOff val="35000"/>
+          </a:schemeClr>
+        </a:solidFill>
+        <a:round/>
+      </a:ln>
+    </cs:spPr>
+  </cs:errorBar>
+  <cs:floor>
+    <cs:lnRef idx="0"/>
+    <cs:fillRef idx="0"/>
+    <cs:effectRef idx="0"/>
+    <cs:fontRef idx="minor">
+      <a:schemeClr val="tx1"/>
+    </cs:fontRef>
+    <cs:spPr>
+      <a:noFill/>
+      <a:ln>
+        <a:noFill/>
+      </a:ln>
+    </cs:spPr>
+  </cs:floor>
+  <cs:gridlineMajor>
+    <cs:lnRef idx="0"/>
+    <cs:fillRef idx="0"/>
+    <cs:effectRef idx="0"/>
+    <cs:fontRef idx="minor">
+      <a:schemeClr val="tx1"/>
+    </cs:fontRef>
+    <cs:spPr>
+      <a:ln w="9525" cap="flat" cmpd="sng" algn="ctr">
+        <a:solidFill>
+          <a:schemeClr val="tx1">
+            <a:lumMod val="15000"/>
+            <a:lumOff val="85000"/>
+          </a:schemeClr>
+        </a:solidFill>
+        <a:round/>
+      </a:ln>
+    </cs:spPr>
+  </cs:gridlineMajor>
+  <cs:gridlineMinor>
+    <cs:lnRef idx="0"/>
+    <cs:fillRef idx="0"/>
+    <cs:effectRef idx="0"/>
+    <cs:fontRef idx="minor">
+      <a:schemeClr val="tx1"/>
+    </cs:fontRef>
+    <cs:spPr>
+      <a:ln w="9525" cap="flat" cmpd="sng" algn="ctr">
+        <a:solidFill>
+          <a:schemeClr val="tx1">
+            <a:lumMod val="5000"/>
+            <a:lumOff val="95000"/>
+          </a:schemeClr>
+        </a:solidFill>
+        <a:round/>
+      </a:ln>
+    </cs:spPr>
+  </cs:gridlineMinor>
+  <cs:hiLoLine>
+    <cs:lnRef idx="0"/>
+    <cs:fillRef idx="0"/>
+    <cs:effectRef idx="0"/>
+    <cs:fontRef idx="minor">
+      <a:schemeClr val="tx1"/>
+    </cs:fontRef>
+    <cs:spPr>
+      <a:ln w="9525" cap="flat" cmpd="sng" algn="ctr">
+        <a:solidFill>
+          <a:schemeClr val="tx1">
+            <a:lumMod val="50000"/>
+            <a:lumOff val="50000"/>
+          </a:schemeClr>
+        </a:solidFill>
+        <a:round/>
+      </a:ln>
+    </cs:spPr>
+  </cs:hiLoLine>
+  <cs:leaderLine>
+    <cs:lnRef idx="0"/>
+    <cs:fillRef idx="0"/>
+    <cs:effectRef idx="0"/>
+    <cs:fontRef idx="minor">
+      <a:schemeClr val="tx1"/>
+    </cs:fontRef>
+    <cs:spPr>
+      <a:ln w="9525" cap="flat" cmpd="sng" algn="ctr">
+        <a:solidFill>
+          <a:schemeClr val="tx1">
+            <a:lumMod val="35000"/>
+            <a:lumOff val="65000"/>
+          </a:schemeClr>
+        </a:solidFill>
+        <a:round/>
+      </a:ln>
+    </cs:spPr>
+  </cs:leaderLine>
+  <cs:legend>
+    <cs:lnRef idx="0"/>
+    <cs:fillRef idx="0"/>
+    <cs:effectRef idx="0"/>
+    <cs:fontRef idx="minor">
+      <a:schemeClr val="tx1">
+        <a:lumMod val="65000"/>
+        <a:lumOff val="35000"/>
+      </a:schemeClr>
+    </cs:fontRef>
+    <cs:defRPr sz="900" kern="1200"/>
+  </cs:legend>
+  <cs:plotArea mods="allowNoFillOverride allowNoLineOverride">
+    <cs:lnRef idx="0"/>
+    <cs:fillRef idx="0"/>
+    <cs:effectRef idx="0"/>
+    <cs:fontRef idx="minor">
+      <a:schemeClr val="tx1"/>
+    </cs:fontRef>
+  </cs:plotArea>
+  <cs:plotArea3D mods="allowNoFillOverride allowNoLineOverride">
+    <cs:lnRef idx="0"/>
+    <cs:fillRef idx="0"/>
+    <cs:effectRef idx="0"/>
+    <cs:fontRef idx="minor">
+      <a:schemeClr val="tx1"/>
+    </cs:fontRef>
+  </cs:plotArea3D>
+  <cs:seriesAxis>
+    <cs:lnRef idx="0"/>
+    <cs:fillRef idx="0"/>
+    <cs:effectRef idx="0"/>
+    <cs:fontRef idx="minor">
+      <a:schemeClr val="tx1">
+        <a:lumMod val="65000"/>
+        <a:lumOff val="35000"/>
+      </a:schemeClr>
+    </cs:fontRef>
+    <cs:defRPr sz="900" kern="1200"/>
+  </cs:seriesAxis>
+  <cs:seriesLine>
+    <cs:lnRef idx="0"/>
+    <cs:fillRef idx="0"/>
+    <cs:effectRef idx="0"/>
+    <cs:fontRef idx="minor">
+      <a:schemeClr val="tx1"/>
+    </cs:fontRef>
+    <cs:spPr>
+      <a:ln w="9525" cap="flat" cmpd="sng" algn="ctr">
+        <a:solidFill>
+          <a:schemeClr val="tx1">
+            <a:lumMod val="35000"/>
+            <a:lumOff val="65000"/>
+          </a:schemeClr>
+        </a:solidFill>
+        <a:round/>
+      </a:ln>
+    </cs:spPr>
+  </cs:seriesLine>
+  <cs:title>
+    <cs:lnRef idx="0"/>
+    <cs:fillRef idx="0"/>
+    <cs:effectRef idx="0"/>
+    <cs:fontRef idx="minor">
+      <a:schemeClr val="tx1">
+        <a:lumMod val="65000"/>
+        <a:lumOff val="35000"/>
+      </a:schemeClr>
+    </cs:fontRef>
+    <cs:defRPr sz="1400" b="0" kern="1200" spc="0" baseline="0"/>
+  </cs:title>
+  <cs:trendline>
+    <cs:lnRef idx="0">
+      <cs:styleClr val="auto"/>
+    </cs:lnRef>
+    <cs:fillRef idx="0"/>
+    <cs:effectRef idx="0"/>
+    <cs:fontRef idx="minor">
+      <a:schemeClr val="tx1"/>
+    </cs:fontRef>
+    <cs:spPr>
+      <a:ln w="19050" cap="rnd">
+        <a:solidFill>
+          <a:schemeClr val="phClr"/>
+        </a:solidFill>
+        <a:prstDash val="sysDot"/>
+      </a:ln>
+    </cs:spPr>
+  </cs:trendline>
+  <cs:trendlineLabel>
+    <cs:lnRef idx="0"/>
+    <cs:fillRef idx="0"/>
+    <cs:effectRef idx="0"/>
+    <cs:fontRef idx="minor">
+      <a:schemeClr val="tx1">
+        <a:lumMod val="65000"/>
+        <a:lumOff val="35000"/>
+      </a:schemeClr>
+    </cs:fontRef>
+    <cs:defRPr sz="900" kern="1200"/>
+  </cs:trendlineLabel>
+  <cs:upBar>
+    <cs:lnRef idx="0"/>
+    <cs:fillRef idx="0"/>
+    <cs:effectRef idx="0"/>
+    <cs:fontRef idx="minor">
+      <a:schemeClr val="tx1"/>
+    </cs:fontRef>
+    <cs:spPr>
+      <a:solidFill>
+        <a:schemeClr val="lt1"/>
+      </a:solidFill>
+      <a:ln w="9525" cap="flat" cmpd="sng" algn="ctr">
+        <a:solidFill>
+          <a:schemeClr val="tx1">
+            <a:lumMod val="65000"/>
+            <a:lumOff val="35000"/>
+          </a:schemeClr>
+        </a:solidFill>
+        <a:round/>
+      </a:ln>
+    </cs:spPr>
+  </cs:upBar>
+  <cs:valueAxis>
+    <cs:lnRef idx="0"/>
+    <cs:fillRef idx="0"/>
+    <cs:effectRef idx="0"/>
+    <cs:fontRef idx="minor">
+      <a:schemeClr val="tx1">
+        <a:lumMod val="65000"/>
+        <a:lumOff val="35000"/>
+      </a:schemeClr>
+    </cs:fontRef>
+    <cs:defRPr sz="900" kern="1200"/>
+  </cs:valueAxis>
+  <cs:wall>
+    <cs:lnRef idx="0"/>
+    <cs:fillRef idx="0"/>
+    <cs:effectRef idx="0"/>
+    <cs:fontRef idx="minor">
+      <a:schemeClr val="tx1"/>
+    </cs:fontRef>
+    <cs:spPr>
+      <a:noFill/>
+      <a:ln>
+        <a:noFill/>
+      </a:ln>
+    </cs:spPr>
+  </cs:wall>
+</cs:chartStyle>
+</file>
+
+<file path=ppt/charts/style6.xml><?xml version="1.0" encoding="utf-8"?>
+<cs:chartStyle xmlns:cs="http://schemas.microsoft.com/office/drawing/2012/chartStyle" xmlns:a="http://schemas.openxmlformats.org/drawingml/2006/main" id="216">
+  <cs:axisTitle>
+    <cs:lnRef idx="0"/>
+    <cs:fillRef idx="0"/>
+    <cs:effectRef idx="0"/>
+    <cs:fontRef idx="minor">
+      <a:schemeClr val="tx1">
+        <a:lumMod val="65000"/>
+        <a:lumOff val="35000"/>
+      </a:schemeClr>
+    </cs:fontRef>
+    <cs:defRPr sz="1000" kern="1200"/>
+  </cs:axisTitle>
+  <cs:categoryAxis>
+    <cs:lnRef idx="0"/>
+    <cs:fillRef idx="0"/>
+    <cs:effectRef idx="0"/>
+    <cs:fontRef idx="minor">
+      <a:schemeClr val="tx1">
+        <a:lumMod val="65000"/>
+        <a:lumOff val="35000"/>
+      </a:schemeClr>
+    </cs:fontRef>
+    <cs:spPr>
+      <a:ln w="9525" cap="flat" cmpd="sng" algn="ctr">
+        <a:solidFill>
+          <a:schemeClr val="tx1">
+            <a:lumMod val="15000"/>
+            <a:lumOff val="85000"/>
+          </a:schemeClr>
+        </a:solidFill>
+        <a:round/>
+      </a:ln>
+    </cs:spPr>
+    <cs:defRPr sz="900" kern="1200"/>
+  </cs:categoryAxis>
+  <cs:chartArea mods="allowNoFillOverride allowNoLineOverride">
+    <cs:lnRef idx="0"/>
+    <cs:fillRef idx="0"/>
+    <cs:effectRef idx="0"/>
+    <cs:fontRef idx="minor">
+      <a:schemeClr val="tx1"/>
+    </cs:fontRef>
+    <cs:spPr>
+      <a:solidFill>
+        <a:schemeClr val="bg1"/>
+      </a:solidFill>
+      <a:ln w="9525" cap="flat" cmpd="sng" algn="ctr">
+        <a:solidFill>
+          <a:schemeClr val="tx1">
+            <a:lumMod val="15000"/>
+            <a:lumOff val="85000"/>
+          </a:schemeClr>
+        </a:solidFill>
+        <a:round/>
+      </a:ln>
+    </cs:spPr>
+    <cs:defRPr sz="1000" kern="1200"/>
+  </cs:chartArea>
+  <cs:dataLabel>
+    <cs:lnRef idx="0"/>
+    <cs:fillRef idx="0"/>
+    <cs:effectRef idx="0"/>
+    <cs:fontRef idx="minor">
+      <a:schemeClr val="tx1">
+        <a:lumMod val="75000"/>
+        <a:lumOff val="25000"/>
+      </a:schemeClr>
+    </cs:fontRef>
+    <cs:defRPr sz="900" kern="1200"/>
+  </cs:dataLabel>
+  <cs:dataLabelCallout>
+    <cs:lnRef idx="0"/>
+    <cs:fillRef idx="0"/>
+    <cs:effectRef idx="0"/>
+    <cs:fontRef idx="minor">
+      <a:schemeClr val="dk1">
+        <a:lumMod val="65000"/>
+        <a:lumOff val="35000"/>
+      </a:schemeClr>
+    </cs:fontRef>
+    <cs:spPr>
+      <a:solidFill>
+        <a:schemeClr val="lt1"/>
+      </a:solidFill>
+      <a:ln>
+        <a:solidFill>
+          <a:schemeClr val="dk1">
+            <a:lumMod val="25000"/>
+            <a:lumOff val="75000"/>
+          </a:schemeClr>
+        </a:solidFill>
+      </a:ln>
+    </cs:spPr>
+    <cs:defRPr sz="900" kern="1200"/>
+    <cs:bodyPr rot="0" spcFirstLastPara="1" vertOverflow="clip" horzOverflow="clip" vert="horz" wrap="square" lIns="36576" tIns="18288" rIns="36576" bIns="18288" anchor="ctr" anchorCtr="1">
+      <a:spAutoFit/>
+    </cs:bodyPr>
+  </cs:dataLabelCallout>
+  <cs:dataPoint>
+    <cs:lnRef idx="0"/>
+    <cs:fillRef idx="1">
+      <cs:styleClr val="auto"/>
+    </cs:fillRef>
+    <cs:effectRef idx="0"/>
+    <cs:fontRef idx="minor">
+      <a:schemeClr val="tx1"/>
+    </cs:fontRef>
+  </cs:dataPoint>
+  <cs:dataPoint3D>
+    <cs:lnRef idx="0"/>
+    <cs:fillRef idx="1">
+      <cs:styleClr val="auto"/>
+    </cs:fillRef>
+    <cs:effectRef idx="0"/>
+    <cs:fontRef idx="minor">
+      <a:schemeClr val="tx1"/>
+    </cs:fontRef>
+  </cs:dataPoint3D>
+  <cs:dataPointLine>
+    <cs:lnRef idx="0">
+      <cs:styleClr val="auto"/>
+    </cs:lnRef>
+    <cs:fillRef idx="1"/>
+    <cs:effectRef idx="0"/>
+    <cs:fontRef idx="minor">
+      <a:schemeClr val="tx1"/>
+    </cs:fontRef>
+    <cs:spPr>
+      <a:ln w="28575" cap="rnd">
+        <a:solidFill>
+          <a:schemeClr val="phClr"/>
+        </a:solidFill>
+        <a:round/>
+      </a:ln>
+    </cs:spPr>
+  </cs:dataPointLine>
+  <cs:dataPointMarker>
+    <cs:lnRef idx="0">
+      <cs:styleClr val="auto"/>
+    </cs:lnRef>
+    <cs:fillRef idx="1">
+      <cs:styleClr val="auto"/>
+    </cs:fillRef>
+    <cs:effectRef idx="0"/>
+    <cs:fontRef idx="minor">
+      <a:schemeClr val="tx1"/>
+    </cs:fontRef>
+    <cs:spPr>
+      <a:ln w="9525">
+        <a:solidFill>
+          <a:schemeClr val="phClr"/>
+        </a:solidFill>
+      </a:ln>
+    </cs:spPr>
+  </cs:dataPointMarker>
+  <cs:dataPointMarkerLayout symbol="circle" size="5"/>
+  <cs:dataPointWireframe>
+    <cs:lnRef idx="0">
+      <cs:styleClr val="auto"/>
+    </cs:lnRef>
+    <cs:fillRef idx="1"/>
+    <cs:effectRef idx="0"/>
+    <cs:fontRef idx="minor">
+      <a:schemeClr val="tx1"/>
+    </cs:fontRef>
+    <cs:spPr>
+      <a:ln w="9525" cap="rnd">
+        <a:solidFill>
+          <a:schemeClr val="phClr"/>
+        </a:solidFill>
+        <a:round/>
+      </a:ln>
+    </cs:spPr>
+  </cs:dataPointWireframe>
+  <cs:dataTable>
+    <cs:lnRef idx="0"/>
+    <cs:fillRef idx="0"/>
+    <cs:effectRef idx="0"/>
+    <cs:fontRef idx="minor">
+      <a:schemeClr val="tx1">
+        <a:lumMod val="65000"/>
+        <a:lumOff val="35000"/>
+      </a:schemeClr>
+    </cs:fontRef>
+    <cs:spPr>
+      <a:noFill/>
+      <a:ln w="9525" cap="flat" cmpd="sng" algn="ctr">
+        <a:solidFill>
+          <a:schemeClr val="tx1">
+            <a:lumMod val="15000"/>
+            <a:lumOff val="85000"/>
+          </a:schemeClr>
+        </a:solidFill>
+        <a:round/>
+      </a:ln>
+    </cs:spPr>
+    <cs:defRPr sz="900" kern="1200"/>
+  </cs:dataTable>
+  <cs:downBar>
+    <cs:lnRef idx="0"/>
+    <cs:fillRef idx="0"/>
+    <cs:effectRef idx="0"/>
+    <cs:fontRef idx="minor">
+      <a:schemeClr val="tx1"/>
+    </cs:fontRef>
+    <cs:spPr>
+      <a:solidFill>
+        <a:schemeClr val="dk1">
+          <a:lumMod val="75000"/>
+          <a:lumOff val="25000"/>
+        </a:schemeClr>
+      </a:solidFill>
+      <a:ln w="9525" cap="flat" cmpd="sng" algn="ctr">
+        <a:solidFill>
+          <a:schemeClr val="tx1">
+            <a:lumMod val="65000"/>
+            <a:lumOff val="35000"/>
+          </a:schemeClr>
+        </a:solidFill>
+        <a:round/>
+      </a:ln>
+    </cs:spPr>
+  </cs:downBar>
+  <cs:dropLine>
+    <cs:lnRef idx="0"/>
+    <cs:fillRef idx="0"/>
+    <cs:effectRef idx="0"/>
+    <cs:fontRef idx="minor">
+      <a:schemeClr val="tx1"/>
+    </cs:fontRef>
+    <cs:spPr>
+      <a:ln w="9525" cap="flat" cmpd="sng" algn="ctr">
+        <a:solidFill>
+          <a:schemeClr val="tx1">
+            <a:lumMod val="35000"/>
+            <a:lumOff val="65000"/>
+          </a:schemeClr>
+        </a:solidFill>
+        <a:round/>
+      </a:ln>
+    </cs:spPr>
+  </cs:dropLine>
+  <cs:errorBar>
+    <cs:lnRef idx="0"/>
+    <cs:fillRef idx="0"/>
+    <cs:effectRef idx="0"/>
+    <cs:fontRef idx="minor">
+      <a:schemeClr val="tx1"/>
+    </cs:fontRef>
+    <cs:spPr>
+      <a:ln w="9525" cap="flat" cmpd="sng" algn="ctr">
+        <a:solidFill>
+          <a:schemeClr val="tx1">
+            <a:lumMod val="65000"/>
+            <a:lumOff val="35000"/>
+          </a:schemeClr>
+        </a:solidFill>
+        <a:round/>
+      </a:ln>
+    </cs:spPr>
+  </cs:errorBar>
+  <cs:floor>
+    <cs:lnRef idx="0"/>
+    <cs:fillRef idx="0"/>
+    <cs:effectRef idx="0"/>
+    <cs:fontRef idx="minor">
+      <a:schemeClr val="tx1"/>
+    </cs:fontRef>
+    <cs:spPr>
+      <a:noFill/>
+      <a:ln>
+        <a:noFill/>
+      </a:ln>
+    </cs:spPr>
+  </cs:floor>
+  <cs:gridlineMajor>
+    <cs:lnRef idx="0"/>
+    <cs:fillRef idx="0"/>
+    <cs:effectRef idx="0"/>
+    <cs:fontRef idx="minor">
+      <a:schemeClr val="tx1"/>
+    </cs:fontRef>
+    <cs:spPr>
+      <a:ln w="9525" cap="flat" cmpd="sng" algn="ctr">
+        <a:solidFill>
+          <a:schemeClr val="tx1">
+            <a:lumMod val="15000"/>
+            <a:lumOff val="85000"/>
+          </a:schemeClr>
+        </a:solidFill>
+        <a:round/>
+      </a:ln>
+    </cs:spPr>
+  </cs:gridlineMajor>
+  <cs:gridlineMinor>
+    <cs:lnRef idx="0"/>
+    <cs:fillRef idx="0"/>
+    <cs:effectRef idx="0"/>
+    <cs:fontRef idx="minor">
+      <a:schemeClr val="tx1"/>
+    </cs:fontRef>
+    <cs:spPr>
+      <a:ln w="9525" cap="flat" cmpd="sng" algn="ctr">
+        <a:solidFill>
+          <a:schemeClr val="tx1">
+            <a:lumMod val="5000"/>
+            <a:lumOff val="95000"/>
+          </a:schemeClr>
+        </a:solidFill>
+        <a:round/>
+      </a:ln>
+    </cs:spPr>
+  </cs:gridlineMinor>
+  <cs:hiLoLine>
+    <cs:lnRef idx="0"/>
+    <cs:fillRef idx="0"/>
+    <cs:effectRef idx="0"/>
+    <cs:fontRef idx="minor">
+      <a:schemeClr val="tx1"/>
+    </cs:fontRef>
+    <cs:spPr>
+      <a:ln w="9525" cap="flat" cmpd="sng" algn="ctr">
+        <a:solidFill>
+          <a:schemeClr val="tx1">
+            <a:lumMod val="50000"/>
+            <a:lumOff val="50000"/>
+          </a:schemeClr>
+        </a:solidFill>
+        <a:round/>
+      </a:ln>
+    </cs:spPr>
+  </cs:hiLoLine>
+  <cs:leaderLine>
+    <cs:lnRef idx="0"/>
+    <cs:fillRef idx="0"/>
+    <cs:effectRef idx="0"/>
+    <cs:fontRef idx="minor">
+      <a:schemeClr val="tx1"/>
+    </cs:fontRef>
+    <cs:spPr>
+      <a:ln w="9525" cap="flat" cmpd="sng" algn="ctr">
+        <a:solidFill>
+          <a:schemeClr val="tx1">
+            <a:lumMod val="35000"/>
+            <a:lumOff val="65000"/>
+          </a:schemeClr>
+        </a:solidFill>
+        <a:round/>
+      </a:ln>
+    </cs:spPr>
+  </cs:leaderLine>
+  <cs:legend>
+    <cs:lnRef idx="0"/>
+    <cs:fillRef idx="0"/>
+    <cs:effectRef idx="0"/>
+    <cs:fontRef idx="minor">
+      <a:schemeClr val="tx1">
+        <a:lumMod val="65000"/>
+        <a:lumOff val="35000"/>
+      </a:schemeClr>
+    </cs:fontRef>
+    <cs:defRPr sz="900" kern="1200"/>
+  </cs:legend>
+  <cs:plotArea mods="allowNoFillOverride allowNoLineOverride">
+    <cs:lnRef idx="0"/>
+    <cs:fillRef idx="0"/>
+    <cs:effectRef idx="0"/>
+    <cs:fontRef idx="minor">
+      <a:schemeClr val="tx1"/>
+    </cs:fontRef>
+  </cs:plotArea>
+  <cs:plotArea3D mods="allowNoFillOverride allowNoLineOverride">
+    <cs:lnRef idx="0"/>
+    <cs:fillRef idx="0"/>
+    <cs:effectRef idx="0"/>
+    <cs:fontRef idx="minor">
+      <a:schemeClr val="tx1"/>
+    </cs:fontRef>
+  </cs:plotArea3D>
+  <cs:seriesAxis>
+    <cs:lnRef idx="0"/>
+    <cs:fillRef idx="0"/>
+    <cs:effectRef idx="0"/>
+    <cs:fontRef idx="minor">
+      <a:schemeClr val="tx1">
+        <a:lumMod val="65000"/>
+        <a:lumOff val="35000"/>
+      </a:schemeClr>
+    </cs:fontRef>
+    <cs:defRPr sz="900" kern="1200"/>
+  </cs:seriesAxis>
+  <cs:seriesLine>
+    <cs:lnRef idx="0"/>
+    <cs:fillRef idx="0"/>
+    <cs:effectRef idx="0"/>
+    <cs:fontRef idx="minor">
+      <a:schemeClr val="tx1"/>
+    </cs:fontRef>
+    <cs:spPr>
+      <a:ln w="9525" cap="flat" cmpd="sng" algn="ctr">
+        <a:solidFill>
+          <a:schemeClr val="tx1">
+            <a:lumMod val="35000"/>
+            <a:lumOff val="65000"/>
+          </a:schemeClr>
+        </a:solidFill>
+        <a:round/>
+      </a:ln>
+    </cs:spPr>
+  </cs:seriesLine>
+  <cs:title>
+    <cs:lnRef idx="0"/>
+    <cs:fillRef idx="0"/>
+    <cs:effectRef idx="0"/>
+    <cs:fontRef idx="minor">
+      <a:schemeClr val="tx1">
+        <a:lumMod val="65000"/>
+        <a:lumOff val="35000"/>
+      </a:schemeClr>
+    </cs:fontRef>
+    <cs:defRPr sz="1400" b="0" kern="1200" spc="0" baseline="0"/>
+  </cs:title>
+  <cs:trendline>
+    <cs:lnRef idx="0">
+      <cs:styleClr val="auto"/>
+    </cs:lnRef>
+    <cs:fillRef idx="0"/>
+    <cs:effectRef idx="0"/>
+    <cs:fontRef idx="minor">
+      <a:schemeClr val="tx1"/>
+    </cs:fontRef>
+    <cs:spPr>
+      <a:ln w="19050" cap="rnd">
+        <a:solidFill>
+          <a:schemeClr val="phClr"/>
+        </a:solidFill>
+        <a:prstDash val="sysDot"/>
+      </a:ln>
+    </cs:spPr>
+  </cs:trendline>
+  <cs:trendlineLabel>
+    <cs:lnRef idx="0"/>
+    <cs:fillRef idx="0"/>
+    <cs:effectRef idx="0"/>
+    <cs:fontRef idx="minor">
+      <a:schemeClr val="tx1">
+        <a:lumMod val="65000"/>
+        <a:lumOff val="35000"/>
+      </a:schemeClr>
+    </cs:fontRef>
+    <cs:defRPr sz="900" kern="1200"/>
+  </cs:trendlineLabel>
+  <cs:upBar>
+    <cs:lnRef idx="0"/>
+    <cs:fillRef idx="0"/>
+    <cs:effectRef idx="0"/>
+    <cs:fontRef idx="minor">
+      <a:schemeClr val="tx1"/>
+    </cs:fontRef>
+    <cs:spPr>
+      <a:solidFill>
+        <a:schemeClr val="lt1"/>
+      </a:solidFill>
+      <a:ln w="9525" cap="flat" cmpd="sng" algn="ctr">
+        <a:solidFill>
+          <a:schemeClr val="tx1">
+            <a:lumMod val="65000"/>
+            <a:lumOff val="35000"/>
+          </a:schemeClr>
+        </a:solidFill>
+        <a:round/>
+      </a:ln>
+    </cs:spPr>
+  </cs:upBar>
+  <cs:valueAxis>
+    <cs:lnRef idx="0"/>
+    <cs:fillRef idx="0"/>
+    <cs:effectRef idx="0"/>
+    <cs:fontRef idx="minor">
+      <a:schemeClr val="tx1">
+        <a:lumMod val="65000"/>
+        <a:lumOff val="35000"/>
+      </a:schemeClr>
+    </cs:fontRef>
+    <cs:defRPr sz="900" kern="1200"/>
+  </cs:valueAxis>
+  <cs:wall>
+    <cs:lnRef idx="0"/>
+    <cs:fillRef idx="0"/>
+    <cs:effectRef idx="0"/>
+    <cs:fontRef idx="minor">
+      <a:schemeClr val="tx1"/>
+    </cs:fontRef>
+    <cs:spPr>
+      <a:noFill/>
+      <a:ln>
+        <a:noFill/>
+      </a:ln>
+    </cs:spPr>
+  </cs:wall>
+</cs:chartStyle>
+</file>
+
+<file path=ppt/charts/style7.xml><?xml version="1.0" encoding="utf-8"?>
+<cs:chartStyle xmlns:cs="http://schemas.microsoft.com/office/drawing/2012/chartStyle" xmlns:a="http://schemas.openxmlformats.org/drawingml/2006/main" id="216">
+  <cs:axisTitle>
+    <cs:lnRef idx="0"/>
+    <cs:fillRef idx="0"/>
+    <cs:effectRef idx="0"/>
+    <cs:fontRef idx="minor">
+      <a:schemeClr val="tx1">
+        <a:lumMod val="65000"/>
+        <a:lumOff val="35000"/>
+      </a:schemeClr>
+    </cs:fontRef>
+    <cs:defRPr sz="1000" kern="1200"/>
+  </cs:axisTitle>
+  <cs:categoryAxis>
+    <cs:lnRef idx="0"/>
+    <cs:fillRef idx="0"/>
+    <cs:effectRef idx="0"/>
+    <cs:fontRef idx="minor">
+      <a:schemeClr val="tx1">
+        <a:lumMod val="65000"/>
+        <a:lumOff val="35000"/>
+      </a:schemeClr>
+    </cs:fontRef>
+    <cs:spPr>
+      <a:ln w="9525" cap="flat" cmpd="sng" algn="ctr">
+        <a:solidFill>
+          <a:schemeClr val="tx1">
+            <a:lumMod val="15000"/>
+            <a:lumOff val="85000"/>
+          </a:schemeClr>
+        </a:solidFill>
+        <a:round/>
+      </a:ln>
+    </cs:spPr>
+    <cs:defRPr sz="900" kern="1200"/>
+  </cs:categoryAxis>
+  <cs:chartArea mods="allowNoFillOverride allowNoLineOverride">
+    <cs:lnRef idx="0"/>
+    <cs:fillRef idx="0"/>
+    <cs:effectRef idx="0"/>
+    <cs:fontRef idx="minor">
+      <a:schemeClr val="tx1"/>
+    </cs:fontRef>
+    <cs:spPr>
+      <a:solidFill>
+        <a:schemeClr val="bg1"/>
+      </a:solidFill>
+      <a:ln w="9525" cap="flat" cmpd="sng" algn="ctr">
+        <a:solidFill>
+          <a:schemeClr val="tx1">
+            <a:lumMod val="15000"/>
+            <a:lumOff val="85000"/>
+          </a:schemeClr>
+        </a:solidFill>
+        <a:round/>
+      </a:ln>
+    </cs:spPr>
+    <cs:defRPr sz="1000" kern="1200"/>
+  </cs:chartArea>
+  <cs:dataLabel>
+    <cs:lnRef idx="0"/>
+    <cs:fillRef idx="0"/>
+    <cs:effectRef idx="0"/>
+    <cs:fontRef idx="minor">
+      <a:schemeClr val="tx1">
+        <a:lumMod val="75000"/>
+        <a:lumOff val="25000"/>
+      </a:schemeClr>
+    </cs:fontRef>
+    <cs:defRPr sz="900" kern="1200"/>
+  </cs:dataLabel>
+  <cs:dataLabelCallout>
+    <cs:lnRef idx="0"/>
+    <cs:fillRef idx="0"/>
+    <cs:effectRef idx="0"/>
+    <cs:fontRef idx="minor">
+      <a:schemeClr val="dk1">
+        <a:lumMod val="65000"/>
+        <a:lumOff val="35000"/>
+      </a:schemeClr>
+    </cs:fontRef>
+    <cs:spPr>
+      <a:solidFill>
+        <a:schemeClr val="lt1"/>
+      </a:solidFill>
+      <a:ln>
+        <a:solidFill>
+          <a:schemeClr val="dk1">
+            <a:lumMod val="25000"/>
+            <a:lumOff val="75000"/>
+          </a:schemeClr>
+        </a:solidFill>
+      </a:ln>
+    </cs:spPr>
+    <cs:defRPr sz="900" kern="1200"/>
+    <cs:bodyPr rot="0" spcFirstLastPara="1" vertOverflow="clip" horzOverflow="clip" vert="horz" wrap="square" lIns="36576" tIns="18288" rIns="36576" bIns="18288" anchor="ctr" anchorCtr="1">
+      <a:spAutoFit/>
+    </cs:bodyPr>
+  </cs:dataLabelCallout>
+  <cs:dataPoint>
+    <cs:lnRef idx="0"/>
+    <cs:fillRef idx="1">
+      <cs:styleClr val="auto"/>
+    </cs:fillRef>
+    <cs:effectRef idx="0"/>
+    <cs:fontRef idx="minor">
+      <a:schemeClr val="tx1"/>
+    </cs:fontRef>
+  </cs:dataPoint>
+  <cs:dataPoint3D>
+    <cs:lnRef idx="0"/>
+    <cs:fillRef idx="1">
+      <cs:styleClr val="auto"/>
+    </cs:fillRef>
+    <cs:effectRef idx="0"/>
+    <cs:fontRef idx="minor">
+      <a:schemeClr val="tx1"/>
+    </cs:fontRef>
+  </cs:dataPoint3D>
+  <cs:dataPointLine>
+    <cs:lnRef idx="0">
+      <cs:styleClr val="auto"/>
+    </cs:lnRef>
+    <cs:fillRef idx="1"/>
+    <cs:effectRef idx="0"/>
+    <cs:fontRef idx="minor">
+      <a:schemeClr val="tx1"/>
+    </cs:fontRef>
+    <cs:spPr>
+      <a:ln w="28575" cap="rnd">
+        <a:solidFill>
+          <a:schemeClr val="phClr"/>
+        </a:solidFill>
+        <a:round/>
+      </a:ln>
+    </cs:spPr>
+  </cs:dataPointLine>
+  <cs:dataPointMarker>
+    <cs:lnRef idx="0">
+      <cs:styleClr val="auto"/>
+    </cs:lnRef>
+    <cs:fillRef idx="1">
+      <cs:styleClr val="auto"/>
+    </cs:fillRef>
+    <cs:effectRef idx="0"/>
+    <cs:fontRef idx="minor">
+      <a:schemeClr val="tx1"/>
+    </cs:fontRef>
+    <cs:spPr>
+      <a:ln w="9525">
+        <a:solidFill>
+          <a:schemeClr val="phClr"/>
+        </a:solidFill>
+      </a:ln>
+    </cs:spPr>
+  </cs:dataPointMarker>
+  <cs:dataPointMarkerLayout symbol="circle" size="5"/>
+  <cs:dataPointWireframe>
+    <cs:lnRef idx="0">
+      <cs:styleClr val="auto"/>
+    </cs:lnRef>
+    <cs:fillRef idx="1"/>
+    <cs:effectRef idx="0"/>
+    <cs:fontRef idx="minor">
+      <a:schemeClr val="tx1"/>
+    </cs:fontRef>
+    <cs:spPr>
+      <a:ln w="9525" cap="rnd">
+        <a:solidFill>
+          <a:schemeClr val="phClr"/>
+        </a:solidFill>
+        <a:round/>
+      </a:ln>
+    </cs:spPr>
+  </cs:dataPointWireframe>
+  <cs:dataTable>
+    <cs:lnRef idx="0"/>
+    <cs:fillRef idx="0"/>
+    <cs:effectRef idx="0"/>
+    <cs:fontRef idx="minor">
+      <a:schemeClr val="tx1">
+        <a:lumMod val="65000"/>
+        <a:lumOff val="35000"/>
+      </a:schemeClr>
+    </cs:fontRef>
+    <cs:spPr>
+      <a:noFill/>
+      <a:ln w="9525" cap="flat" cmpd="sng" algn="ctr">
+        <a:solidFill>
+          <a:schemeClr val="tx1">
+            <a:lumMod val="15000"/>
+            <a:lumOff val="85000"/>
+          </a:schemeClr>
+        </a:solidFill>
+        <a:round/>
+      </a:ln>
+    </cs:spPr>
+    <cs:defRPr sz="900" kern="1200"/>
+  </cs:dataTable>
+  <cs:downBar>
+    <cs:lnRef idx="0"/>
+    <cs:fillRef idx="0"/>
+    <cs:effectRef idx="0"/>
+    <cs:fontRef idx="minor">
+      <a:schemeClr val="tx1"/>
+    </cs:fontRef>
+    <cs:spPr>
+      <a:solidFill>
+        <a:schemeClr val="dk1">
+          <a:lumMod val="75000"/>
+          <a:lumOff val="25000"/>
+        </a:schemeClr>
+      </a:solidFill>
+      <a:ln w="9525" cap="flat" cmpd="sng" algn="ctr">
+        <a:solidFill>
+          <a:schemeClr val="tx1">
+            <a:lumMod val="65000"/>
+            <a:lumOff val="35000"/>
+          </a:schemeClr>
+        </a:solidFill>
+        <a:round/>
+      </a:ln>
+    </cs:spPr>
+  </cs:downBar>
+  <cs:dropLine>
+    <cs:lnRef idx="0"/>
+    <cs:fillRef idx="0"/>
+    <cs:effectRef idx="0"/>
+    <cs:fontRef idx="minor">
+      <a:schemeClr val="tx1"/>
+    </cs:fontRef>
+    <cs:spPr>
+      <a:ln w="9525" cap="flat" cmpd="sng" algn="ctr">
+        <a:solidFill>
+          <a:schemeClr val="tx1">
+            <a:lumMod val="35000"/>
+            <a:lumOff val="65000"/>
+          </a:schemeClr>
+        </a:solidFill>
+        <a:round/>
+      </a:ln>
+    </cs:spPr>
+  </cs:dropLine>
+  <cs:errorBar>
+    <cs:lnRef idx="0"/>
+    <cs:fillRef idx="0"/>
+    <cs:effectRef idx="0"/>
+    <cs:fontRef idx="minor">
+      <a:schemeClr val="tx1"/>
+    </cs:fontRef>
+    <cs:spPr>
+      <a:ln w="9525" cap="flat" cmpd="sng" algn="ctr">
+        <a:solidFill>
+          <a:schemeClr val="tx1">
+            <a:lumMod val="65000"/>
+            <a:lumOff val="35000"/>
+          </a:schemeClr>
+        </a:solidFill>
+        <a:round/>
+      </a:ln>
+    </cs:spPr>
+  </cs:errorBar>
+  <cs:floor>
+    <cs:lnRef idx="0"/>
+    <cs:fillRef idx="0"/>
+    <cs:effectRef idx="0"/>
+    <cs:fontRef idx="minor">
+      <a:schemeClr val="tx1"/>
+    </cs:fontRef>
+    <cs:spPr>
+      <a:noFill/>
+      <a:ln>
+        <a:noFill/>
+      </a:ln>
+    </cs:spPr>
+  </cs:floor>
+  <cs:gridlineMajor>
+    <cs:lnRef idx="0"/>
+    <cs:fillRef idx="0"/>
+    <cs:effectRef idx="0"/>
+    <cs:fontRef idx="minor">
+      <a:schemeClr val="tx1"/>
+    </cs:fontRef>
+    <cs:spPr>
+      <a:ln w="9525" cap="flat" cmpd="sng" algn="ctr">
+        <a:solidFill>
+          <a:schemeClr val="tx1">
+            <a:lumMod val="15000"/>
+            <a:lumOff val="85000"/>
+          </a:schemeClr>
+        </a:solidFill>
+        <a:round/>
+      </a:ln>
+    </cs:spPr>
+  </cs:gridlineMajor>
+  <cs:gridlineMinor>
+    <cs:lnRef idx="0"/>
+    <cs:fillRef idx="0"/>
+    <cs:effectRef idx="0"/>
+    <cs:fontRef idx="minor">
+      <a:schemeClr val="tx1"/>
+    </cs:fontRef>
+    <cs:spPr>
+      <a:ln w="9525" cap="flat" cmpd="sng" algn="ctr">
+        <a:solidFill>
+          <a:schemeClr val="tx1">
+            <a:lumMod val="5000"/>
+            <a:lumOff val="95000"/>
+          </a:schemeClr>
+        </a:solidFill>
+        <a:round/>
+      </a:ln>
+    </cs:spPr>
+  </cs:gridlineMinor>
+  <cs:hiLoLine>
+    <cs:lnRef idx="0"/>
+    <cs:fillRef idx="0"/>
+    <cs:effectRef idx="0"/>
+    <cs:fontRef idx="minor">
+      <a:schemeClr val="tx1"/>
+    </cs:fontRef>
+    <cs:spPr>
+      <a:ln w="9525" cap="flat" cmpd="sng" algn="ctr">
+        <a:solidFill>
+          <a:schemeClr val="tx1">
+            <a:lumMod val="50000"/>
+            <a:lumOff val="50000"/>
+          </a:schemeClr>
+        </a:solidFill>
+        <a:round/>
+      </a:ln>
+    </cs:spPr>
+  </cs:hiLoLine>
+  <cs:leaderLine>
+    <cs:lnRef idx="0"/>
+    <cs:fillRef idx="0"/>
+    <cs:effectRef idx="0"/>
+    <cs:fontRef idx="minor">
+      <a:schemeClr val="tx1"/>
+    </cs:fontRef>
+    <cs:spPr>
+      <a:ln w="9525" cap="flat" cmpd="sng" algn="ctr">
+        <a:solidFill>
+          <a:schemeClr val="tx1">
+            <a:lumMod val="35000"/>
+            <a:lumOff val="65000"/>
+          </a:schemeClr>
+        </a:solidFill>
+        <a:round/>
+      </a:ln>
+    </cs:spPr>
+  </cs:leaderLine>
+  <cs:legend>
+    <cs:lnRef idx="0"/>
+    <cs:fillRef idx="0"/>
+    <cs:effectRef idx="0"/>
+    <cs:fontRef idx="minor">
+      <a:schemeClr val="tx1">
+        <a:lumMod val="65000"/>
+        <a:lumOff val="35000"/>
+      </a:schemeClr>
+    </cs:fontRef>
+    <cs:defRPr sz="900" kern="1200"/>
+  </cs:legend>
+  <cs:plotArea mods="allowNoFillOverride allowNoLineOverride">
+    <cs:lnRef idx="0"/>
+    <cs:fillRef idx="0"/>
+    <cs:effectRef idx="0"/>
+    <cs:fontRef idx="minor">
+      <a:schemeClr val="tx1"/>
+    </cs:fontRef>
+  </cs:plotArea>
+  <cs:plotArea3D mods="allowNoFillOverride allowNoLineOverride">
+    <cs:lnRef idx="0"/>
+    <cs:fillRef idx="0"/>
+    <cs:effectRef idx="0"/>
+    <cs:fontRef idx="minor">
+      <a:schemeClr val="tx1"/>
+    </cs:fontRef>
+  </cs:plotArea3D>
+  <cs:seriesAxis>
+    <cs:lnRef idx="0"/>
+    <cs:fillRef idx="0"/>
+    <cs:effectRef idx="0"/>
+    <cs:fontRef idx="minor">
+      <a:schemeClr val="tx1">
+        <a:lumMod val="65000"/>
+        <a:lumOff val="35000"/>
+      </a:schemeClr>
+    </cs:fontRef>
+    <cs:defRPr sz="900" kern="1200"/>
+  </cs:seriesAxis>
+  <cs:seriesLine>
+    <cs:lnRef idx="0"/>
+    <cs:fillRef idx="0"/>
+    <cs:effectRef idx="0"/>
+    <cs:fontRef idx="minor">
+      <a:schemeClr val="tx1"/>
+    </cs:fontRef>
+    <cs:spPr>
+      <a:ln w="9525" cap="flat" cmpd="sng" algn="ctr">
+        <a:solidFill>
+          <a:schemeClr val="tx1">
+            <a:lumMod val="35000"/>
+            <a:lumOff val="65000"/>
+          </a:schemeClr>
+        </a:solidFill>
+        <a:round/>
+      </a:ln>
+    </cs:spPr>
+  </cs:seriesLine>
+  <cs:title>
+    <cs:lnRef idx="0"/>
+    <cs:fillRef idx="0"/>
+    <cs:effectRef idx="0"/>
+    <cs:fontRef idx="minor">
+      <a:schemeClr val="tx1">
+        <a:lumMod val="65000"/>
+        <a:lumOff val="35000"/>
+      </a:schemeClr>
+    </cs:fontRef>
+    <cs:defRPr sz="1400" b="0" kern="1200" spc="0" baseline="0"/>
+  </cs:title>
+  <cs:trendline>
+    <cs:lnRef idx="0">
+      <cs:styleClr val="auto"/>
+    </cs:lnRef>
+    <cs:fillRef idx="0"/>
+    <cs:effectRef idx="0"/>
+    <cs:fontRef idx="minor">
+      <a:schemeClr val="tx1"/>
+    </cs:fontRef>
+    <cs:spPr>
+      <a:ln w="19050" cap="rnd">
+        <a:solidFill>
+          <a:schemeClr val="phClr"/>
+        </a:solidFill>
+        <a:prstDash val="sysDot"/>
+      </a:ln>
+    </cs:spPr>
+  </cs:trendline>
+  <cs:trendlineLabel>
+    <cs:lnRef idx="0"/>
+    <cs:fillRef idx="0"/>
+    <cs:effectRef idx="0"/>
+    <cs:fontRef idx="minor">
+      <a:schemeClr val="tx1">
+        <a:lumMod val="65000"/>
+        <a:lumOff val="35000"/>
+      </a:schemeClr>
+    </cs:fontRef>
+    <cs:defRPr sz="900" kern="1200"/>
+  </cs:trendlineLabel>
+  <cs:upBar>
+    <cs:lnRef idx="0"/>
+    <cs:fillRef idx="0"/>
+    <cs:effectRef idx="0"/>
+    <cs:fontRef idx="minor">
+      <a:schemeClr val="tx1"/>
+    </cs:fontRef>
+    <cs:spPr>
+      <a:solidFill>
+        <a:schemeClr val="lt1"/>
+      </a:solidFill>
+      <a:ln w="9525" cap="flat" cmpd="sng" algn="ctr">
+        <a:solidFill>
+          <a:schemeClr val="tx1">
+            <a:lumMod val="65000"/>
+            <a:lumOff val="35000"/>
+          </a:schemeClr>
+        </a:solidFill>
+        <a:round/>
+      </a:ln>
+    </cs:spPr>
+  </cs:upBar>
+  <cs:valueAxis>
+    <cs:lnRef idx="0"/>
+    <cs:fillRef idx="0"/>
+    <cs:effectRef idx="0"/>
+    <cs:fontRef idx="minor">
+      <a:schemeClr val="tx1">
+        <a:lumMod val="65000"/>
+        <a:lumOff val="35000"/>
+      </a:schemeClr>
+    </cs:fontRef>
+    <cs:defRPr sz="900" kern="1200"/>
+  </cs:valueAxis>
+  <cs:wall>
+    <cs:lnRef idx="0"/>
+    <cs:fillRef idx="0"/>
+    <cs:effectRef idx="0"/>
+    <cs:fontRef idx="minor">
+      <a:schemeClr val="tx1"/>
+    </cs:fontRef>
+    <cs:spPr>
+      <a:noFill/>
+      <a:ln>
+        <a:noFill/>
+      </a:ln>
+    </cs:spPr>
+  </cs:wall>
+</cs:chartStyle>
 </file>
 
 <file path=ppt/slideLayouts/slideLayout1.xml><?xml version="1.0" encoding="utf-8"?>
@@ -5944,6 +13007,333 @@
 </p:sld>
 </file>
 
+<file path=ppt/slides/slide10.xml><?xml version="1.0" encoding="utf-8"?>
+<p:sld xmlns:a="http://schemas.openxmlformats.org/drawingml/2006/main" xmlns:r="http://schemas.openxmlformats.org/officeDocument/2006/relationships" xmlns:p="http://schemas.openxmlformats.org/presentationml/2006/main">
+  <p:cSld>
+    <p:spTree>
+      <p:nvGrpSpPr>
+        <p:cNvPr id="1" name=""/>
+        <p:cNvGrpSpPr/>
+        <p:nvPr/>
+      </p:nvGrpSpPr>
+      <p:grpSpPr>
+        <a:xfrm>
+          <a:off x="0" y="0"/>
+          <a:ext cx="0" cy="0"/>
+          <a:chOff x="0" y="0"/>
+          <a:chExt cx="0" cy="0"/>
+        </a:xfrm>
+      </p:grpSpPr>
+      <p:sp>
+        <p:nvSpPr>
+          <p:cNvPr id="2" name="Title 1">
+            <a:extLst>
+              <a:ext uri="{FF2B5EF4-FFF2-40B4-BE49-F238E27FC236}">
+                <a16:creationId xmlns:a16="http://schemas.microsoft.com/office/drawing/2014/main" id="{6D2D345F-59A5-43A7-98F6-8EEC97F73237}"/>
+              </a:ext>
+            </a:extLst>
+          </p:cNvPr>
+          <p:cNvSpPr>
+            <a:spLocks noGrp="1"/>
+          </p:cNvSpPr>
+          <p:nvPr>
+            <p:ph type="title"/>
+          </p:nvPr>
+        </p:nvSpPr>
+        <p:spPr/>
+        <p:txBody>
+          <a:bodyPr/>
+          <a:lstStyle/>
+          <a:p>
+            <a:r>
+              <a:rPr lang="en-US" dirty="0"/>
+              <a:t>Natural Language Processing</a:t>
+            </a:r>
+            <a:br>
+              <a:rPr lang="en-US" dirty="0"/>
+            </a:br>
+            <a:r>
+              <a:rPr lang="en-US" sz="2000" dirty="0">
+                <a:solidFill>
+                  <a:schemeClr val="tx1"/>
+                </a:solidFill>
+              </a:rPr>
+              <a:t>What are the Most Popular Word Triplets in Title? N-Grams (N = 3)</a:t>
+            </a:r>
+            <a:endParaRPr lang="en-US" sz="2000" dirty="0"/>
+          </a:p>
+        </p:txBody>
+      </p:sp>
+      <p:graphicFrame>
+        <p:nvGraphicFramePr>
+          <p:cNvPr id="5" name="Chart 4">
+            <a:extLst>
+              <a:ext uri="{FF2B5EF4-FFF2-40B4-BE49-F238E27FC236}">
+                <a16:creationId xmlns:a16="http://schemas.microsoft.com/office/drawing/2014/main" id="{BD13E480-132A-404E-B975-E31028D538A7}"/>
+              </a:ext>
+            </a:extLst>
+          </p:cNvPr>
+          <p:cNvGraphicFramePr>
+            <a:graphicFrameLocks/>
+          </p:cNvGraphicFramePr>
+          <p:nvPr>
+            <p:extLst>
+              <p:ext uri="{D42A27DB-BD31-4B8C-83A1-F6EECF244321}">
+                <p14:modId xmlns:p14="http://schemas.microsoft.com/office/powerpoint/2010/main" val="4277680247"/>
+              </p:ext>
+            </p:extLst>
+          </p:nvPr>
+        </p:nvGraphicFramePr>
+        <p:xfrm>
+          <a:off x="677336" y="1647367"/>
+          <a:ext cx="4529146" cy="3951000"/>
+        </p:xfrm>
+        <a:graphic>
+          <a:graphicData uri="http://schemas.openxmlformats.org/drawingml/2006/chart">
+            <c:chart xmlns:c="http://schemas.openxmlformats.org/drawingml/2006/chart" xmlns:r="http://schemas.openxmlformats.org/officeDocument/2006/relationships" r:id="rId2"/>
+          </a:graphicData>
+        </a:graphic>
+      </p:graphicFrame>
+      <p:graphicFrame>
+        <p:nvGraphicFramePr>
+          <p:cNvPr id="9" name="Chart 8">
+            <a:extLst>
+              <a:ext uri="{FF2B5EF4-FFF2-40B4-BE49-F238E27FC236}">
+                <a16:creationId xmlns:a16="http://schemas.microsoft.com/office/drawing/2014/main" id="{181C8916-B8DB-42EE-B2D9-6AC7F6F6426D}"/>
+              </a:ext>
+            </a:extLst>
+          </p:cNvPr>
+          <p:cNvGraphicFramePr>
+            <a:graphicFrameLocks/>
+          </p:cNvGraphicFramePr>
+          <p:nvPr>
+            <p:extLst>
+              <p:ext uri="{D42A27DB-BD31-4B8C-83A1-F6EECF244321}">
+                <p14:modId xmlns:p14="http://schemas.microsoft.com/office/powerpoint/2010/main" val="3175199074"/>
+              </p:ext>
+            </p:extLst>
+          </p:nvPr>
+        </p:nvGraphicFramePr>
+        <p:xfrm>
+          <a:off x="5206482" y="1647367"/>
+          <a:ext cx="4529146" cy="3950999"/>
+        </p:xfrm>
+        <a:graphic>
+          <a:graphicData uri="http://schemas.openxmlformats.org/drawingml/2006/chart">
+            <c:chart xmlns:c="http://schemas.openxmlformats.org/drawingml/2006/chart" xmlns:r="http://schemas.openxmlformats.org/officeDocument/2006/relationships" r:id="rId3"/>
+          </a:graphicData>
+        </a:graphic>
+      </p:graphicFrame>
+    </p:spTree>
+    <p:extLst>
+      <p:ext uri="{BB962C8B-B14F-4D97-AF65-F5344CB8AC3E}">
+        <p14:creationId xmlns:p14="http://schemas.microsoft.com/office/powerpoint/2010/main" val="1866739850"/>
+      </p:ext>
+    </p:extLst>
+  </p:cSld>
+  <p:clrMapOvr>
+    <a:masterClrMapping/>
+  </p:clrMapOvr>
+</p:sld>
+</file>
+
+<file path=ppt/slides/slide11.xml><?xml version="1.0" encoding="utf-8"?>
+<p:sld xmlns:a="http://schemas.openxmlformats.org/drawingml/2006/main" xmlns:r="http://schemas.openxmlformats.org/officeDocument/2006/relationships" xmlns:p="http://schemas.openxmlformats.org/presentationml/2006/main">
+  <p:cSld>
+    <p:spTree>
+      <p:nvGrpSpPr>
+        <p:cNvPr id="1" name=""/>
+        <p:cNvGrpSpPr/>
+        <p:nvPr/>
+      </p:nvGrpSpPr>
+      <p:grpSpPr>
+        <a:xfrm>
+          <a:off x="0" y="0"/>
+          <a:ext cx="0" cy="0"/>
+          <a:chOff x="0" y="0"/>
+          <a:chExt cx="0" cy="0"/>
+        </a:xfrm>
+      </p:grpSpPr>
+      <p:sp>
+        <p:nvSpPr>
+          <p:cNvPr id="2" name="Title 1">
+            <a:extLst>
+              <a:ext uri="{FF2B5EF4-FFF2-40B4-BE49-F238E27FC236}">
+                <a16:creationId xmlns:a16="http://schemas.microsoft.com/office/drawing/2014/main" id="{6D2D345F-59A5-43A7-98F6-8EEC97F73237}"/>
+              </a:ext>
+            </a:extLst>
+          </p:cNvPr>
+          <p:cNvSpPr>
+            <a:spLocks noGrp="1"/>
+          </p:cNvSpPr>
+          <p:nvPr>
+            <p:ph type="title"/>
+          </p:nvPr>
+        </p:nvSpPr>
+        <p:spPr/>
+        <p:txBody>
+          <a:bodyPr/>
+          <a:lstStyle/>
+          <a:p>
+            <a:r>
+              <a:rPr lang="en-US" dirty="0"/>
+              <a:t>Natural Language Processing</a:t>
+            </a:r>
+            <a:br>
+              <a:rPr lang="en-US" dirty="0"/>
+            </a:br>
+            <a:r>
+              <a:rPr lang="en-US" sz="2000" dirty="0">
+                <a:solidFill>
+                  <a:schemeClr val="tx1"/>
+                </a:solidFill>
+              </a:rPr>
+              <a:t>Word Cloud - 2018</a:t>
+            </a:r>
+            <a:endParaRPr lang="en-US" sz="2000" dirty="0"/>
+          </a:p>
+        </p:txBody>
+      </p:sp>
+      <p:pic>
+        <p:nvPicPr>
+          <p:cNvPr id="4" name="Picture 3">
+            <a:extLst>
+              <a:ext uri="{FF2B5EF4-FFF2-40B4-BE49-F238E27FC236}">
+                <a16:creationId xmlns:a16="http://schemas.microsoft.com/office/drawing/2014/main" id="{C26499DB-C707-45AE-A81B-B1656F65625D}"/>
+              </a:ext>
+            </a:extLst>
+          </p:cNvPr>
+          <p:cNvPicPr>
+            <a:picLocks noChangeAspect="1"/>
+          </p:cNvPicPr>
+          <p:nvPr/>
+        </p:nvPicPr>
+        <p:blipFill>
+          <a:blip r:embed="rId2">
+            <a:extLst>
+              <a:ext uri="{28A0092B-C50C-407E-A947-70E740481C1C}">
+                <a14:useLocalDpi xmlns:a14="http://schemas.microsoft.com/office/drawing/2010/main" val="0"/>
+              </a:ext>
+            </a:extLst>
+          </a:blip>
+          <a:stretch>
+            <a:fillRect/>
+          </a:stretch>
+        </p:blipFill>
+        <p:spPr>
+          <a:xfrm>
+            <a:off x="606491" y="1930400"/>
+            <a:ext cx="8108301" cy="4132346"/>
+          </a:xfrm>
+          <a:prstGeom prst="rect">
+            <a:avLst/>
+          </a:prstGeom>
+        </p:spPr>
+      </p:pic>
+    </p:spTree>
+    <p:extLst>
+      <p:ext uri="{BB962C8B-B14F-4D97-AF65-F5344CB8AC3E}">
+        <p14:creationId xmlns:p14="http://schemas.microsoft.com/office/powerpoint/2010/main" val="561042041"/>
+      </p:ext>
+    </p:extLst>
+  </p:cSld>
+  <p:clrMapOvr>
+    <a:masterClrMapping/>
+  </p:clrMapOvr>
+</p:sld>
+</file>
+
+<file path=ppt/slides/slide12.xml><?xml version="1.0" encoding="utf-8"?>
+<p:sld xmlns:a="http://schemas.openxmlformats.org/drawingml/2006/main" xmlns:r="http://schemas.openxmlformats.org/officeDocument/2006/relationships" xmlns:p="http://schemas.openxmlformats.org/presentationml/2006/main">
+  <p:cSld>
+    <p:spTree>
+      <p:nvGrpSpPr>
+        <p:cNvPr id="1" name=""/>
+        <p:cNvGrpSpPr/>
+        <p:nvPr/>
+      </p:nvGrpSpPr>
+      <p:grpSpPr>
+        <a:xfrm>
+          <a:off x="0" y="0"/>
+          <a:ext cx="0" cy="0"/>
+          <a:chOff x="0" y="0"/>
+          <a:chExt cx="0" cy="0"/>
+        </a:xfrm>
+      </p:grpSpPr>
+      <p:sp>
+        <p:nvSpPr>
+          <p:cNvPr id="2" name="Title 1">
+            <a:extLst>
+              <a:ext uri="{FF2B5EF4-FFF2-40B4-BE49-F238E27FC236}">
+                <a16:creationId xmlns:a16="http://schemas.microsoft.com/office/drawing/2014/main" id="{6D2D345F-59A5-43A7-98F6-8EEC97F73237}"/>
+              </a:ext>
+            </a:extLst>
+          </p:cNvPr>
+          <p:cNvSpPr>
+            <a:spLocks noGrp="1"/>
+          </p:cNvSpPr>
+          <p:nvPr>
+            <p:ph type="title"/>
+          </p:nvPr>
+        </p:nvSpPr>
+        <p:spPr/>
+        <p:txBody>
+          <a:bodyPr/>
+          <a:lstStyle/>
+          <a:p>
+            <a:r>
+              <a:rPr lang="en-US" dirty="0"/>
+              <a:t>Future Work</a:t>
+            </a:r>
+          </a:p>
+        </p:txBody>
+      </p:sp>
+      <p:sp>
+        <p:nvSpPr>
+          <p:cNvPr id="3" name="Content Placeholder 2">
+            <a:extLst>
+              <a:ext uri="{FF2B5EF4-FFF2-40B4-BE49-F238E27FC236}">
+                <a16:creationId xmlns:a16="http://schemas.microsoft.com/office/drawing/2014/main" id="{87E905CE-9DD7-4B91-8F98-E27CB40C9D3C}"/>
+              </a:ext>
+            </a:extLst>
+          </p:cNvPr>
+          <p:cNvSpPr>
+            <a:spLocks noGrp="1"/>
+          </p:cNvSpPr>
+          <p:nvPr>
+            <p:ph idx="1"/>
+          </p:nvPr>
+        </p:nvSpPr>
+        <p:spPr>
+          <a:xfrm>
+            <a:off x="677334" y="2160590"/>
+            <a:ext cx="8596668" cy="3950962"/>
+          </a:xfrm>
+        </p:spPr>
+        <p:txBody>
+          <a:bodyPr/>
+          <a:lstStyle/>
+          <a:p>
+            <a:r>
+              <a:rPr lang="en-US" dirty="0"/>
+              <a:t>==</a:t>
+            </a:r>
+          </a:p>
+        </p:txBody>
+      </p:sp>
+    </p:spTree>
+    <p:extLst>
+      <p:ext uri="{BB962C8B-B14F-4D97-AF65-F5344CB8AC3E}">
+        <p14:creationId xmlns:p14="http://schemas.microsoft.com/office/powerpoint/2010/main" val="2874697351"/>
+      </p:ext>
+    </p:extLst>
+  </p:cSld>
+  <p:clrMapOvr>
+    <a:masterClrMapping/>
+  </p:clrMapOvr>
+</p:sld>
+</file>
+
 <file path=ppt/slides/slide2.xml><?xml version="1.0" encoding="utf-8"?>
 <p:sld xmlns:a="http://schemas.openxmlformats.org/drawingml/2006/main" xmlns:r="http://schemas.openxmlformats.org/officeDocument/2006/relationships" xmlns:p="http://schemas.openxmlformats.org/presentationml/2006/main">
   <p:cSld>
@@ -6268,6 +13658,163 @@
           <p:cNvPr id="2" name="Title 1">
             <a:extLst>
               <a:ext uri="{FF2B5EF4-FFF2-40B4-BE49-F238E27FC236}">
+                <a16:creationId xmlns:a16="http://schemas.microsoft.com/office/drawing/2014/main" id="{1585E127-BF7D-4CEC-B35B-4DD4475ABED0}"/>
+              </a:ext>
+            </a:extLst>
+          </p:cNvPr>
+          <p:cNvSpPr>
+            <a:spLocks noGrp="1"/>
+          </p:cNvSpPr>
+          <p:nvPr>
+            <p:ph type="title"/>
+          </p:nvPr>
+        </p:nvSpPr>
+        <p:spPr/>
+        <p:txBody>
+          <a:bodyPr/>
+          <a:lstStyle/>
+          <a:p>
+            <a:r>
+              <a:rPr lang="en-US" dirty="0"/>
+              <a:t>Scientific Articles Data</a:t>
+            </a:r>
+            <a:br>
+              <a:rPr lang="en-US" dirty="0"/>
+            </a:br>
+            <a:r>
+              <a:rPr lang="en-US" sz="2000" dirty="0">
+                <a:solidFill>
+                  <a:schemeClr val="tx1"/>
+                </a:solidFill>
+              </a:rPr>
+              <a:t>Python Scrapy</a:t>
+            </a:r>
+          </a:p>
+        </p:txBody>
+      </p:sp>
+      <p:sp>
+        <p:nvSpPr>
+          <p:cNvPr id="3" name="Content Placeholder 2">
+            <a:extLst>
+              <a:ext uri="{FF2B5EF4-FFF2-40B4-BE49-F238E27FC236}">
+                <a16:creationId xmlns:a16="http://schemas.microsoft.com/office/drawing/2014/main" id="{34CE5631-9119-4897-8B9E-F53F8699F24F}"/>
+              </a:ext>
+            </a:extLst>
+          </p:cNvPr>
+          <p:cNvSpPr>
+            <a:spLocks noGrp="1"/>
+          </p:cNvSpPr>
+          <p:nvPr>
+            <p:ph idx="1"/>
+          </p:nvPr>
+        </p:nvSpPr>
+        <p:spPr/>
+        <p:txBody>
+          <a:bodyPr/>
+          <a:lstStyle/>
+          <a:p>
+            <a:r>
+              <a:rPr lang="en-US" dirty="0"/>
+              <a:t>Scraped most influential scientific publications in the area of machine learning from two websites:</a:t>
+            </a:r>
+          </a:p>
+          <a:p>
+            <a:pPr lvl="1"/>
+            <a:r>
+              <a:rPr lang="en-US" dirty="0"/>
+              <a:t>Journal of Machine Learning Research – leading scientific journal in ML: </a:t>
+            </a:r>
+            <a:r>
+              <a:rPr lang="en-US" dirty="0">
+                <a:hlinkClick r:id="rId2"/>
+              </a:rPr>
+              <a:t>http://www.jmlr.org/</a:t>
+            </a:r>
+            <a:endParaRPr lang="en-US" dirty="0"/>
+          </a:p>
+          <a:p>
+            <a:pPr lvl="1"/>
+            <a:r>
+              <a:rPr lang="en-US" dirty="0"/>
+              <a:t>Neural Information Processing Systems (NIPS) – leading conference in ML: </a:t>
+            </a:r>
+            <a:r>
+              <a:rPr lang="en-US" dirty="0">
+                <a:hlinkClick r:id="rId3"/>
+              </a:rPr>
+              <a:t>https://nips.cc/</a:t>
+            </a:r>
+            <a:endParaRPr lang="en-US" dirty="0"/>
+          </a:p>
+          <a:p>
+            <a:r>
+              <a:rPr lang="en-US" dirty="0"/>
+              <a:t>Using Python Scrapy, downloaded in total 10,017 articles:</a:t>
+            </a:r>
+          </a:p>
+          <a:p>
+            <a:pPr lvl="1"/>
+            <a:r>
+              <a:rPr lang="en-US" dirty="0"/>
+              <a:t>Authors, Title, Year, Volume, Journal/Conference, Abstract, PDF_URL</a:t>
+            </a:r>
+          </a:p>
+          <a:p>
+            <a:pPr lvl="1"/>
+            <a:r>
+              <a:rPr lang="en-US" dirty="0"/>
+              <a:t>Articles published over 1987 – 2018 years</a:t>
+            </a:r>
+          </a:p>
+          <a:p>
+            <a:pPr marL="457200" lvl="1" indent="0">
+              <a:buNone/>
+            </a:pPr>
+            <a:endParaRPr lang="en-US" dirty="0"/>
+          </a:p>
+          <a:p>
+            <a:endParaRPr lang="en-US" dirty="0"/>
+          </a:p>
+          <a:p>
+            <a:endParaRPr lang="en-US" dirty="0"/>
+          </a:p>
+        </p:txBody>
+      </p:sp>
+    </p:spTree>
+    <p:extLst>
+      <p:ext uri="{BB962C8B-B14F-4D97-AF65-F5344CB8AC3E}">
+        <p14:creationId xmlns:p14="http://schemas.microsoft.com/office/powerpoint/2010/main" val="4129857590"/>
+      </p:ext>
+    </p:extLst>
+  </p:cSld>
+  <p:clrMapOvr>
+    <a:masterClrMapping/>
+  </p:clrMapOvr>
+</p:sld>
+</file>
+
+<file path=ppt/slides/slide5.xml><?xml version="1.0" encoding="utf-8"?>
+<p:sld xmlns:a="http://schemas.openxmlformats.org/drawingml/2006/main" xmlns:r="http://schemas.openxmlformats.org/officeDocument/2006/relationships" xmlns:p="http://schemas.openxmlformats.org/presentationml/2006/main">
+  <p:cSld>
+    <p:spTree>
+      <p:nvGrpSpPr>
+        <p:cNvPr id="1" name=""/>
+        <p:cNvGrpSpPr/>
+        <p:nvPr/>
+      </p:nvGrpSpPr>
+      <p:grpSpPr>
+        <a:xfrm>
+          <a:off x="0" y="0"/>
+          <a:ext cx="0" cy="0"/>
+          <a:chOff x="0" y="0"/>
+          <a:chExt cx="0" cy="0"/>
+        </a:xfrm>
+      </p:grpSpPr>
+      <p:sp>
+        <p:nvSpPr>
+          <p:cNvPr id="2" name="Title 1">
+            <a:extLst>
+              <a:ext uri="{FF2B5EF4-FFF2-40B4-BE49-F238E27FC236}">
                 <a16:creationId xmlns:a16="http://schemas.microsoft.com/office/drawing/2014/main" id="{6D2D345F-59A5-43A7-98F6-8EEC97F73237}"/>
               </a:ext>
             </a:extLst>
@@ -6401,6 +13948,942 @@
     <p:extLst>
       <p:ext uri="{BB962C8B-B14F-4D97-AF65-F5344CB8AC3E}">
         <p14:creationId xmlns:p14="http://schemas.microsoft.com/office/powerpoint/2010/main" val="2906518425"/>
+      </p:ext>
+    </p:extLst>
+  </p:cSld>
+  <p:clrMapOvr>
+    <a:masterClrMapping/>
+  </p:clrMapOvr>
+</p:sld>
+</file>
+
+<file path=ppt/slides/slide6.xml><?xml version="1.0" encoding="utf-8"?>
+<p:sld xmlns:a="http://schemas.openxmlformats.org/drawingml/2006/main" xmlns:r="http://schemas.openxmlformats.org/officeDocument/2006/relationships" xmlns:p="http://schemas.openxmlformats.org/presentationml/2006/main">
+  <p:cSld>
+    <p:spTree>
+      <p:nvGrpSpPr>
+        <p:cNvPr id="1" name=""/>
+        <p:cNvGrpSpPr/>
+        <p:nvPr/>
+      </p:nvGrpSpPr>
+      <p:grpSpPr>
+        <a:xfrm>
+          <a:off x="0" y="0"/>
+          <a:ext cx="0" cy="0"/>
+          <a:chOff x="0" y="0"/>
+          <a:chExt cx="0" cy="0"/>
+        </a:xfrm>
+      </p:grpSpPr>
+      <p:sp>
+        <p:nvSpPr>
+          <p:cNvPr id="2" name="Title 1">
+            <a:extLst>
+              <a:ext uri="{FF2B5EF4-FFF2-40B4-BE49-F238E27FC236}">
+                <a16:creationId xmlns:a16="http://schemas.microsoft.com/office/drawing/2014/main" id="{6D2D345F-59A5-43A7-98F6-8EEC97F73237}"/>
+              </a:ext>
+            </a:extLst>
+          </p:cNvPr>
+          <p:cNvSpPr>
+            <a:spLocks noGrp="1"/>
+          </p:cNvSpPr>
+          <p:nvPr>
+            <p:ph type="title"/>
+          </p:nvPr>
+        </p:nvSpPr>
+        <p:spPr/>
+        <p:txBody>
+          <a:bodyPr/>
+          <a:lstStyle/>
+          <a:p>
+            <a:r>
+              <a:rPr lang="en-US" dirty="0"/>
+              <a:t>Natural Language Processing</a:t>
+            </a:r>
+            <a:br>
+              <a:rPr lang="en-US" dirty="0"/>
+            </a:br>
+            <a:r>
+              <a:rPr lang="en-US" sz="2000" dirty="0">
+                <a:solidFill>
+                  <a:schemeClr val="tx1"/>
+                </a:solidFill>
+              </a:rPr>
+              <a:t>Data Preprocessing</a:t>
+            </a:r>
+            <a:endParaRPr lang="en-US" sz="2000" dirty="0"/>
+          </a:p>
+        </p:txBody>
+      </p:sp>
+      <p:sp>
+        <p:nvSpPr>
+          <p:cNvPr id="3" name="Content Placeholder 2">
+            <a:extLst>
+              <a:ext uri="{FF2B5EF4-FFF2-40B4-BE49-F238E27FC236}">
+                <a16:creationId xmlns:a16="http://schemas.microsoft.com/office/drawing/2014/main" id="{87E905CE-9DD7-4B91-8F98-E27CB40C9D3C}"/>
+              </a:ext>
+            </a:extLst>
+          </p:cNvPr>
+          <p:cNvSpPr>
+            <a:spLocks noGrp="1"/>
+          </p:cNvSpPr>
+          <p:nvPr>
+            <p:ph idx="1"/>
+          </p:nvPr>
+        </p:nvSpPr>
+        <p:spPr>
+          <a:xfrm>
+            <a:off x="677334" y="2109810"/>
+            <a:ext cx="8596668" cy="3950962"/>
+          </a:xfrm>
+        </p:spPr>
+        <p:txBody>
+          <a:bodyPr/>
+          <a:lstStyle/>
+          <a:p>
+            <a:pPr marL="0" indent="0">
+              <a:buNone/>
+            </a:pPr>
+            <a:endParaRPr lang="en-US" dirty="0"/>
+          </a:p>
+          <a:p>
+            <a:pPr marL="0" indent="0">
+              <a:buNone/>
+            </a:pPr>
+            <a:endParaRPr lang="en-US" dirty="0"/>
+          </a:p>
+          <a:p>
+            <a:pPr lvl="1">
+              <a:buFont typeface="+mj-lt"/>
+              <a:buAutoNum type="arabicPeriod"/>
+            </a:pPr>
+            <a:endParaRPr lang="en-US" dirty="0"/>
+          </a:p>
+        </p:txBody>
+      </p:sp>
+      <p:grpSp>
+        <p:nvGrpSpPr>
+          <p:cNvPr id="12" name="Group 11">
+            <a:extLst>
+              <a:ext uri="{FF2B5EF4-FFF2-40B4-BE49-F238E27FC236}">
+                <a16:creationId xmlns:a16="http://schemas.microsoft.com/office/drawing/2014/main" id="{4CFA59D9-0790-4B71-9A87-C02F27881AA6}"/>
+              </a:ext>
+            </a:extLst>
+          </p:cNvPr>
+          <p:cNvGrpSpPr/>
+          <p:nvPr/>
+        </p:nvGrpSpPr>
+        <p:grpSpPr>
+          <a:xfrm>
+            <a:off x="774439" y="3135196"/>
+            <a:ext cx="2369976" cy="3104986"/>
+            <a:chOff x="1409550" y="2918406"/>
+            <a:chExt cx="2612572" cy="3587108"/>
+          </a:xfrm>
+        </p:grpSpPr>
+        <p:sp>
+          <p:nvSpPr>
+            <p:cNvPr id="8" name="Rectangle 7">
+              <a:extLst>
+                <a:ext uri="{FF2B5EF4-FFF2-40B4-BE49-F238E27FC236}">
+                  <a16:creationId xmlns:a16="http://schemas.microsoft.com/office/drawing/2014/main" id="{5F0EED19-995D-403C-BA65-330F79125A6F}"/>
+                </a:ext>
+              </a:extLst>
+            </p:cNvPr>
+            <p:cNvSpPr/>
+            <p:nvPr/>
+          </p:nvSpPr>
+          <p:spPr>
+            <a:xfrm>
+              <a:off x="1409550" y="2918406"/>
+              <a:ext cx="2612572" cy="896777"/>
+            </a:xfrm>
+            <a:prstGeom prst="rect">
+              <a:avLst/>
+            </a:prstGeom>
+          </p:spPr>
+          <p:style>
+            <a:lnRef idx="2">
+              <a:schemeClr val="accent1">
+                <a:shade val="50000"/>
+              </a:schemeClr>
+            </a:lnRef>
+            <a:fillRef idx="1">
+              <a:schemeClr val="accent1"/>
+            </a:fillRef>
+            <a:effectRef idx="0">
+              <a:schemeClr val="accent1"/>
+            </a:effectRef>
+            <a:fontRef idx="minor">
+              <a:schemeClr val="lt1"/>
+            </a:fontRef>
+          </p:style>
+          <p:txBody>
+            <a:bodyPr rtlCol="0" anchor="ctr"/>
+            <a:lstStyle/>
+            <a:p>
+              <a:pPr algn="ctr"/>
+              <a:r>
+                <a:rPr lang="en-US" sz="1400" dirty="0"/>
+                <a:t>Convert to Lowercase</a:t>
+              </a:r>
+            </a:p>
+          </p:txBody>
+        </p:sp>
+        <p:sp>
+          <p:nvSpPr>
+            <p:cNvPr id="9" name="Rectangle 8">
+              <a:extLst>
+                <a:ext uri="{FF2B5EF4-FFF2-40B4-BE49-F238E27FC236}">
+                  <a16:creationId xmlns:a16="http://schemas.microsoft.com/office/drawing/2014/main" id="{4F7BA481-0FC6-4B83-8162-584D1F4DC029}"/>
+                </a:ext>
+              </a:extLst>
+            </p:cNvPr>
+            <p:cNvSpPr/>
+            <p:nvPr/>
+          </p:nvSpPr>
+          <p:spPr>
+            <a:xfrm>
+              <a:off x="1409550" y="3815183"/>
+              <a:ext cx="2612572" cy="896777"/>
+            </a:xfrm>
+            <a:prstGeom prst="rect">
+              <a:avLst/>
+            </a:prstGeom>
+          </p:spPr>
+          <p:style>
+            <a:lnRef idx="2">
+              <a:schemeClr val="accent1">
+                <a:shade val="50000"/>
+              </a:schemeClr>
+            </a:lnRef>
+            <a:fillRef idx="1">
+              <a:schemeClr val="accent1"/>
+            </a:fillRef>
+            <a:effectRef idx="0">
+              <a:schemeClr val="accent1"/>
+            </a:effectRef>
+            <a:fontRef idx="minor">
+              <a:schemeClr val="lt1"/>
+            </a:fontRef>
+          </p:style>
+          <p:txBody>
+            <a:bodyPr rtlCol="0" anchor="ctr"/>
+            <a:lstStyle/>
+            <a:p>
+              <a:pPr algn="ctr"/>
+              <a:r>
+                <a:rPr lang="en-US" sz="1400" dirty="0"/>
+                <a:t>Remove Punctuations</a:t>
+              </a:r>
+            </a:p>
+          </p:txBody>
+        </p:sp>
+        <p:sp>
+          <p:nvSpPr>
+            <p:cNvPr id="10" name="Rectangle 9">
+              <a:extLst>
+                <a:ext uri="{FF2B5EF4-FFF2-40B4-BE49-F238E27FC236}">
+                  <a16:creationId xmlns:a16="http://schemas.microsoft.com/office/drawing/2014/main" id="{083041F7-806D-4DEC-A9B2-95579178DAF6}"/>
+                </a:ext>
+              </a:extLst>
+            </p:cNvPr>
+            <p:cNvSpPr/>
+            <p:nvPr/>
+          </p:nvSpPr>
+          <p:spPr>
+            <a:xfrm>
+              <a:off x="1409550" y="4711960"/>
+              <a:ext cx="2612572" cy="896777"/>
+            </a:xfrm>
+            <a:prstGeom prst="rect">
+              <a:avLst/>
+            </a:prstGeom>
+          </p:spPr>
+          <p:style>
+            <a:lnRef idx="2">
+              <a:schemeClr val="accent1">
+                <a:shade val="50000"/>
+              </a:schemeClr>
+            </a:lnRef>
+            <a:fillRef idx="1">
+              <a:schemeClr val="accent1"/>
+            </a:fillRef>
+            <a:effectRef idx="0">
+              <a:schemeClr val="accent1"/>
+            </a:effectRef>
+            <a:fontRef idx="minor">
+              <a:schemeClr val="lt1"/>
+            </a:fontRef>
+          </p:style>
+          <p:txBody>
+            <a:bodyPr rtlCol="0" anchor="ctr"/>
+            <a:lstStyle/>
+            <a:p>
+              <a:pPr algn="ctr"/>
+              <a:r>
+                <a:rPr lang="en-US" sz="1400" dirty="0"/>
+                <a:t>Remove Stopwords</a:t>
+              </a:r>
+            </a:p>
+          </p:txBody>
+        </p:sp>
+        <p:sp>
+          <p:nvSpPr>
+            <p:cNvPr id="11" name="Rectangle 10">
+              <a:extLst>
+                <a:ext uri="{FF2B5EF4-FFF2-40B4-BE49-F238E27FC236}">
+                  <a16:creationId xmlns:a16="http://schemas.microsoft.com/office/drawing/2014/main" id="{9ED0FC7A-2D12-4D9B-AB9C-F01744CB662D}"/>
+                </a:ext>
+              </a:extLst>
+            </p:cNvPr>
+            <p:cNvSpPr/>
+            <p:nvPr/>
+          </p:nvSpPr>
+          <p:spPr>
+            <a:xfrm>
+              <a:off x="1409550" y="5608737"/>
+              <a:ext cx="2612572" cy="896777"/>
+            </a:xfrm>
+            <a:prstGeom prst="rect">
+              <a:avLst/>
+            </a:prstGeom>
+          </p:spPr>
+          <p:style>
+            <a:lnRef idx="2">
+              <a:schemeClr val="accent1">
+                <a:shade val="50000"/>
+              </a:schemeClr>
+            </a:lnRef>
+            <a:fillRef idx="1">
+              <a:schemeClr val="accent1"/>
+            </a:fillRef>
+            <a:effectRef idx="0">
+              <a:schemeClr val="accent1"/>
+            </a:effectRef>
+            <a:fontRef idx="minor">
+              <a:schemeClr val="lt1"/>
+            </a:fontRef>
+          </p:style>
+          <p:txBody>
+            <a:bodyPr rtlCol="0" anchor="ctr"/>
+            <a:lstStyle/>
+            <a:p>
+              <a:pPr algn="ctr"/>
+              <a:r>
+                <a:rPr lang="en-US" sz="1400" dirty="0"/>
+                <a:t>Lemmatize Text</a:t>
+              </a:r>
+            </a:p>
+          </p:txBody>
+        </p:sp>
+      </p:grpSp>
+      <p:sp>
+        <p:nvSpPr>
+          <p:cNvPr id="15" name="Rectangle 14">
+            <a:extLst>
+              <a:ext uri="{FF2B5EF4-FFF2-40B4-BE49-F238E27FC236}">
+                <a16:creationId xmlns:a16="http://schemas.microsoft.com/office/drawing/2014/main" id="{E083E94C-58DB-4D5E-86E9-B7CFB1EA2A24}"/>
+              </a:ext>
+            </a:extLst>
+          </p:cNvPr>
+          <p:cNvSpPr/>
+          <p:nvPr/>
+        </p:nvSpPr>
+        <p:spPr>
+          <a:xfrm>
+            <a:off x="774440" y="1661422"/>
+            <a:ext cx="2369976" cy="776248"/>
+          </a:xfrm>
+          <a:prstGeom prst="rect">
+            <a:avLst/>
+          </a:prstGeom>
+        </p:spPr>
+        <p:style>
+          <a:lnRef idx="2">
+            <a:schemeClr val="accent1">
+              <a:shade val="50000"/>
+            </a:schemeClr>
+          </a:lnRef>
+          <a:fillRef idx="1">
+            <a:schemeClr val="accent1"/>
+          </a:fillRef>
+          <a:effectRef idx="0">
+            <a:schemeClr val="accent1"/>
+          </a:effectRef>
+          <a:fontRef idx="minor">
+            <a:schemeClr val="lt1"/>
+          </a:fontRef>
+        </p:style>
+        <p:txBody>
+          <a:bodyPr rtlCol="0" anchor="ctr"/>
+          <a:lstStyle/>
+          <a:p>
+            <a:pPr algn="ctr"/>
+            <a:r>
+              <a:rPr lang="en-US" sz="1400" dirty="0"/>
+              <a:t>Raw Text Data: </a:t>
+            </a:r>
+          </a:p>
+          <a:p>
+            <a:pPr algn="ctr"/>
+            <a:r>
+              <a:rPr lang="en-US" sz="1400" dirty="0"/>
+              <a:t>Title, Abstract</a:t>
+            </a:r>
+          </a:p>
+        </p:txBody>
+      </p:sp>
+      <p:sp>
+        <p:nvSpPr>
+          <p:cNvPr id="16" name="Arrow: Right 15">
+            <a:extLst>
+              <a:ext uri="{FF2B5EF4-FFF2-40B4-BE49-F238E27FC236}">
+                <a16:creationId xmlns:a16="http://schemas.microsoft.com/office/drawing/2014/main" id="{AAAA654D-D127-4963-8852-945CF175FFA1}"/>
+              </a:ext>
+            </a:extLst>
+          </p:cNvPr>
+          <p:cNvSpPr/>
+          <p:nvPr/>
+        </p:nvSpPr>
+        <p:spPr>
+          <a:xfrm rot="5400000">
+            <a:off x="1725626" y="2467253"/>
+            <a:ext cx="467601" cy="688876"/>
+          </a:xfrm>
+          <a:prstGeom prst="rightArrow">
+            <a:avLst/>
+          </a:prstGeom>
+        </p:spPr>
+        <p:style>
+          <a:lnRef idx="2">
+            <a:schemeClr val="accent1">
+              <a:shade val="50000"/>
+            </a:schemeClr>
+          </a:lnRef>
+          <a:fillRef idx="1">
+            <a:schemeClr val="accent1"/>
+          </a:fillRef>
+          <a:effectRef idx="0">
+            <a:schemeClr val="accent1"/>
+          </a:effectRef>
+          <a:fontRef idx="minor">
+            <a:schemeClr val="lt1"/>
+          </a:fontRef>
+        </p:style>
+        <p:txBody>
+          <a:bodyPr rtlCol="0" anchor="ctr"/>
+          <a:lstStyle/>
+          <a:p>
+            <a:pPr algn="ctr"/>
+            <a:endParaRPr lang="en-US"/>
+          </a:p>
+        </p:txBody>
+      </p:sp>
+      <p:pic>
+        <p:nvPicPr>
+          <p:cNvPr id="18" name="Picture 17">
+            <a:extLst>
+              <a:ext uri="{FF2B5EF4-FFF2-40B4-BE49-F238E27FC236}">
+                <a16:creationId xmlns:a16="http://schemas.microsoft.com/office/drawing/2014/main" id="{B8E29B51-BCB1-4DBD-9D8F-E834D32F7D37}"/>
+              </a:ext>
+            </a:extLst>
+          </p:cNvPr>
+          <p:cNvPicPr>
+            <a:picLocks noChangeAspect="1"/>
+          </p:cNvPicPr>
+          <p:nvPr/>
+        </p:nvPicPr>
+        <p:blipFill>
+          <a:blip r:embed="rId2">
+            <a:extLst>
+              <a:ext uri="{28A0092B-C50C-407E-A947-70E740481C1C}">
+                <a14:useLocalDpi xmlns:a14="http://schemas.microsoft.com/office/drawing/2010/main" val="0"/>
+              </a:ext>
+            </a:extLst>
+          </a:blip>
+          <a:stretch>
+            <a:fillRect/>
+          </a:stretch>
+        </p:blipFill>
+        <p:spPr>
+          <a:xfrm>
+            <a:off x="4008769" y="2827176"/>
+            <a:ext cx="6496765" cy="2836506"/>
+          </a:xfrm>
+          <a:prstGeom prst="rect">
+            <a:avLst/>
+          </a:prstGeom>
+          <a:solidFill>
+            <a:schemeClr val="tx1">
+              <a:alpha val="60000"/>
+            </a:schemeClr>
+          </a:solidFill>
+          <a:ln>
+            <a:solidFill>
+              <a:schemeClr val="tx1"/>
+            </a:solidFill>
+          </a:ln>
+        </p:spPr>
+      </p:pic>
+      <p:sp>
+        <p:nvSpPr>
+          <p:cNvPr id="19" name="Arrow: Right 18">
+            <a:extLst>
+              <a:ext uri="{FF2B5EF4-FFF2-40B4-BE49-F238E27FC236}">
+                <a16:creationId xmlns:a16="http://schemas.microsoft.com/office/drawing/2014/main" id="{0D04ADBA-8E7C-4A9B-A23E-3E7371350E24}"/>
+              </a:ext>
+            </a:extLst>
+          </p:cNvPr>
+          <p:cNvSpPr/>
+          <p:nvPr/>
+        </p:nvSpPr>
+        <p:spPr>
+          <a:xfrm>
+            <a:off x="3342791" y="3405023"/>
+            <a:ext cx="467601" cy="688876"/>
+          </a:xfrm>
+          <a:prstGeom prst="rightArrow">
+            <a:avLst/>
+          </a:prstGeom>
+        </p:spPr>
+        <p:style>
+          <a:lnRef idx="2">
+            <a:schemeClr val="accent1">
+              <a:shade val="50000"/>
+            </a:schemeClr>
+          </a:lnRef>
+          <a:fillRef idx="1">
+            <a:schemeClr val="accent1"/>
+          </a:fillRef>
+          <a:effectRef idx="0">
+            <a:schemeClr val="accent1"/>
+          </a:effectRef>
+          <a:fontRef idx="minor">
+            <a:schemeClr val="lt1"/>
+          </a:fontRef>
+        </p:style>
+        <p:txBody>
+          <a:bodyPr rtlCol="0" anchor="ctr"/>
+          <a:lstStyle/>
+          <a:p>
+            <a:pPr algn="ctr"/>
+            <a:endParaRPr lang="en-US"/>
+          </a:p>
+        </p:txBody>
+      </p:sp>
+      <p:sp>
+        <p:nvSpPr>
+          <p:cNvPr id="20" name="Rectangle 19">
+            <a:extLst>
+              <a:ext uri="{FF2B5EF4-FFF2-40B4-BE49-F238E27FC236}">
+                <a16:creationId xmlns:a16="http://schemas.microsoft.com/office/drawing/2014/main" id="{271E2DF5-7081-4B32-9B93-53A3D15BB0E9}"/>
+              </a:ext>
+            </a:extLst>
+          </p:cNvPr>
+          <p:cNvSpPr/>
+          <p:nvPr/>
+        </p:nvSpPr>
+        <p:spPr>
+          <a:xfrm>
+            <a:off x="4008769" y="2415137"/>
+            <a:ext cx="6496765" cy="412039"/>
+          </a:xfrm>
+          <a:prstGeom prst="rect">
+            <a:avLst/>
+          </a:prstGeom>
+        </p:spPr>
+        <p:style>
+          <a:lnRef idx="2">
+            <a:schemeClr val="accent1">
+              <a:shade val="50000"/>
+            </a:schemeClr>
+          </a:lnRef>
+          <a:fillRef idx="1">
+            <a:schemeClr val="accent1"/>
+          </a:fillRef>
+          <a:effectRef idx="0">
+            <a:schemeClr val="accent1"/>
+          </a:effectRef>
+          <a:fontRef idx="minor">
+            <a:schemeClr val="lt1"/>
+          </a:fontRef>
+        </p:style>
+        <p:txBody>
+          <a:bodyPr rtlCol="0" anchor="ctr"/>
+          <a:lstStyle/>
+          <a:p>
+            <a:pPr algn="ctr"/>
+            <a:r>
+              <a:rPr lang="en-US" sz="1400" dirty="0"/>
+              <a:t>Processed Text</a:t>
+            </a:r>
+          </a:p>
+        </p:txBody>
+      </p:sp>
+    </p:spTree>
+    <p:extLst>
+      <p:ext uri="{BB962C8B-B14F-4D97-AF65-F5344CB8AC3E}">
+        <p14:creationId xmlns:p14="http://schemas.microsoft.com/office/powerpoint/2010/main" val="2096495966"/>
+      </p:ext>
+    </p:extLst>
+  </p:cSld>
+  <p:clrMapOvr>
+    <a:masterClrMapping/>
+  </p:clrMapOvr>
+</p:sld>
+</file>
+
+<file path=ppt/slides/slide7.xml><?xml version="1.0" encoding="utf-8"?>
+<p:sld xmlns:a="http://schemas.openxmlformats.org/drawingml/2006/main" xmlns:r="http://schemas.openxmlformats.org/officeDocument/2006/relationships" xmlns:p="http://schemas.openxmlformats.org/presentationml/2006/main">
+  <p:cSld>
+    <p:spTree>
+      <p:nvGrpSpPr>
+        <p:cNvPr id="1" name=""/>
+        <p:cNvGrpSpPr/>
+        <p:nvPr/>
+      </p:nvGrpSpPr>
+      <p:grpSpPr>
+        <a:xfrm>
+          <a:off x="0" y="0"/>
+          <a:ext cx="0" cy="0"/>
+          <a:chOff x="0" y="0"/>
+          <a:chExt cx="0" cy="0"/>
+        </a:xfrm>
+      </p:grpSpPr>
+      <p:sp>
+        <p:nvSpPr>
+          <p:cNvPr id="2" name="Title 1">
+            <a:extLst>
+              <a:ext uri="{FF2B5EF4-FFF2-40B4-BE49-F238E27FC236}">
+                <a16:creationId xmlns:a16="http://schemas.microsoft.com/office/drawing/2014/main" id="{6D2D345F-59A5-43A7-98F6-8EEC97F73237}"/>
+              </a:ext>
+            </a:extLst>
+          </p:cNvPr>
+          <p:cNvSpPr>
+            <a:spLocks noGrp="1"/>
+          </p:cNvSpPr>
+          <p:nvPr>
+            <p:ph type="title"/>
+          </p:nvPr>
+        </p:nvSpPr>
+        <p:spPr/>
+        <p:txBody>
+          <a:bodyPr/>
+          <a:lstStyle/>
+          <a:p>
+            <a:r>
+              <a:rPr lang="en-US" dirty="0"/>
+              <a:t>Natural Language Processing</a:t>
+            </a:r>
+            <a:br>
+              <a:rPr lang="en-US" dirty="0"/>
+            </a:br>
+            <a:r>
+              <a:rPr lang="en-US" sz="2000" dirty="0">
+                <a:solidFill>
+                  <a:schemeClr val="tx1"/>
+                </a:solidFill>
+              </a:rPr>
+              <a:t>What are the Most Popular Authors by Number of Articles?</a:t>
+            </a:r>
+            <a:endParaRPr lang="en-US" sz="2000" dirty="0"/>
+          </a:p>
+        </p:txBody>
+      </p:sp>
+      <p:graphicFrame>
+        <p:nvGraphicFramePr>
+          <p:cNvPr id="4" name="Chart 3">
+            <a:extLst>
+              <a:ext uri="{FF2B5EF4-FFF2-40B4-BE49-F238E27FC236}">
+                <a16:creationId xmlns:a16="http://schemas.microsoft.com/office/drawing/2014/main" id="{F7E42CFD-0A8C-4171-930A-EDD9EE1EF75A}"/>
+              </a:ext>
+            </a:extLst>
+          </p:cNvPr>
+          <p:cNvGraphicFramePr>
+            <a:graphicFrameLocks/>
+          </p:cNvGraphicFramePr>
+          <p:nvPr>
+            <p:extLst>
+              <p:ext uri="{D42A27DB-BD31-4B8C-83A1-F6EECF244321}">
+                <p14:modId xmlns:p14="http://schemas.microsoft.com/office/powerpoint/2010/main" val="407623878"/>
+              </p:ext>
+            </p:extLst>
+          </p:nvPr>
+        </p:nvGraphicFramePr>
+        <p:xfrm>
+          <a:off x="677333" y="1663876"/>
+          <a:ext cx="5760789" cy="4643614"/>
+        </p:xfrm>
+        <a:graphic>
+          <a:graphicData uri="http://schemas.openxmlformats.org/drawingml/2006/chart">
+            <c:chart xmlns:c="http://schemas.openxmlformats.org/drawingml/2006/chart" xmlns:r="http://schemas.openxmlformats.org/officeDocument/2006/relationships" r:id="rId2"/>
+          </a:graphicData>
+        </a:graphic>
+      </p:graphicFrame>
+    </p:spTree>
+    <p:extLst>
+      <p:ext uri="{BB962C8B-B14F-4D97-AF65-F5344CB8AC3E}">
+        <p14:creationId xmlns:p14="http://schemas.microsoft.com/office/powerpoint/2010/main" val="1228367063"/>
+      </p:ext>
+    </p:extLst>
+  </p:cSld>
+  <p:clrMapOvr>
+    <a:masterClrMapping/>
+  </p:clrMapOvr>
+</p:sld>
+</file>
+
+<file path=ppt/slides/slide8.xml><?xml version="1.0" encoding="utf-8"?>
+<p:sld xmlns:a="http://schemas.openxmlformats.org/drawingml/2006/main" xmlns:r="http://schemas.openxmlformats.org/officeDocument/2006/relationships" xmlns:p="http://schemas.openxmlformats.org/presentationml/2006/main">
+  <p:cSld>
+    <p:spTree>
+      <p:nvGrpSpPr>
+        <p:cNvPr id="1" name=""/>
+        <p:cNvGrpSpPr/>
+        <p:nvPr/>
+      </p:nvGrpSpPr>
+      <p:grpSpPr>
+        <a:xfrm>
+          <a:off x="0" y="0"/>
+          <a:ext cx="0" cy="0"/>
+          <a:chOff x="0" y="0"/>
+          <a:chExt cx="0" cy="0"/>
+        </a:xfrm>
+      </p:grpSpPr>
+      <p:sp>
+        <p:nvSpPr>
+          <p:cNvPr id="2" name="Title 1">
+            <a:extLst>
+              <a:ext uri="{FF2B5EF4-FFF2-40B4-BE49-F238E27FC236}">
+                <a16:creationId xmlns:a16="http://schemas.microsoft.com/office/drawing/2014/main" id="{6D2D345F-59A5-43A7-98F6-8EEC97F73237}"/>
+              </a:ext>
+            </a:extLst>
+          </p:cNvPr>
+          <p:cNvSpPr>
+            <a:spLocks noGrp="1"/>
+          </p:cNvSpPr>
+          <p:nvPr>
+            <p:ph type="title"/>
+          </p:nvPr>
+        </p:nvSpPr>
+        <p:spPr/>
+        <p:txBody>
+          <a:bodyPr/>
+          <a:lstStyle/>
+          <a:p>
+            <a:r>
+              <a:rPr lang="en-US" dirty="0"/>
+              <a:t>Natural Language Processing</a:t>
+            </a:r>
+            <a:br>
+              <a:rPr lang="en-US" dirty="0"/>
+            </a:br>
+            <a:r>
+              <a:rPr lang="en-US" sz="2000" dirty="0">
+                <a:solidFill>
+                  <a:schemeClr val="tx1"/>
+                </a:solidFill>
+              </a:rPr>
+              <a:t>What are the Most Popular Words in Title? N-Grams (N = 1)</a:t>
+            </a:r>
+            <a:endParaRPr lang="en-US" sz="2000" dirty="0"/>
+          </a:p>
+        </p:txBody>
+      </p:sp>
+      <p:graphicFrame>
+        <p:nvGraphicFramePr>
+          <p:cNvPr id="5" name="Chart 4">
+            <a:extLst>
+              <a:ext uri="{FF2B5EF4-FFF2-40B4-BE49-F238E27FC236}">
+                <a16:creationId xmlns:a16="http://schemas.microsoft.com/office/drawing/2014/main" id="{D9A3A95F-5B2C-44ED-93CA-5DB3C07D4760}"/>
+              </a:ext>
+            </a:extLst>
+          </p:cNvPr>
+          <p:cNvGraphicFramePr>
+            <a:graphicFrameLocks/>
+          </p:cNvGraphicFramePr>
+          <p:nvPr>
+            <p:extLst>
+              <p:ext uri="{D42A27DB-BD31-4B8C-83A1-F6EECF244321}">
+                <p14:modId xmlns:p14="http://schemas.microsoft.com/office/powerpoint/2010/main" val="1447746438"/>
+              </p:ext>
+            </p:extLst>
+          </p:nvPr>
+        </p:nvGraphicFramePr>
+        <p:xfrm>
+          <a:off x="677335" y="1647366"/>
+          <a:ext cx="4529147" cy="3951001"/>
+        </p:xfrm>
+        <a:graphic>
+          <a:graphicData uri="http://schemas.openxmlformats.org/drawingml/2006/chart">
+            <c:chart xmlns:c="http://schemas.openxmlformats.org/drawingml/2006/chart" xmlns:r="http://schemas.openxmlformats.org/officeDocument/2006/relationships" r:id="rId2"/>
+          </a:graphicData>
+        </a:graphic>
+      </p:graphicFrame>
+      <p:graphicFrame>
+        <p:nvGraphicFramePr>
+          <p:cNvPr id="6" name="Chart 5">
+            <a:extLst>
+              <a:ext uri="{FF2B5EF4-FFF2-40B4-BE49-F238E27FC236}">
+                <a16:creationId xmlns:a16="http://schemas.microsoft.com/office/drawing/2014/main" id="{F5BEA849-033A-498F-BF9F-A6C8CFF82B89}"/>
+              </a:ext>
+            </a:extLst>
+          </p:cNvPr>
+          <p:cNvGraphicFramePr>
+            <a:graphicFrameLocks/>
+          </p:cNvGraphicFramePr>
+          <p:nvPr>
+            <p:extLst>
+              <p:ext uri="{D42A27DB-BD31-4B8C-83A1-F6EECF244321}">
+                <p14:modId xmlns:p14="http://schemas.microsoft.com/office/powerpoint/2010/main" val="2239648938"/>
+              </p:ext>
+            </p:extLst>
+          </p:nvPr>
+        </p:nvGraphicFramePr>
+        <p:xfrm>
+          <a:off x="5206482" y="1647365"/>
+          <a:ext cx="4529149" cy="3951001"/>
+        </p:xfrm>
+        <a:graphic>
+          <a:graphicData uri="http://schemas.openxmlformats.org/drawingml/2006/chart">
+            <c:chart xmlns:c="http://schemas.openxmlformats.org/drawingml/2006/chart" xmlns:r="http://schemas.openxmlformats.org/officeDocument/2006/relationships" r:id="rId3"/>
+          </a:graphicData>
+        </a:graphic>
+      </p:graphicFrame>
+    </p:spTree>
+    <p:extLst>
+      <p:ext uri="{BB962C8B-B14F-4D97-AF65-F5344CB8AC3E}">
+        <p14:creationId xmlns:p14="http://schemas.microsoft.com/office/powerpoint/2010/main" val="3151245089"/>
+      </p:ext>
+    </p:extLst>
+  </p:cSld>
+  <p:clrMapOvr>
+    <a:masterClrMapping/>
+  </p:clrMapOvr>
+</p:sld>
+</file>
+
+<file path=ppt/slides/slide9.xml><?xml version="1.0" encoding="utf-8"?>
+<p:sld xmlns:a="http://schemas.openxmlformats.org/drawingml/2006/main" xmlns:r="http://schemas.openxmlformats.org/officeDocument/2006/relationships" xmlns:p="http://schemas.openxmlformats.org/presentationml/2006/main">
+  <p:cSld>
+    <p:spTree>
+      <p:nvGrpSpPr>
+        <p:cNvPr id="1" name=""/>
+        <p:cNvGrpSpPr/>
+        <p:nvPr/>
+      </p:nvGrpSpPr>
+      <p:grpSpPr>
+        <a:xfrm>
+          <a:off x="0" y="0"/>
+          <a:ext cx="0" cy="0"/>
+          <a:chOff x="0" y="0"/>
+          <a:chExt cx="0" cy="0"/>
+        </a:xfrm>
+      </p:grpSpPr>
+      <p:sp>
+        <p:nvSpPr>
+          <p:cNvPr id="2" name="Title 1">
+            <a:extLst>
+              <a:ext uri="{FF2B5EF4-FFF2-40B4-BE49-F238E27FC236}">
+                <a16:creationId xmlns:a16="http://schemas.microsoft.com/office/drawing/2014/main" id="{6D2D345F-59A5-43A7-98F6-8EEC97F73237}"/>
+              </a:ext>
+            </a:extLst>
+          </p:cNvPr>
+          <p:cNvSpPr>
+            <a:spLocks noGrp="1"/>
+          </p:cNvSpPr>
+          <p:nvPr>
+            <p:ph type="title"/>
+          </p:nvPr>
+        </p:nvSpPr>
+        <p:spPr/>
+        <p:txBody>
+          <a:bodyPr/>
+          <a:lstStyle/>
+          <a:p>
+            <a:r>
+              <a:rPr lang="en-US" dirty="0"/>
+              <a:t>Natural Language Processing</a:t>
+            </a:r>
+            <a:br>
+              <a:rPr lang="en-US" dirty="0"/>
+            </a:br>
+            <a:r>
+              <a:rPr lang="en-US" sz="2000" dirty="0">
+                <a:solidFill>
+                  <a:schemeClr val="tx1"/>
+                </a:solidFill>
+              </a:rPr>
+              <a:t>What are the Most Popular Word Pairs in Title? N-Grams (N = 2)</a:t>
+            </a:r>
+            <a:endParaRPr lang="en-US" sz="2000" dirty="0"/>
+          </a:p>
+        </p:txBody>
+      </p:sp>
+      <p:graphicFrame>
+        <p:nvGraphicFramePr>
+          <p:cNvPr id="7" name="Chart 6">
+            <a:extLst>
+              <a:ext uri="{FF2B5EF4-FFF2-40B4-BE49-F238E27FC236}">
+                <a16:creationId xmlns:a16="http://schemas.microsoft.com/office/drawing/2014/main" id="{D6B03F56-05BF-4D47-9231-4E18044709AF}"/>
+              </a:ext>
+            </a:extLst>
+          </p:cNvPr>
+          <p:cNvGraphicFramePr>
+            <a:graphicFrameLocks/>
+          </p:cNvGraphicFramePr>
+          <p:nvPr>
+            <p:extLst>
+              <p:ext uri="{D42A27DB-BD31-4B8C-83A1-F6EECF244321}">
+                <p14:modId xmlns:p14="http://schemas.microsoft.com/office/powerpoint/2010/main" val="275822075"/>
+              </p:ext>
+            </p:extLst>
+          </p:nvPr>
+        </p:nvGraphicFramePr>
+        <p:xfrm>
+          <a:off x="5206482" y="1647367"/>
+          <a:ext cx="4529147" cy="3951000"/>
+        </p:xfrm>
+        <a:graphic>
+          <a:graphicData uri="http://schemas.openxmlformats.org/drawingml/2006/chart">
+            <c:chart xmlns:c="http://schemas.openxmlformats.org/drawingml/2006/chart" xmlns:r="http://schemas.openxmlformats.org/officeDocument/2006/relationships" r:id="rId2"/>
+          </a:graphicData>
+        </a:graphic>
+      </p:graphicFrame>
+      <p:graphicFrame>
+        <p:nvGraphicFramePr>
+          <p:cNvPr id="8" name="Chart 7">
+            <a:extLst>
+              <a:ext uri="{FF2B5EF4-FFF2-40B4-BE49-F238E27FC236}">
+                <a16:creationId xmlns:a16="http://schemas.microsoft.com/office/drawing/2014/main" id="{725255FF-097B-40CD-A9D0-53F6A5D4AF54}"/>
+              </a:ext>
+            </a:extLst>
+          </p:cNvPr>
+          <p:cNvGraphicFramePr>
+            <a:graphicFrameLocks/>
+          </p:cNvGraphicFramePr>
+          <p:nvPr>
+            <p:extLst>
+              <p:ext uri="{D42A27DB-BD31-4B8C-83A1-F6EECF244321}">
+                <p14:modId xmlns:p14="http://schemas.microsoft.com/office/powerpoint/2010/main" val="620793883"/>
+              </p:ext>
+            </p:extLst>
+          </p:nvPr>
+        </p:nvGraphicFramePr>
+        <p:xfrm>
+          <a:off x="677335" y="1647367"/>
+          <a:ext cx="4529147" cy="3951000"/>
+        </p:xfrm>
+        <a:graphic>
+          <a:graphicData uri="http://schemas.openxmlformats.org/drawingml/2006/chart">
+            <c:chart xmlns:c="http://schemas.openxmlformats.org/drawingml/2006/chart" xmlns:r="http://schemas.openxmlformats.org/officeDocument/2006/relationships" r:id="rId3"/>
+          </a:graphicData>
+        </a:graphic>
+      </p:graphicFrame>
+    </p:spTree>
+    <p:extLst>
+      <p:ext uri="{BB962C8B-B14F-4D97-AF65-F5344CB8AC3E}">
+        <p14:creationId xmlns:p14="http://schemas.microsoft.com/office/powerpoint/2010/main" val="4165014472"/>
       </p:ext>
     </p:extLst>
   </p:cSld>

--- a/presentation.pptx
+++ b/presentation.pptx
@@ -10,13 +10,15 @@
     <p:sldId id="258" r:id="rId4"/>
     <p:sldId id="263" r:id="rId5"/>
     <p:sldId id="259" r:id="rId6"/>
-    <p:sldId id="261" r:id="rId7"/>
-    <p:sldId id="265" r:id="rId8"/>
-    <p:sldId id="266" r:id="rId9"/>
-    <p:sldId id="267" r:id="rId10"/>
-    <p:sldId id="268" r:id="rId11"/>
-    <p:sldId id="269" r:id="rId12"/>
-    <p:sldId id="260" r:id="rId13"/>
+    <p:sldId id="270" r:id="rId7"/>
+    <p:sldId id="261" r:id="rId8"/>
+    <p:sldId id="271" r:id="rId9"/>
+    <p:sldId id="265" r:id="rId10"/>
+    <p:sldId id="266" r:id="rId11"/>
+    <p:sldId id="267" r:id="rId12"/>
+    <p:sldId id="268" r:id="rId13"/>
+    <p:sldId id="269" r:id="rId14"/>
+    <p:sldId id="260" r:id="rId15"/>
   </p:sldIdLst>
   <p:sldSz cx="12192000" cy="6858000"/>
   <p:notesSz cx="6858000" cy="9144000"/>
@@ -7923,7 +7925,7 @@
           <a:p>
             <a:fld id="{AB07D4FF-0896-429F-AD6E-7C1F988165BB}" type="datetimeFigureOut">
               <a:rPr lang="en-US" smtClean="0"/>
-              <a:t>7/8/2019</a:t>
+              <a:t>7/9/2019</a:t>
             </a:fld>
             <a:endParaRPr lang="en-US"/>
           </a:p>
@@ -8179,7 +8181,7 @@
           <a:p>
             <a:fld id="{AB07D4FF-0896-429F-AD6E-7C1F988165BB}" type="datetimeFigureOut">
               <a:rPr lang="en-US" smtClean="0"/>
-              <a:t>7/8/2019</a:t>
+              <a:t>7/9/2019</a:t>
             </a:fld>
             <a:endParaRPr lang="en-US"/>
           </a:p>
@@ -8493,7 +8495,7 @@
           <a:p>
             <a:fld id="{AB07D4FF-0896-429F-AD6E-7C1F988165BB}" type="datetimeFigureOut">
               <a:rPr lang="en-US" smtClean="0"/>
-              <a:t>7/8/2019</a:t>
+              <a:t>7/9/2019</a:t>
             </a:fld>
             <a:endParaRPr lang="en-US"/>
           </a:p>
@@ -8826,7 +8828,7 @@
           <a:p>
             <a:fld id="{AB07D4FF-0896-429F-AD6E-7C1F988165BB}" type="datetimeFigureOut">
               <a:rPr lang="en-US" smtClean="0"/>
-              <a:t>7/8/2019</a:t>
+              <a:t>7/9/2019</a:t>
             </a:fld>
             <a:endParaRPr lang="en-US"/>
           </a:p>
@@ -9140,7 +9142,7 @@
           <a:p>
             <a:fld id="{AB07D4FF-0896-429F-AD6E-7C1F988165BB}" type="datetimeFigureOut">
               <a:rPr lang="en-US" smtClean="0"/>
-              <a:t>7/8/2019</a:t>
+              <a:t>7/9/2019</a:t>
             </a:fld>
             <a:endParaRPr lang="en-US"/>
           </a:p>
@@ -9533,7 +9535,7 @@
           <a:p>
             <a:fld id="{AB07D4FF-0896-429F-AD6E-7C1F988165BB}" type="datetimeFigureOut">
               <a:rPr lang="en-US" smtClean="0"/>
-              <a:t>7/8/2019</a:t>
+              <a:t>7/9/2019</a:t>
             </a:fld>
             <a:endParaRPr lang="en-US"/>
           </a:p>
@@ -9703,7 +9705,7 @@
           <a:p>
             <a:fld id="{AB07D4FF-0896-429F-AD6E-7C1F988165BB}" type="datetimeFigureOut">
               <a:rPr lang="en-US" smtClean="0"/>
-              <a:t>7/8/2019</a:t>
+              <a:t>7/9/2019</a:t>
             </a:fld>
             <a:endParaRPr lang="en-US"/>
           </a:p>
@@ -9883,7 +9885,7 @@
           <a:p>
             <a:fld id="{AB07D4FF-0896-429F-AD6E-7C1F988165BB}" type="datetimeFigureOut">
               <a:rPr lang="en-US" smtClean="0"/>
-              <a:t>7/8/2019</a:t>
+              <a:t>7/9/2019</a:t>
             </a:fld>
             <a:endParaRPr lang="en-US"/>
           </a:p>
@@ -10053,7 +10055,7 @@
           <a:p>
             <a:fld id="{AB07D4FF-0896-429F-AD6E-7C1F988165BB}" type="datetimeFigureOut">
               <a:rPr lang="en-US" smtClean="0"/>
-              <a:t>7/8/2019</a:t>
+              <a:t>7/9/2019</a:t>
             </a:fld>
             <a:endParaRPr lang="en-US"/>
           </a:p>
@@ -10300,7 +10302,7 @@
           <a:p>
             <a:fld id="{AB07D4FF-0896-429F-AD6E-7C1F988165BB}" type="datetimeFigureOut">
               <a:rPr lang="en-US" smtClean="0"/>
-              <a:t>7/8/2019</a:t>
+              <a:t>7/9/2019</a:t>
             </a:fld>
             <a:endParaRPr lang="en-US"/>
           </a:p>
@@ -10532,7 +10534,7 @@
           <a:p>
             <a:fld id="{AB07D4FF-0896-429F-AD6E-7C1F988165BB}" type="datetimeFigureOut">
               <a:rPr lang="en-US" smtClean="0"/>
-              <a:t>7/8/2019</a:t>
+              <a:t>7/9/2019</a:t>
             </a:fld>
             <a:endParaRPr lang="en-US"/>
           </a:p>
@@ -10906,7 +10908,7 @@
           <a:p>
             <a:fld id="{AB07D4FF-0896-429F-AD6E-7C1F988165BB}" type="datetimeFigureOut">
               <a:rPr lang="en-US" smtClean="0"/>
-              <a:t>7/8/2019</a:t>
+              <a:t>7/9/2019</a:t>
             </a:fld>
             <a:endParaRPr lang="en-US"/>
           </a:p>
@@ -11029,7 +11031,7 @@
           <a:p>
             <a:fld id="{AB07D4FF-0896-429F-AD6E-7C1F988165BB}" type="datetimeFigureOut">
               <a:rPr lang="en-US" smtClean="0"/>
-              <a:t>7/8/2019</a:t>
+              <a:t>7/9/2019</a:t>
             </a:fld>
             <a:endParaRPr lang="en-US"/>
           </a:p>
@@ -11124,7 +11126,7 @@
           <a:p>
             <a:fld id="{AB07D4FF-0896-429F-AD6E-7C1F988165BB}" type="datetimeFigureOut">
               <a:rPr lang="en-US" smtClean="0"/>
-              <a:t>7/8/2019</a:t>
+              <a:t>7/9/2019</a:t>
             </a:fld>
             <a:endParaRPr lang="en-US"/>
           </a:p>
@@ -11384,7 +11386,7 @@
           <a:p>
             <a:fld id="{AB07D4FF-0896-429F-AD6E-7C1F988165BB}" type="datetimeFigureOut">
               <a:rPr lang="en-US" smtClean="0"/>
-              <a:t>7/8/2019</a:t>
+              <a:t>7/9/2019</a:t>
             </a:fld>
             <a:endParaRPr lang="en-US"/>
           </a:p>
@@ -11694,7 +11696,7 @@
           <a:p>
             <a:fld id="{AB07D4FF-0896-429F-AD6E-7C1F988165BB}" type="datetimeFigureOut">
               <a:rPr lang="en-US" smtClean="0"/>
-              <a:t>7/8/2019</a:t>
+              <a:t>7/9/2019</a:t>
             </a:fld>
             <a:endParaRPr lang="en-US"/>
           </a:p>
@@ -12396,7 +12398,7 @@
           <a:p>
             <a:fld id="{AB07D4FF-0896-429F-AD6E-7C1F988165BB}" type="datetimeFigureOut">
               <a:rPr lang="en-US" smtClean="0"/>
-              <a:t>7/8/2019</a:t>
+              <a:t>7/9/2019</a:t>
             </a:fld>
             <a:endParaRPr lang="en-US"/>
           </a:p>
@@ -13058,6 +13060,266 @@
                   <a:schemeClr val="tx1"/>
                 </a:solidFill>
               </a:rPr>
+              <a:t>What are the Most Popular Words in Title? N-Grams (N = 1)</a:t>
+            </a:r>
+            <a:endParaRPr lang="en-US" sz="2000" dirty="0"/>
+          </a:p>
+        </p:txBody>
+      </p:sp>
+      <p:graphicFrame>
+        <p:nvGraphicFramePr>
+          <p:cNvPr id="5" name="Chart 4">
+            <a:extLst>
+              <a:ext uri="{FF2B5EF4-FFF2-40B4-BE49-F238E27FC236}">
+                <a16:creationId xmlns:a16="http://schemas.microsoft.com/office/drawing/2014/main" id="{D9A3A95F-5B2C-44ED-93CA-5DB3C07D4760}"/>
+              </a:ext>
+            </a:extLst>
+          </p:cNvPr>
+          <p:cNvGraphicFramePr>
+            <a:graphicFrameLocks/>
+          </p:cNvGraphicFramePr>
+          <p:nvPr>
+            <p:extLst>
+              <p:ext uri="{D42A27DB-BD31-4B8C-83A1-F6EECF244321}">
+                <p14:modId xmlns:p14="http://schemas.microsoft.com/office/powerpoint/2010/main" val="1447746438"/>
+              </p:ext>
+            </p:extLst>
+          </p:nvPr>
+        </p:nvGraphicFramePr>
+        <p:xfrm>
+          <a:off x="677335" y="1647366"/>
+          <a:ext cx="4529147" cy="3951001"/>
+        </p:xfrm>
+        <a:graphic>
+          <a:graphicData uri="http://schemas.openxmlformats.org/drawingml/2006/chart">
+            <c:chart xmlns:c="http://schemas.openxmlformats.org/drawingml/2006/chart" xmlns:r="http://schemas.openxmlformats.org/officeDocument/2006/relationships" r:id="rId2"/>
+          </a:graphicData>
+        </a:graphic>
+      </p:graphicFrame>
+      <p:graphicFrame>
+        <p:nvGraphicFramePr>
+          <p:cNvPr id="6" name="Chart 5">
+            <a:extLst>
+              <a:ext uri="{FF2B5EF4-FFF2-40B4-BE49-F238E27FC236}">
+                <a16:creationId xmlns:a16="http://schemas.microsoft.com/office/drawing/2014/main" id="{F5BEA849-033A-498F-BF9F-A6C8CFF82B89}"/>
+              </a:ext>
+            </a:extLst>
+          </p:cNvPr>
+          <p:cNvGraphicFramePr>
+            <a:graphicFrameLocks/>
+          </p:cNvGraphicFramePr>
+          <p:nvPr>
+            <p:extLst>
+              <p:ext uri="{D42A27DB-BD31-4B8C-83A1-F6EECF244321}">
+                <p14:modId xmlns:p14="http://schemas.microsoft.com/office/powerpoint/2010/main" val="2239648938"/>
+              </p:ext>
+            </p:extLst>
+          </p:nvPr>
+        </p:nvGraphicFramePr>
+        <p:xfrm>
+          <a:off x="5206482" y="1647365"/>
+          <a:ext cx="4529149" cy="3951001"/>
+        </p:xfrm>
+        <a:graphic>
+          <a:graphicData uri="http://schemas.openxmlformats.org/drawingml/2006/chart">
+            <c:chart xmlns:c="http://schemas.openxmlformats.org/drawingml/2006/chart" xmlns:r="http://schemas.openxmlformats.org/officeDocument/2006/relationships" r:id="rId3"/>
+          </a:graphicData>
+        </a:graphic>
+      </p:graphicFrame>
+    </p:spTree>
+    <p:extLst>
+      <p:ext uri="{BB962C8B-B14F-4D97-AF65-F5344CB8AC3E}">
+        <p14:creationId xmlns:p14="http://schemas.microsoft.com/office/powerpoint/2010/main" val="3151245089"/>
+      </p:ext>
+    </p:extLst>
+  </p:cSld>
+  <p:clrMapOvr>
+    <a:masterClrMapping/>
+  </p:clrMapOvr>
+</p:sld>
+</file>
+
+<file path=ppt/slides/slide11.xml><?xml version="1.0" encoding="utf-8"?>
+<p:sld xmlns:a="http://schemas.openxmlformats.org/drawingml/2006/main" xmlns:r="http://schemas.openxmlformats.org/officeDocument/2006/relationships" xmlns:p="http://schemas.openxmlformats.org/presentationml/2006/main">
+  <p:cSld>
+    <p:spTree>
+      <p:nvGrpSpPr>
+        <p:cNvPr id="1" name=""/>
+        <p:cNvGrpSpPr/>
+        <p:nvPr/>
+      </p:nvGrpSpPr>
+      <p:grpSpPr>
+        <a:xfrm>
+          <a:off x="0" y="0"/>
+          <a:ext cx="0" cy="0"/>
+          <a:chOff x="0" y="0"/>
+          <a:chExt cx="0" cy="0"/>
+        </a:xfrm>
+      </p:grpSpPr>
+      <p:sp>
+        <p:nvSpPr>
+          <p:cNvPr id="2" name="Title 1">
+            <a:extLst>
+              <a:ext uri="{FF2B5EF4-FFF2-40B4-BE49-F238E27FC236}">
+                <a16:creationId xmlns:a16="http://schemas.microsoft.com/office/drawing/2014/main" id="{6D2D345F-59A5-43A7-98F6-8EEC97F73237}"/>
+              </a:ext>
+            </a:extLst>
+          </p:cNvPr>
+          <p:cNvSpPr>
+            <a:spLocks noGrp="1"/>
+          </p:cNvSpPr>
+          <p:nvPr>
+            <p:ph type="title"/>
+          </p:nvPr>
+        </p:nvSpPr>
+        <p:spPr/>
+        <p:txBody>
+          <a:bodyPr/>
+          <a:lstStyle/>
+          <a:p>
+            <a:r>
+              <a:rPr lang="en-US" dirty="0"/>
+              <a:t>Natural Language Processing</a:t>
+            </a:r>
+            <a:br>
+              <a:rPr lang="en-US" dirty="0"/>
+            </a:br>
+            <a:r>
+              <a:rPr lang="en-US" sz="2000" dirty="0">
+                <a:solidFill>
+                  <a:schemeClr val="tx1"/>
+                </a:solidFill>
+              </a:rPr>
+              <a:t>What are the Most Popular Word Pairs in Title? N-Grams (N = 2)</a:t>
+            </a:r>
+            <a:endParaRPr lang="en-US" sz="2000" dirty="0"/>
+          </a:p>
+        </p:txBody>
+      </p:sp>
+      <p:graphicFrame>
+        <p:nvGraphicFramePr>
+          <p:cNvPr id="7" name="Chart 6">
+            <a:extLst>
+              <a:ext uri="{FF2B5EF4-FFF2-40B4-BE49-F238E27FC236}">
+                <a16:creationId xmlns:a16="http://schemas.microsoft.com/office/drawing/2014/main" id="{D6B03F56-05BF-4D47-9231-4E18044709AF}"/>
+              </a:ext>
+            </a:extLst>
+          </p:cNvPr>
+          <p:cNvGraphicFramePr>
+            <a:graphicFrameLocks/>
+          </p:cNvGraphicFramePr>
+          <p:nvPr>
+            <p:extLst>
+              <p:ext uri="{D42A27DB-BD31-4B8C-83A1-F6EECF244321}">
+                <p14:modId xmlns:p14="http://schemas.microsoft.com/office/powerpoint/2010/main" val="275822075"/>
+              </p:ext>
+            </p:extLst>
+          </p:nvPr>
+        </p:nvGraphicFramePr>
+        <p:xfrm>
+          <a:off x="5206482" y="1647367"/>
+          <a:ext cx="4529147" cy="3951000"/>
+        </p:xfrm>
+        <a:graphic>
+          <a:graphicData uri="http://schemas.openxmlformats.org/drawingml/2006/chart">
+            <c:chart xmlns:c="http://schemas.openxmlformats.org/drawingml/2006/chart" xmlns:r="http://schemas.openxmlformats.org/officeDocument/2006/relationships" r:id="rId2"/>
+          </a:graphicData>
+        </a:graphic>
+      </p:graphicFrame>
+      <p:graphicFrame>
+        <p:nvGraphicFramePr>
+          <p:cNvPr id="8" name="Chart 7">
+            <a:extLst>
+              <a:ext uri="{FF2B5EF4-FFF2-40B4-BE49-F238E27FC236}">
+                <a16:creationId xmlns:a16="http://schemas.microsoft.com/office/drawing/2014/main" id="{725255FF-097B-40CD-A9D0-53F6A5D4AF54}"/>
+              </a:ext>
+            </a:extLst>
+          </p:cNvPr>
+          <p:cNvGraphicFramePr>
+            <a:graphicFrameLocks/>
+          </p:cNvGraphicFramePr>
+          <p:nvPr>
+            <p:extLst>
+              <p:ext uri="{D42A27DB-BD31-4B8C-83A1-F6EECF244321}">
+                <p14:modId xmlns:p14="http://schemas.microsoft.com/office/powerpoint/2010/main" val="620793883"/>
+              </p:ext>
+            </p:extLst>
+          </p:nvPr>
+        </p:nvGraphicFramePr>
+        <p:xfrm>
+          <a:off x="677335" y="1647367"/>
+          <a:ext cx="4529147" cy="3951000"/>
+        </p:xfrm>
+        <a:graphic>
+          <a:graphicData uri="http://schemas.openxmlformats.org/drawingml/2006/chart">
+            <c:chart xmlns:c="http://schemas.openxmlformats.org/drawingml/2006/chart" xmlns:r="http://schemas.openxmlformats.org/officeDocument/2006/relationships" r:id="rId3"/>
+          </a:graphicData>
+        </a:graphic>
+      </p:graphicFrame>
+    </p:spTree>
+    <p:extLst>
+      <p:ext uri="{BB962C8B-B14F-4D97-AF65-F5344CB8AC3E}">
+        <p14:creationId xmlns:p14="http://schemas.microsoft.com/office/powerpoint/2010/main" val="4165014472"/>
+      </p:ext>
+    </p:extLst>
+  </p:cSld>
+  <p:clrMapOvr>
+    <a:masterClrMapping/>
+  </p:clrMapOvr>
+</p:sld>
+</file>
+
+<file path=ppt/slides/slide12.xml><?xml version="1.0" encoding="utf-8"?>
+<p:sld xmlns:a="http://schemas.openxmlformats.org/drawingml/2006/main" xmlns:r="http://schemas.openxmlformats.org/officeDocument/2006/relationships" xmlns:p="http://schemas.openxmlformats.org/presentationml/2006/main">
+  <p:cSld>
+    <p:spTree>
+      <p:nvGrpSpPr>
+        <p:cNvPr id="1" name=""/>
+        <p:cNvGrpSpPr/>
+        <p:nvPr/>
+      </p:nvGrpSpPr>
+      <p:grpSpPr>
+        <a:xfrm>
+          <a:off x="0" y="0"/>
+          <a:ext cx="0" cy="0"/>
+          <a:chOff x="0" y="0"/>
+          <a:chExt cx="0" cy="0"/>
+        </a:xfrm>
+      </p:grpSpPr>
+      <p:sp>
+        <p:nvSpPr>
+          <p:cNvPr id="2" name="Title 1">
+            <a:extLst>
+              <a:ext uri="{FF2B5EF4-FFF2-40B4-BE49-F238E27FC236}">
+                <a16:creationId xmlns:a16="http://schemas.microsoft.com/office/drawing/2014/main" id="{6D2D345F-59A5-43A7-98F6-8EEC97F73237}"/>
+              </a:ext>
+            </a:extLst>
+          </p:cNvPr>
+          <p:cNvSpPr>
+            <a:spLocks noGrp="1"/>
+          </p:cNvSpPr>
+          <p:nvPr>
+            <p:ph type="title"/>
+          </p:nvPr>
+        </p:nvSpPr>
+        <p:spPr/>
+        <p:txBody>
+          <a:bodyPr/>
+          <a:lstStyle/>
+          <a:p>
+            <a:r>
+              <a:rPr lang="en-US" dirty="0"/>
+              <a:t>Natural Language Processing</a:t>
+            </a:r>
+            <a:br>
+              <a:rPr lang="en-US" dirty="0"/>
+            </a:br>
+            <a:r>
+              <a:rPr lang="en-US" sz="2000" dirty="0">
+                <a:solidFill>
+                  <a:schemeClr val="tx1"/>
+                </a:solidFill>
+              </a:rPr>
               <a:t>What are the Most Popular Word Triplets in Title? N-Grams (N = 3)</a:t>
             </a:r>
             <a:endParaRPr lang="en-US" sz="2000" dirty="0"/>
@@ -13137,7 +13399,7 @@
 </p:sld>
 </file>
 
-<file path=ppt/slides/slide11.xml><?xml version="1.0" encoding="utf-8"?>
+<file path=ppt/slides/slide13.xml><?xml version="1.0" encoding="utf-8"?>
 <p:sld xmlns:a="http://schemas.openxmlformats.org/drawingml/2006/main" xmlns:r="http://schemas.openxmlformats.org/officeDocument/2006/relationships" xmlns:p="http://schemas.openxmlformats.org/presentationml/2006/main">
   <p:cSld>
     <p:spTree>
@@ -13243,7 +13505,7 @@
 </p:sld>
 </file>
 
-<file path=ppt/slides/slide12.xml><?xml version="1.0" encoding="utf-8"?>
+<file path=ppt/slides/slide14.xml><?xml version="1.0" encoding="utf-8"?>
 <p:sld xmlns:a="http://schemas.openxmlformats.org/drawingml/2006/main" xmlns:r="http://schemas.openxmlformats.org/officeDocument/2006/relationships" xmlns:p="http://schemas.openxmlformats.org/presentationml/2006/main">
   <p:cSld>
     <p:spTree>
@@ -13316,7 +13578,51 @@
           <a:p>
             <a:r>
               <a:rPr lang="en-US" dirty="0"/>
-              <a:t>==</a:t>
+              <a:t>Automate extraction of papers from most prestigious conferences once they appear (e.g. send emails with a link to articles)</a:t>
+            </a:r>
+          </a:p>
+          <a:p>
+            <a:r>
+              <a:rPr lang="en-US" dirty="0"/>
+              <a:t>Apply machine learning methods for hierarchical topic modeling, e.g., Latent Dirichlet Allocation (LDA) using articles abstracts</a:t>
+            </a:r>
+          </a:p>
+          <a:p>
+            <a:pPr lvl="1"/>
+            <a:r>
+              <a:rPr lang="en-US" dirty="0"/>
+              <a:t>Implement a clustering model on articles</a:t>
+            </a:r>
+          </a:p>
+          <a:p>
+            <a:pPr lvl="1"/>
+            <a:r>
+              <a:rPr lang="en-US" dirty="0"/>
+              <a:t>Build a recommendation system that selects articles similar to specified based on clusters</a:t>
+            </a:r>
+          </a:p>
+          <a:p>
+            <a:r>
+              <a:rPr lang="en-US" dirty="0"/>
+              <a:t>Currently searching algorithm is very basic</a:t>
+            </a:r>
+          </a:p>
+          <a:p>
+            <a:pPr lvl="1"/>
+            <a:r>
+              <a:rPr lang="en-US" dirty="0"/>
+              <a:t>Implement an advanced version of algorithm ranking articles on different combinations </a:t>
+            </a:r>
+            <a:r>
+              <a:rPr lang="en-US"/>
+              <a:t>of keywords</a:t>
+            </a:r>
+            <a:endParaRPr lang="en-US" dirty="0"/>
+          </a:p>
+          <a:p>
+            <a:r>
+              <a:rPr lang="en-US" dirty="0"/>
+              <a:t>Improve scraping of google scholar to avoid being blocked</a:t>
             </a:r>
           </a:p>
         </p:txBody>
@@ -13958,6 +14264,170 @@
 </file>
 
 <file path=ppt/slides/slide6.xml><?xml version="1.0" encoding="utf-8"?>
+<p:sld xmlns:a="http://schemas.openxmlformats.org/drawingml/2006/main" xmlns:r="http://schemas.openxmlformats.org/officeDocument/2006/relationships" xmlns:p="http://schemas.openxmlformats.org/presentationml/2006/main">
+  <p:cSld>
+    <p:spTree>
+      <p:nvGrpSpPr>
+        <p:cNvPr id="1" name=""/>
+        <p:cNvGrpSpPr/>
+        <p:nvPr/>
+      </p:nvGrpSpPr>
+      <p:grpSpPr>
+        <a:xfrm>
+          <a:off x="0" y="0"/>
+          <a:ext cx="0" cy="0"/>
+          <a:chOff x="0" y="0"/>
+          <a:chExt cx="0" cy="0"/>
+        </a:xfrm>
+      </p:grpSpPr>
+      <p:sp>
+        <p:nvSpPr>
+          <p:cNvPr id="2" name="Title 1">
+            <a:extLst>
+              <a:ext uri="{FF2B5EF4-FFF2-40B4-BE49-F238E27FC236}">
+                <a16:creationId xmlns:a16="http://schemas.microsoft.com/office/drawing/2014/main" id="{6D2D345F-59A5-43A7-98F6-8EEC97F73237}"/>
+              </a:ext>
+            </a:extLst>
+          </p:cNvPr>
+          <p:cNvSpPr>
+            <a:spLocks noGrp="1"/>
+          </p:cNvSpPr>
+          <p:nvPr>
+            <p:ph type="title"/>
+          </p:nvPr>
+        </p:nvSpPr>
+        <p:spPr/>
+        <p:txBody>
+          <a:bodyPr/>
+          <a:lstStyle/>
+          <a:p>
+            <a:r>
+              <a:rPr lang="en-US" dirty="0"/>
+              <a:t>Citations Data</a:t>
+            </a:r>
+            <a:br>
+              <a:rPr lang="en-US" dirty="0"/>
+            </a:br>
+            <a:r>
+              <a:rPr lang="en-US" sz="2000" dirty="0">
+                <a:solidFill>
+                  <a:schemeClr val="tx1"/>
+                </a:solidFill>
+              </a:rPr>
+              <a:t>What are the Most Cited Authors?</a:t>
+            </a:r>
+            <a:endParaRPr lang="en-US" dirty="0"/>
+          </a:p>
+        </p:txBody>
+      </p:sp>
+      <p:sp>
+        <p:nvSpPr>
+          <p:cNvPr id="3" name="Content Placeholder 2">
+            <a:extLst>
+              <a:ext uri="{FF2B5EF4-FFF2-40B4-BE49-F238E27FC236}">
+                <a16:creationId xmlns:a16="http://schemas.microsoft.com/office/drawing/2014/main" id="{87E905CE-9DD7-4B91-8F98-E27CB40C9D3C}"/>
+              </a:ext>
+            </a:extLst>
+          </p:cNvPr>
+          <p:cNvSpPr>
+            <a:spLocks noGrp="1"/>
+          </p:cNvSpPr>
+          <p:nvPr>
+            <p:ph idx="1"/>
+          </p:nvPr>
+        </p:nvSpPr>
+        <p:spPr/>
+        <p:txBody>
+          <a:bodyPr/>
+          <a:lstStyle/>
+          <a:p>
+            <a:r>
+              <a:rPr lang="en-US" dirty="0"/>
+              <a:t>Name matching problem: author’s name is not a unique identifier, multiple authors can have the same name</a:t>
+            </a:r>
+          </a:p>
+          <a:p>
+            <a:r>
+              <a:rPr lang="en-US" dirty="0"/>
+              <a:t>Each author has a unique identifier google_scholar_id</a:t>
+            </a:r>
+          </a:p>
+          <a:p>
+            <a:pPr lvl="1"/>
+            <a:r>
+              <a:rPr lang="en-US" dirty="0"/>
+              <a:t>https://scholar.google.com/citations?user=</a:t>
+            </a:r>
+            <a:r>
+              <a:rPr lang="en-US" b="1" dirty="0"/>
+              <a:t>PoXHiS8AAAAJ&amp;hl=en&amp;oi=ao</a:t>
+            </a:r>
+            <a:endParaRPr lang="en-US" dirty="0"/>
+          </a:p>
+          <a:p>
+            <a:r>
+              <a:rPr lang="en-US" dirty="0"/>
+              <a:t>Below is a list of authors sorted by number of citations</a:t>
+            </a:r>
+          </a:p>
+          <a:p>
+            <a:pPr marL="0" indent="0">
+              <a:buNone/>
+            </a:pPr>
+            <a:endParaRPr lang="en-US" dirty="0"/>
+          </a:p>
+        </p:txBody>
+      </p:sp>
+      <p:pic>
+        <p:nvPicPr>
+          <p:cNvPr id="7" name="Picture 6">
+            <a:extLst>
+              <a:ext uri="{FF2B5EF4-FFF2-40B4-BE49-F238E27FC236}">
+                <a16:creationId xmlns:a16="http://schemas.microsoft.com/office/drawing/2014/main" id="{26A691E5-0F78-4FB9-9E3C-FB64EE3A16E3}"/>
+              </a:ext>
+            </a:extLst>
+          </p:cNvPr>
+          <p:cNvPicPr>
+            <a:picLocks noChangeAspect="1"/>
+          </p:cNvPicPr>
+          <p:nvPr/>
+        </p:nvPicPr>
+        <p:blipFill>
+          <a:blip r:embed="rId2">
+            <a:extLst>
+              <a:ext uri="{28A0092B-C50C-407E-A947-70E740481C1C}">
+                <a14:useLocalDpi xmlns:a14="http://schemas.microsoft.com/office/drawing/2010/main" val="0"/>
+              </a:ext>
+            </a:extLst>
+          </a:blip>
+          <a:stretch>
+            <a:fillRect/>
+          </a:stretch>
+        </p:blipFill>
+        <p:spPr>
+          <a:xfrm>
+            <a:off x="1078446" y="4100975"/>
+            <a:ext cx="4239217" cy="2734057"/>
+          </a:xfrm>
+          <a:prstGeom prst="rect">
+            <a:avLst/>
+          </a:prstGeom>
+        </p:spPr>
+      </p:pic>
+    </p:spTree>
+    <p:extLst>
+      <p:ext uri="{BB962C8B-B14F-4D97-AF65-F5344CB8AC3E}">
+        <p14:creationId xmlns:p14="http://schemas.microsoft.com/office/powerpoint/2010/main" val="2437431656"/>
+      </p:ext>
+    </p:extLst>
+  </p:cSld>
+  <p:clrMapOvr>
+    <a:masterClrMapping/>
+  </p:clrMapOvr>
+</p:sld>
+</file>
+
+<file path=ppt/slides/slide7.xml><?xml version="1.0" encoding="utf-8"?>
 <p:sld xmlns:a="http://schemas.openxmlformats.org/drawingml/2006/main" xmlns:r="http://schemas.openxmlformats.org/officeDocument/2006/relationships" xmlns:p="http://schemas.openxmlformats.org/presentationml/2006/main">
   <p:cSld>
     <p:spTree>
@@ -14533,106 +15003,6 @@
 </p:sld>
 </file>
 
-<file path=ppt/slides/slide7.xml><?xml version="1.0" encoding="utf-8"?>
-<p:sld xmlns:a="http://schemas.openxmlformats.org/drawingml/2006/main" xmlns:r="http://schemas.openxmlformats.org/officeDocument/2006/relationships" xmlns:p="http://schemas.openxmlformats.org/presentationml/2006/main">
-  <p:cSld>
-    <p:spTree>
-      <p:nvGrpSpPr>
-        <p:cNvPr id="1" name=""/>
-        <p:cNvGrpSpPr/>
-        <p:nvPr/>
-      </p:nvGrpSpPr>
-      <p:grpSpPr>
-        <a:xfrm>
-          <a:off x="0" y="0"/>
-          <a:ext cx="0" cy="0"/>
-          <a:chOff x="0" y="0"/>
-          <a:chExt cx="0" cy="0"/>
-        </a:xfrm>
-      </p:grpSpPr>
-      <p:sp>
-        <p:nvSpPr>
-          <p:cNvPr id="2" name="Title 1">
-            <a:extLst>
-              <a:ext uri="{FF2B5EF4-FFF2-40B4-BE49-F238E27FC236}">
-                <a16:creationId xmlns:a16="http://schemas.microsoft.com/office/drawing/2014/main" id="{6D2D345F-59A5-43A7-98F6-8EEC97F73237}"/>
-              </a:ext>
-            </a:extLst>
-          </p:cNvPr>
-          <p:cNvSpPr>
-            <a:spLocks noGrp="1"/>
-          </p:cNvSpPr>
-          <p:nvPr>
-            <p:ph type="title"/>
-          </p:nvPr>
-        </p:nvSpPr>
-        <p:spPr/>
-        <p:txBody>
-          <a:bodyPr/>
-          <a:lstStyle/>
-          <a:p>
-            <a:r>
-              <a:rPr lang="en-US" dirty="0"/>
-              <a:t>Natural Language Processing</a:t>
-            </a:r>
-            <a:br>
-              <a:rPr lang="en-US" dirty="0"/>
-            </a:br>
-            <a:r>
-              <a:rPr lang="en-US" sz="2000" dirty="0">
-                <a:solidFill>
-                  <a:schemeClr val="tx1"/>
-                </a:solidFill>
-              </a:rPr>
-              <a:t>What are the Most Popular Authors by Number of Articles?</a:t>
-            </a:r>
-            <a:endParaRPr lang="en-US" sz="2000" dirty="0"/>
-          </a:p>
-        </p:txBody>
-      </p:sp>
-      <p:graphicFrame>
-        <p:nvGraphicFramePr>
-          <p:cNvPr id="4" name="Chart 3">
-            <a:extLst>
-              <a:ext uri="{FF2B5EF4-FFF2-40B4-BE49-F238E27FC236}">
-                <a16:creationId xmlns:a16="http://schemas.microsoft.com/office/drawing/2014/main" id="{F7E42CFD-0A8C-4171-930A-EDD9EE1EF75A}"/>
-              </a:ext>
-            </a:extLst>
-          </p:cNvPr>
-          <p:cNvGraphicFramePr>
-            <a:graphicFrameLocks/>
-          </p:cNvGraphicFramePr>
-          <p:nvPr>
-            <p:extLst>
-              <p:ext uri="{D42A27DB-BD31-4B8C-83A1-F6EECF244321}">
-                <p14:modId xmlns:p14="http://schemas.microsoft.com/office/powerpoint/2010/main" val="407623878"/>
-              </p:ext>
-            </p:extLst>
-          </p:nvPr>
-        </p:nvGraphicFramePr>
-        <p:xfrm>
-          <a:off x="677333" y="1663876"/>
-          <a:ext cx="5760789" cy="4643614"/>
-        </p:xfrm>
-        <a:graphic>
-          <a:graphicData uri="http://schemas.openxmlformats.org/drawingml/2006/chart">
-            <c:chart xmlns:c="http://schemas.openxmlformats.org/drawingml/2006/chart" xmlns:r="http://schemas.openxmlformats.org/officeDocument/2006/relationships" r:id="rId2"/>
-          </a:graphicData>
-        </a:graphic>
-      </p:graphicFrame>
-    </p:spTree>
-    <p:extLst>
-      <p:ext uri="{BB962C8B-B14F-4D97-AF65-F5344CB8AC3E}">
-        <p14:creationId xmlns:p14="http://schemas.microsoft.com/office/powerpoint/2010/main" val="1228367063"/>
-      </p:ext>
-    </p:extLst>
-  </p:cSld>
-  <p:clrMapOvr>
-    <a:masterClrMapping/>
-  </p:clrMapOvr>
-</p:sld>
-</file>
-
 <file path=ppt/slides/slide8.xml><?xml version="1.0" encoding="utf-8"?>
 <p:sld xmlns:a="http://schemas.openxmlformats.org/drawingml/2006/main" xmlns:r="http://schemas.openxmlformats.org/officeDocument/2006/relationships" xmlns:p="http://schemas.openxmlformats.org/presentationml/2006/main">
   <p:cSld>
@@ -14684,76 +15054,100 @@
                   <a:schemeClr val="tx1"/>
                 </a:solidFill>
               </a:rPr>
-              <a:t>What are the Most Popular Words in Title? N-Grams (N = 1)</a:t>
-            </a:r>
-            <a:endParaRPr lang="en-US" sz="2000" dirty="0"/>
+              <a:t>Searching Articles by Keywords</a:t>
+            </a:r>
+            <a:endParaRPr lang="en-US" dirty="0"/>
           </a:p>
         </p:txBody>
       </p:sp>
-      <p:graphicFrame>
-        <p:nvGraphicFramePr>
-          <p:cNvPr id="5" name="Chart 4">
+      <p:sp>
+        <p:nvSpPr>
+          <p:cNvPr id="3" name="Content Placeholder 2">
             <a:extLst>
               <a:ext uri="{FF2B5EF4-FFF2-40B4-BE49-F238E27FC236}">
-                <a16:creationId xmlns:a16="http://schemas.microsoft.com/office/drawing/2014/main" id="{D9A3A95F-5B2C-44ED-93CA-5DB3C07D4760}"/>
+                <a16:creationId xmlns:a16="http://schemas.microsoft.com/office/drawing/2014/main" id="{87E905CE-9DD7-4B91-8F98-E27CB40C9D3C}"/>
               </a:ext>
             </a:extLst>
           </p:cNvPr>
-          <p:cNvGraphicFramePr>
-            <a:graphicFrameLocks/>
-          </p:cNvGraphicFramePr>
+          <p:cNvSpPr>
+            <a:spLocks noGrp="1"/>
+          </p:cNvSpPr>
           <p:nvPr>
-            <p:extLst>
-              <p:ext uri="{D42A27DB-BD31-4B8C-83A1-F6EECF244321}">
-                <p14:modId xmlns:p14="http://schemas.microsoft.com/office/powerpoint/2010/main" val="1447746438"/>
-              </p:ext>
-            </p:extLst>
+            <p:ph idx="1"/>
           </p:nvPr>
-        </p:nvGraphicFramePr>
-        <p:xfrm>
-          <a:off x="677335" y="1647366"/>
-          <a:ext cx="4529147" cy="3951001"/>
-        </p:xfrm>
-        <a:graphic>
-          <a:graphicData uri="http://schemas.openxmlformats.org/drawingml/2006/chart">
-            <c:chart xmlns:c="http://schemas.openxmlformats.org/drawingml/2006/chart" xmlns:r="http://schemas.openxmlformats.org/officeDocument/2006/relationships" r:id="rId2"/>
-          </a:graphicData>
-        </a:graphic>
-      </p:graphicFrame>
-      <p:graphicFrame>
-        <p:nvGraphicFramePr>
-          <p:cNvPr id="6" name="Chart 5">
+        </p:nvSpPr>
+        <p:spPr/>
+        <p:txBody>
+          <a:bodyPr/>
+          <a:lstStyle/>
+          <a:p>
+            <a:r>
+              <a:rPr lang="en-US" dirty="0"/>
+              <a:t>For a given keywords in string format – find articles containing it</a:t>
+            </a:r>
+          </a:p>
+          <a:p>
+            <a:pPr lvl="1"/>
+            <a:r>
+              <a:rPr lang="en-US" dirty="0"/>
+              <a:t>Optionality of searching in articles titles and abstracts</a:t>
+            </a:r>
+          </a:p>
+          <a:p>
+            <a:pPr lvl="1"/>
+            <a:r>
+              <a:rPr lang="en-US" dirty="0"/>
+              <a:t>The articles should be sorted in descending order by number of citations </a:t>
+            </a:r>
+          </a:p>
+          <a:p>
+            <a:pPr marL="0" indent="0">
+              <a:buNone/>
+            </a:pPr>
+            <a:endParaRPr lang="en-US" dirty="0"/>
+          </a:p>
+        </p:txBody>
+      </p:sp>
+      <p:pic>
+        <p:nvPicPr>
+          <p:cNvPr id="5" name="Picture 4">
             <a:extLst>
               <a:ext uri="{FF2B5EF4-FFF2-40B4-BE49-F238E27FC236}">
-                <a16:creationId xmlns:a16="http://schemas.microsoft.com/office/drawing/2014/main" id="{F5BEA849-033A-498F-BF9F-A6C8CFF82B89}"/>
+                <a16:creationId xmlns:a16="http://schemas.microsoft.com/office/drawing/2014/main" id="{9878D00C-8CB7-4D4F-B383-093280ED7C54}"/>
               </a:ext>
             </a:extLst>
           </p:cNvPr>
-          <p:cNvGraphicFramePr>
-            <a:graphicFrameLocks/>
-          </p:cNvGraphicFramePr>
-          <p:nvPr>
-            <p:extLst>
-              <p:ext uri="{D42A27DB-BD31-4B8C-83A1-F6EECF244321}">
-                <p14:modId xmlns:p14="http://schemas.microsoft.com/office/powerpoint/2010/main" val="2239648938"/>
-              </p:ext>
-            </p:extLst>
-          </p:nvPr>
-        </p:nvGraphicFramePr>
-        <p:xfrm>
-          <a:off x="5206482" y="1647365"/>
-          <a:ext cx="4529149" cy="3951001"/>
-        </p:xfrm>
-        <a:graphic>
-          <a:graphicData uri="http://schemas.openxmlformats.org/drawingml/2006/chart">
-            <c:chart xmlns:c="http://schemas.openxmlformats.org/drawingml/2006/chart" xmlns:r="http://schemas.openxmlformats.org/officeDocument/2006/relationships" r:id="rId3"/>
-          </a:graphicData>
-        </a:graphic>
-      </p:graphicFrame>
+          <p:cNvPicPr>
+            <a:picLocks noChangeAspect="1"/>
+          </p:cNvPicPr>
+          <p:nvPr/>
+        </p:nvPicPr>
+        <p:blipFill>
+          <a:blip r:embed="rId2">
+            <a:extLst>
+              <a:ext uri="{28A0092B-C50C-407E-A947-70E740481C1C}">
+                <a14:useLocalDpi xmlns:a14="http://schemas.microsoft.com/office/drawing/2010/main" val="0"/>
+              </a:ext>
+            </a:extLst>
+          </a:blip>
+          <a:stretch>
+            <a:fillRect/>
+          </a:stretch>
+        </p:blipFill>
+        <p:spPr>
+          <a:xfrm>
+            <a:off x="893903" y="3428999"/>
+            <a:ext cx="8168154" cy="2842551"/>
+          </a:xfrm>
+          <a:prstGeom prst="rect">
+            <a:avLst/>
+          </a:prstGeom>
+        </p:spPr>
+      </p:pic>
     </p:spTree>
     <p:extLst>
       <p:ext uri="{BB962C8B-B14F-4D97-AF65-F5344CB8AC3E}">
-        <p14:creationId xmlns:p14="http://schemas.microsoft.com/office/powerpoint/2010/main" val="3151245089"/>
+        <p14:creationId xmlns:p14="http://schemas.microsoft.com/office/powerpoint/2010/main" val="619144187"/>
       </p:ext>
     </p:extLst>
   </p:cSld>
@@ -14814,7 +15208,7 @@
                   <a:schemeClr val="tx1"/>
                 </a:solidFill>
               </a:rPr>
-              <a:t>What are the Most Popular Word Pairs in Title? N-Grams (N = 2)</a:t>
+              <a:t>What are the Most Popular Authors by Number of Articles?</a:t>
             </a:r>
             <a:endParaRPr lang="en-US" sz="2000" dirty="0"/>
           </a:p>
@@ -14822,10 +15216,10 @@
       </p:sp>
       <p:graphicFrame>
         <p:nvGraphicFramePr>
-          <p:cNvPr id="7" name="Chart 6">
+          <p:cNvPr id="4" name="Chart 3">
             <a:extLst>
               <a:ext uri="{FF2B5EF4-FFF2-40B4-BE49-F238E27FC236}">
-                <a16:creationId xmlns:a16="http://schemas.microsoft.com/office/drawing/2014/main" id="{D6B03F56-05BF-4D47-9231-4E18044709AF}"/>
+                <a16:creationId xmlns:a16="http://schemas.microsoft.com/office/drawing/2014/main" id="{F7E42CFD-0A8C-4171-930A-EDD9EE1EF75A}"/>
               </a:ext>
             </a:extLst>
           </p:cNvPr>
@@ -14835,14 +15229,14 @@
           <p:nvPr>
             <p:extLst>
               <p:ext uri="{D42A27DB-BD31-4B8C-83A1-F6EECF244321}">
-                <p14:modId xmlns:p14="http://schemas.microsoft.com/office/powerpoint/2010/main" val="275822075"/>
+                <p14:modId xmlns:p14="http://schemas.microsoft.com/office/powerpoint/2010/main" val="407623878"/>
               </p:ext>
             </p:extLst>
           </p:nvPr>
         </p:nvGraphicFramePr>
         <p:xfrm>
-          <a:off x="5206482" y="1647367"/>
-          <a:ext cx="4529147" cy="3951000"/>
+          <a:off x="677333" y="1663876"/>
+          <a:ext cx="5760789" cy="4643614"/>
         </p:xfrm>
         <a:graphic>
           <a:graphicData uri="http://schemas.openxmlformats.org/drawingml/2006/chart">
@@ -14850,40 +15244,10 @@
           </a:graphicData>
         </a:graphic>
       </p:graphicFrame>
-      <p:graphicFrame>
-        <p:nvGraphicFramePr>
-          <p:cNvPr id="8" name="Chart 7">
-            <a:extLst>
-              <a:ext uri="{FF2B5EF4-FFF2-40B4-BE49-F238E27FC236}">
-                <a16:creationId xmlns:a16="http://schemas.microsoft.com/office/drawing/2014/main" id="{725255FF-097B-40CD-A9D0-53F6A5D4AF54}"/>
-              </a:ext>
-            </a:extLst>
-          </p:cNvPr>
-          <p:cNvGraphicFramePr>
-            <a:graphicFrameLocks/>
-          </p:cNvGraphicFramePr>
-          <p:nvPr>
-            <p:extLst>
-              <p:ext uri="{D42A27DB-BD31-4B8C-83A1-F6EECF244321}">
-                <p14:modId xmlns:p14="http://schemas.microsoft.com/office/powerpoint/2010/main" val="620793883"/>
-              </p:ext>
-            </p:extLst>
-          </p:nvPr>
-        </p:nvGraphicFramePr>
-        <p:xfrm>
-          <a:off x="677335" y="1647367"/>
-          <a:ext cx="4529147" cy="3951000"/>
-        </p:xfrm>
-        <a:graphic>
-          <a:graphicData uri="http://schemas.openxmlformats.org/drawingml/2006/chart">
-            <c:chart xmlns:c="http://schemas.openxmlformats.org/drawingml/2006/chart" xmlns:r="http://schemas.openxmlformats.org/officeDocument/2006/relationships" r:id="rId3"/>
-          </a:graphicData>
-        </a:graphic>
-      </p:graphicFrame>
     </p:spTree>
     <p:extLst>
       <p:ext uri="{BB962C8B-B14F-4D97-AF65-F5344CB8AC3E}">
-        <p14:creationId xmlns:p14="http://schemas.microsoft.com/office/powerpoint/2010/main" val="4165014472"/>
+        <p14:creationId xmlns:p14="http://schemas.microsoft.com/office/powerpoint/2010/main" val="1228367063"/>
       </p:ext>
     </p:extLst>
   </p:cSld>
